--- a/slides/mapreduce/3.1_combiners_in_mapreduce.pptx
+++ b/slides/mapreduce/3.1_combiners_in_mapreduce.pptx
@@ -7,25 +7,38 @@
   <p:sldIdLst>
     <p:sldId id="256" r:id="rId2"/>
     <p:sldId id="265" r:id="rId3"/>
-    <p:sldId id="257" r:id="rId4"/>
-    <p:sldId id="290" r:id="rId5"/>
-    <p:sldId id="289" r:id="rId6"/>
-    <p:sldId id="292" r:id="rId7"/>
-    <p:sldId id="268" r:id="rId8"/>
-    <p:sldId id="269" r:id="rId9"/>
-    <p:sldId id="270" r:id="rId10"/>
-    <p:sldId id="271" r:id="rId11"/>
-    <p:sldId id="272" r:id="rId12"/>
-    <p:sldId id="273" r:id="rId13"/>
-    <p:sldId id="274" r:id="rId14"/>
-    <p:sldId id="275" r:id="rId15"/>
-    <p:sldId id="277" r:id="rId16"/>
-    <p:sldId id="279" r:id="rId17"/>
-    <p:sldId id="284" r:id="rId18"/>
-    <p:sldId id="285" r:id="rId19"/>
-    <p:sldId id="286" r:id="rId20"/>
-    <p:sldId id="287" r:id="rId21"/>
-    <p:sldId id="288" r:id="rId22"/>
+    <p:sldId id="305" r:id="rId4"/>
+    <p:sldId id="257" r:id="rId5"/>
+    <p:sldId id="290" r:id="rId6"/>
+    <p:sldId id="289" r:id="rId7"/>
+    <p:sldId id="292" r:id="rId8"/>
+    <p:sldId id="293" r:id="rId9"/>
+    <p:sldId id="268" r:id="rId10"/>
+    <p:sldId id="294" r:id="rId11"/>
+    <p:sldId id="269" r:id="rId12"/>
+    <p:sldId id="270" r:id="rId13"/>
+    <p:sldId id="295" r:id="rId14"/>
+    <p:sldId id="271" r:id="rId15"/>
+    <p:sldId id="272" r:id="rId16"/>
+    <p:sldId id="297" r:id="rId17"/>
+    <p:sldId id="299" r:id="rId18"/>
+    <p:sldId id="300" r:id="rId19"/>
+    <p:sldId id="301" r:id="rId20"/>
+    <p:sldId id="302" r:id="rId21"/>
+    <p:sldId id="303" r:id="rId22"/>
+    <p:sldId id="304" r:id="rId23"/>
+    <p:sldId id="296" r:id="rId24"/>
+    <p:sldId id="273" r:id="rId25"/>
+    <p:sldId id="274" r:id="rId26"/>
+    <p:sldId id="275" r:id="rId27"/>
+    <p:sldId id="277" r:id="rId28"/>
+    <p:sldId id="306" r:id="rId29"/>
+    <p:sldId id="279" r:id="rId30"/>
+    <p:sldId id="284" r:id="rId31"/>
+    <p:sldId id="285" r:id="rId32"/>
+    <p:sldId id="286" r:id="rId33"/>
+    <p:sldId id="287" r:id="rId34"/>
+    <p:sldId id="288" r:id="rId35"/>
   </p:sldIdLst>
   <p:sldSz cx="12192000" cy="6858000"/>
   <p:notesSz cx="6858000" cy="9144000"/>
@@ -6693,13 +6706,8 @@
           <a:p>
             <a:r>
               <a:rPr lang="en-US" dirty="0"/>
-              <a:t>Mahmoud </a:t>
-            </a:r>
-            <a:r>
-              <a:rPr lang="en-US"/>
-              <a:t>(Max) Parsian</a:t>
-            </a:r>
-            <a:endParaRPr lang="en-US" dirty="0"/>
+              <a:t>Mahmoud Parsian</a:t>
+            </a:r>
           </a:p>
           <a:p>
             <a:r>
@@ -6758,55 +6766,221 @@
         <p:spPr>
           <a:xfrm>
             <a:off x="838200" y="365126"/>
-            <a:ext cx="10515600" cy="450420"/>
+            <a:ext cx="10515600" cy="706930"/>
           </a:xfrm>
         </p:spPr>
         <p:txBody>
           <a:bodyPr>
-            <a:normAutofit fontScale="90000"/>
+            <a:normAutofit/>
           </a:bodyPr>
           <a:lstStyle/>
           <a:p>
             <a:r>
               <a:rPr lang="en-US" dirty="0"/>
-              <a:t>MapReduce with Combiners</a:t>
-            </a:r>
-          </a:p>
-        </p:txBody>
-      </p:sp>
-      <p:pic>
-        <p:nvPicPr>
-          <p:cNvPr id="6" name="Content Placeholder 5" descr="Diagram&#10;&#10;Description automatically generated">
+              <a:t>Combiner Example</a:t>
+            </a:r>
+          </a:p>
+        </p:txBody>
+      </p:sp>
+      <p:sp>
+        <p:nvSpPr>
+          <p:cNvPr id="3" name="Content Placeholder 2">
             <a:extLst>
               <a:ext uri="{FF2B5EF4-FFF2-40B4-BE49-F238E27FC236}">
-                <a16:creationId xmlns:a16="http://schemas.microsoft.com/office/drawing/2014/main" id="{10256F3D-4923-A34D-8254-E6E707AAA261}"/>
+                <a16:creationId xmlns:a16="http://schemas.microsoft.com/office/drawing/2014/main" id="{3BD1778A-B232-474D-BA9E-B44F86DC7DBB}"/>
               </a:ext>
             </a:extLst>
           </p:cNvPr>
-          <p:cNvPicPr>
-            <a:picLocks noGrp="1" noChangeAspect="1"/>
-          </p:cNvPicPr>
+          <p:cNvSpPr>
+            <a:spLocks noGrp="1"/>
+          </p:cNvSpPr>
           <p:nvPr>
             <p:ph idx="1"/>
           </p:nvPr>
-        </p:nvPicPr>
-        <p:blipFill>
-          <a:blip r:embed="rId2"/>
-          <a:stretch>
-            <a:fillRect/>
-          </a:stretch>
-        </p:blipFill>
-        <p:spPr>
-          <a:xfrm>
-            <a:off x="1680519" y="815546"/>
-            <a:ext cx="8118389" cy="5677328"/>
-          </a:xfrm>
-        </p:spPr>
-      </p:pic>
+        </p:nvSpPr>
+        <p:spPr>
+          <a:xfrm>
+            <a:off x="838200" y="1271752"/>
+            <a:ext cx="10515600" cy="4905211"/>
+          </a:xfrm>
+        </p:spPr>
+        <p:txBody>
+          <a:bodyPr>
+            <a:normAutofit fontScale="92500" lnSpcReduction="10000"/>
+          </a:bodyPr>
+          <a:lstStyle/>
+          <a:p>
+            <a:pPr marL="0" indent="0">
+              <a:spcBef>
+                <a:spcPts val="600"/>
+              </a:spcBef>
+              <a:buNone/>
+            </a:pPr>
+            <a:r>
+              <a:rPr lang="en-US" sz="3600" b="1" dirty="0"/>
+              <a:t>In the following figure (next slide), for </a:t>
+            </a:r>
+          </a:p>
+          <a:p>
+            <a:pPr marL="0" indent="0">
+              <a:spcBef>
+                <a:spcPts val="600"/>
+              </a:spcBef>
+              <a:buNone/>
+            </a:pPr>
+            <a:r>
+              <a:rPr lang="en-US" sz="3600" b="1" dirty="0"/>
+              <a:t>the 2</a:t>
+            </a:r>
+            <a:r>
+              <a:rPr lang="en-US" sz="3600" b="1" baseline="30000" dirty="0"/>
+              <a:t>nd</a:t>
+            </a:r>
+            <a:r>
+              <a:rPr lang="en-US" sz="3600" b="1" dirty="0"/>
+              <a:t> partition,  mappers have created:</a:t>
+            </a:r>
+          </a:p>
+          <a:p>
+            <a:pPr marL="0" indent="0">
+              <a:spcBef>
+                <a:spcPts val="600"/>
+              </a:spcBef>
+              <a:buNone/>
+            </a:pPr>
+            <a:endParaRPr lang="en-US" sz="3600" b="1" dirty="0"/>
+          </a:p>
+          <a:p>
+            <a:pPr marL="0" indent="0">
+              <a:spcBef>
+                <a:spcPts val="600"/>
+              </a:spcBef>
+              <a:buNone/>
+            </a:pPr>
+            <a:r>
+              <a:rPr lang="en-US" sz="3600" b="1" dirty="0">
+                <a:latin typeface="Courier" pitchFamily="2" charset="0"/>
+              </a:rPr>
+              <a:t>(c, 3)</a:t>
+            </a:r>
+          </a:p>
+          <a:p>
+            <a:pPr marL="0" indent="0">
+              <a:spcBef>
+                <a:spcPts val="600"/>
+              </a:spcBef>
+              <a:buNone/>
+            </a:pPr>
+            <a:r>
+              <a:rPr lang="en-US" sz="3600" b="1" dirty="0">
+                <a:latin typeface="Courier" pitchFamily="2" charset="0"/>
+              </a:rPr>
+              <a:t>(c, 6)</a:t>
+            </a:r>
+          </a:p>
+          <a:p>
+            <a:pPr marL="0" indent="0">
+              <a:spcBef>
+                <a:spcPts val="600"/>
+              </a:spcBef>
+              <a:buNone/>
+            </a:pPr>
+            <a:endParaRPr lang="en-US" sz="3600" b="1" dirty="0"/>
+          </a:p>
+          <a:p>
+            <a:pPr marL="0" indent="0">
+              <a:spcBef>
+                <a:spcPts val="600"/>
+              </a:spcBef>
+              <a:buNone/>
+            </a:pPr>
+            <a:r>
+              <a:rPr lang="en-US" sz="3600" b="1" dirty="0"/>
+              <a:t>The combiner function combines </a:t>
+            </a:r>
+          </a:p>
+          <a:p>
+            <a:pPr marL="0" indent="0">
+              <a:spcBef>
+                <a:spcPts val="600"/>
+              </a:spcBef>
+              <a:buNone/>
+            </a:pPr>
+            <a:r>
+              <a:rPr lang="en-US" sz="3600" b="1" dirty="0"/>
+              <a:t>these two (</a:t>
+            </a:r>
+            <a:r>
+              <a:rPr lang="en-US" sz="3600" b="1" u="sng" dirty="0"/>
+              <a:t>with the SAME key as “c”</a:t>
+            </a:r>
+            <a:r>
+              <a:rPr lang="en-US" sz="3600" b="1" dirty="0"/>
+              <a:t>) into</a:t>
+            </a:r>
+          </a:p>
+          <a:p>
+            <a:pPr marL="0" indent="0">
+              <a:spcBef>
+                <a:spcPts val="600"/>
+              </a:spcBef>
+              <a:buNone/>
+            </a:pPr>
+            <a:r>
+              <a:rPr lang="en-US" sz="3600" b="1" dirty="0">
+                <a:latin typeface="Courier" pitchFamily="2" charset="0"/>
+              </a:rPr>
+              <a:t>(c, 9), </a:t>
+            </a:r>
+            <a:r>
+              <a:rPr lang="en-US" sz="3600" dirty="0">
+                <a:latin typeface="Courier" pitchFamily="2" charset="0"/>
+              </a:rPr>
+              <a:t>where</a:t>
+            </a:r>
+            <a:r>
+              <a:rPr lang="en-US" sz="3600" b="1" dirty="0">
+                <a:latin typeface="Courier" pitchFamily="2" charset="0"/>
+              </a:rPr>
+              <a:t> 9 = 3 + 6</a:t>
+            </a:r>
+          </a:p>
+          <a:p>
+            <a:pPr marL="0" indent="0">
+              <a:spcBef>
+                <a:spcPts val="600"/>
+              </a:spcBef>
+              <a:buNone/>
+            </a:pPr>
+            <a:endParaRPr lang="en-US" sz="3600" b="1" dirty="0">
+              <a:solidFill>
+                <a:srgbClr val="0000FF"/>
+              </a:solidFill>
+              <a:latin typeface="Consolas" panose="020B0609020204030204" pitchFamily="49" charset="0"/>
+              <a:cs typeface="Consolas" panose="020B0609020204030204" pitchFamily="49" charset="0"/>
+            </a:endParaRPr>
+          </a:p>
+          <a:p>
+            <a:pPr marL="0" indent="0">
+              <a:spcBef>
+                <a:spcPts val="600"/>
+              </a:spcBef>
+              <a:buNone/>
+            </a:pPr>
+            <a:endParaRPr lang="en-US" sz="2400" dirty="0">
+              <a:solidFill>
+                <a:srgbClr val="0000FF"/>
+              </a:solidFill>
+              <a:latin typeface="Consolas" panose="020B0609020204030204" pitchFamily="49" charset="0"/>
+              <a:cs typeface="Consolas" panose="020B0609020204030204" pitchFamily="49" charset="0"/>
+            </a:endParaRPr>
+          </a:p>
+        </p:txBody>
+      </p:sp>
     </p:spTree>
     <p:extLst>
       <p:ext uri="{BB962C8B-B14F-4D97-AF65-F5344CB8AC3E}">
-        <p14:creationId xmlns:p14="http://schemas.microsoft.com/office/powerpoint/2010/main" val="1426930217"/>
+        <p14:creationId xmlns:p14="http://schemas.microsoft.com/office/powerpoint/2010/main" val="1648133596"/>
       </p:ext>
     </p:extLst>
   </p:cSld>
@@ -6851,202 +7025,56 @@
         </p:nvSpPr>
         <p:spPr>
           <a:xfrm>
-            <a:off x="838200" y="365126"/>
-            <a:ext cx="10515600" cy="706930"/>
+            <a:off x="1513490" y="365126"/>
+            <a:ext cx="9840310" cy="450420"/>
           </a:xfrm>
         </p:spPr>
         <p:txBody>
           <a:bodyPr>
-            <a:normAutofit/>
+            <a:normAutofit fontScale="90000"/>
           </a:bodyPr>
           <a:lstStyle/>
           <a:p>
             <a:r>
               <a:rPr lang="en-US" dirty="0"/>
-              <a:t>How do we write Combiners? For Averages?</a:t>
-            </a:r>
-          </a:p>
-        </p:txBody>
-      </p:sp>
-      <p:sp>
-        <p:nvSpPr>
-          <p:cNvPr id="3" name="Content Placeholder 2">
+              <a:t>What about Combiners?</a:t>
+            </a:r>
+          </a:p>
+        </p:txBody>
+      </p:sp>
+      <p:pic>
+        <p:nvPicPr>
+          <p:cNvPr id="5" name="Content Placeholder 4" descr="Diagram&#10;&#10;Description automatically generated">
             <a:extLst>
               <a:ext uri="{FF2B5EF4-FFF2-40B4-BE49-F238E27FC236}">
-                <a16:creationId xmlns:a16="http://schemas.microsoft.com/office/drawing/2014/main" id="{3BD1778A-B232-474D-BA9E-B44F86DC7DBB}"/>
+                <a16:creationId xmlns:a16="http://schemas.microsoft.com/office/drawing/2014/main" id="{3DEE72CE-58F1-644E-9AB9-E52DE62EF462}"/>
               </a:ext>
             </a:extLst>
           </p:cNvPr>
-          <p:cNvSpPr>
-            <a:spLocks noGrp="1"/>
-          </p:cNvSpPr>
+          <p:cNvPicPr>
+            <a:picLocks noGrp="1" noChangeAspect="1"/>
+          </p:cNvPicPr>
           <p:nvPr>
             <p:ph idx="1"/>
           </p:nvPr>
-        </p:nvSpPr>
-        <p:spPr>
-          <a:xfrm>
-            <a:off x="838200" y="1271752"/>
-            <a:ext cx="10515600" cy="4905211"/>
-          </a:xfrm>
-        </p:spPr>
-        <p:txBody>
-          <a:bodyPr>
-            <a:normAutofit/>
-          </a:bodyPr>
-          <a:lstStyle/>
-          <a:p>
-            <a:pPr marL="0" indent="0">
-              <a:spcBef>
-                <a:spcPts val="600"/>
-              </a:spcBef>
-              <a:buNone/>
-            </a:pPr>
-            <a:r>
-              <a:rPr lang="en-US" sz="3200" dirty="0">
-                <a:solidFill>
-                  <a:srgbClr val="0000FF"/>
-                </a:solidFill>
-                <a:latin typeface="Consolas" panose="020B0609020204030204" pitchFamily="49" charset="0"/>
-                <a:cs typeface="Consolas" panose="020B0609020204030204" pitchFamily="49" charset="0"/>
-              </a:rPr>
-              <a:t>We need to write 3 functions:</a:t>
-            </a:r>
-          </a:p>
-          <a:p>
-            <a:pPr>
-              <a:spcBef>
-                <a:spcPts val="600"/>
-              </a:spcBef>
-            </a:pPr>
-            <a:r>
-              <a:rPr lang="en-US" sz="3200" dirty="0">
-                <a:solidFill>
-                  <a:srgbClr val="002060"/>
-                </a:solidFill>
-                <a:latin typeface="Consolas" panose="020B0609020204030204" pitchFamily="49" charset="0"/>
-                <a:cs typeface="Consolas" panose="020B0609020204030204" pitchFamily="49" charset="0"/>
-              </a:rPr>
-              <a:t>map()</a:t>
-            </a:r>
-          </a:p>
-          <a:p>
-            <a:pPr>
-              <a:spcBef>
-                <a:spcPts val="600"/>
-              </a:spcBef>
-            </a:pPr>
-            <a:r>
-              <a:rPr lang="en-US" sz="3200" dirty="0">
-                <a:solidFill>
-                  <a:srgbClr val="002060"/>
-                </a:solidFill>
-                <a:latin typeface="Consolas" panose="020B0609020204030204" pitchFamily="49" charset="0"/>
-                <a:cs typeface="Consolas" panose="020B0609020204030204" pitchFamily="49" charset="0"/>
-              </a:rPr>
-              <a:t>combine()</a:t>
-            </a:r>
-          </a:p>
-          <a:p>
-            <a:pPr>
-              <a:spcBef>
-                <a:spcPts val="600"/>
-              </a:spcBef>
-            </a:pPr>
-            <a:r>
-              <a:rPr lang="en-US" sz="3200" dirty="0">
-                <a:solidFill>
-                  <a:srgbClr val="002060"/>
-                </a:solidFill>
-                <a:latin typeface="Consolas" panose="020B0609020204030204" pitchFamily="49" charset="0"/>
-                <a:cs typeface="Consolas" panose="020B0609020204030204" pitchFamily="49" charset="0"/>
-              </a:rPr>
-              <a:t>reduce()</a:t>
-            </a:r>
-          </a:p>
-          <a:p>
-            <a:pPr>
-              <a:spcBef>
-                <a:spcPts val="600"/>
-              </a:spcBef>
-            </a:pPr>
-            <a:endParaRPr lang="en-US" sz="3200" dirty="0">
-              <a:solidFill>
-                <a:srgbClr val="0000FF"/>
-              </a:solidFill>
-              <a:latin typeface="Consolas" panose="020B0609020204030204" pitchFamily="49" charset="0"/>
-              <a:cs typeface="Consolas" panose="020B0609020204030204" pitchFamily="49" charset="0"/>
-            </a:endParaRPr>
-          </a:p>
-          <a:p>
-            <a:pPr>
-              <a:spcBef>
-                <a:spcPts val="600"/>
-              </a:spcBef>
-            </a:pPr>
-            <a:r>
-              <a:rPr lang="en-US" sz="3200" b="1" dirty="0">
-                <a:solidFill>
-                  <a:srgbClr val="FF0000"/>
-                </a:solidFill>
-                <a:latin typeface="Consolas" panose="020B0609020204030204" pitchFamily="49" charset="0"/>
-                <a:cs typeface="Consolas" panose="020B0609020204030204" pitchFamily="49" charset="0"/>
-              </a:rPr>
-              <a:t>BUT note that average of an average is not an average</a:t>
-            </a:r>
-          </a:p>
-          <a:p>
-            <a:pPr>
-              <a:spcBef>
-                <a:spcPts val="600"/>
-              </a:spcBef>
-            </a:pPr>
-            <a:r>
-              <a:rPr lang="en-US" sz="3200" dirty="0">
-                <a:solidFill>
-                  <a:srgbClr val="0000FF"/>
-                </a:solidFill>
-                <a:latin typeface="Consolas" panose="020B0609020204030204" pitchFamily="49" charset="0"/>
-                <a:cs typeface="Consolas" panose="020B0609020204030204" pitchFamily="49" charset="0"/>
-              </a:rPr>
-              <a:t>What does this mean?</a:t>
-            </a:r>
-          </a:p>
-          <a:p>
-            <a:pPr>
-              <a:spcBef>
-                <a:spcPts val="600"/>
-              </a:spcBef>
-            </a:pPr>
-            <a:endParaRPr lang="en-US" sz="3200" dirty="0">
-              <a:solidFill>
-                <a:srgbClr val="0000FF"/>
-              </a:solidFill>
-              <a:latin typeface="Consolas" panose="020B0609020204030204" pitchFamily="49" charset="0"/>
-              <a:cs typeface="Consolas" panose="020B0609020204030204" pitchFamily="49" charset="0"/>
-            </a:endParaRPr>
-          </a:p>
-          <a:p>
-            <a:pPr marL="0" indent="0">
-              <a:spcBef>
-                <a:spcPts val="600"/>
-              </a:spcBef>
-              <a:buNone/>
-            </a:pPr>
-            <a:endParaRPr lang="en-US" sz="2400" dirty="0">
-              <a:solidFill>
-                <a:srgbClr val="0000FF"/>
-              </a:solidFill>
-              <a:latin typeface="Consolas" panose="020B0609020204030204" pitchFamily="49" charset="0"/>
-              <a:cs typeface="Consolas" panose="020B0609020204030204" pitchFamily="49" charset="0"/>
-            </a:endParaRPr>
-          </a:p>
-        </p:txBody>
-      </p:sp>
+        </p:nvPicPr>
+        <p:blipFill>
+          <a:blip r:embed="rId2"/>
+          <a:stretch>
+            <a:fillRect/>
+          </a:stretch>
+        </p:blipFill>
+        <p:spPr>
+          <a:xfrm>
+            <a:off x="1429407" y="914400"/>
+            <a:ext cx="8273488" cy="5578474"/>
+          </a:xfrm>
+        </p:spPr>
+      </p:pic>
     </p:spTree>
     <p:extLst>
       <p:ext uri="{BB962C8B-B14F-4D97-AF65-F5344CB8AC3E}">
-        <p14:creationId xmlns:p14="http://schemas.microsoft.com/office/powerpoint/2010/main" val="3300423287"/>
+        <p14:creationId xmlns:p14="http://schemas.microsoft.com/office/powerpoint/2010/main" val="1406568510"/>
       </p:ext>
     </p:extLst>
   </p:cSld>
@@ -7092,285 +7120,55 @@
         <p:spPr>
           <a:xfrm>
             <a:off x="838200" y="365126"/>
-            <a:ext cx="10515600" cy="706930"/>
+            <a:ext cx="10515600" cy="450420"/>
           </a:xfrm>
         </p:spPr>
         <p:txBody>
           <a:bodyPr>
-            <a:noAutofit/>
+            <a:normAutofit fontScale="90000"/>
           </a:bodyPr>
           <a:lstStyle/>
           <a:p>
             <a:r>
-              <a:rPr lang="en-US" sz="3600" b="1" dirty="0">
-                <a:solidFill>
-                  <a:srgbClr val="002060"/>
-                </a:solidFill>
-                <a:latin typeface="Consolas" panose="020B0609020204030204" pitchFamily="49" charset="0"/>
-                <a:cs typeface="Consolas" panose="020B0609020204030204" pitchFamily="49" charset="0"/>
-              </a:rPr>
-              <a:t>Average of an Average is not an Average</a:t>
-            </a:r>
-            <a:endParaRPr lang="en-US" sz="3600" dirty="0">
-              <a:solidFill>
-                <a:srgbClr val="002060"/>
-              </a:solidFill>
-            </a:endParaRPr>
-          </a:p>
-        </p:txBody>
-      </p:sp>
-      <p:sp>
-        <p:nvSpPr>
-          <p:cNvPr id="3" name="Content Placeholder 2">
+              <a:rPr lang="en-US" dirty="0"/>
+              <a:t>MapReduce without Combiners</a:t>
+            </a:r>
+          </a:p>
+        </p:txBody>
+      </p:sp>
+      <p:pic>
+        <p:nvPicPr>
+          <p:cNvPr id="7" name="Content Placeholder 6" descr="Diagram&#10;&#10;Description automatically generated">
             <a:extLst>
               <a:ext uri="{FF2B5EF4-FFF2-40B4-BE49-F238E27FC236}">
-                <a16:creationId xmlns:a16="http://schemas.microsoft.com/office/drawing/2014/main" id="{3BD1778A-B232-474D-BA9E-B44F86DC7DBB}"/>
+                <a16:creationId xmlns:a16="http://schemas.microsoft.com/office/drawing/2014/main" id="{0B2B157C-FB79-0947-B72A-A1D85E5B43EB}"/>
               </a:ext>
             </a:extLst>
           </p:cNvPr>
-          <p:cNvSpPr>
-            <a:spLocks noGrp="1"/>
-          </p:cNvSpPr>
+          <p:cNvPicPr>
+            <a:picLocks noGrp="1" noChangeAspect="1"/>
+          </p:cNvPicPr>
           <p:nvPr>
             <p:ph idx="1"/>
           </p:nvPr>
-        </p:nvSpPr>
-        <p:spPr>
-          <a:xfrm>
-            <a:off x="838200" y="1271752"/>
-            <a:ext cx="10515600" cy="4905211"/>
-          </a:xfrm>
-        </p:spPr>
-        <p:txBody>
-          <a:bodyPr>
-            <a:normAutofit lnSpcReduction="10000"/>
-          </a:bodyPr>
-          <a:lstStyle/>
-          <a:p>
-            <a:pPr>
-              <a:spcBef>
-                <a:spcPts val="600"/>
-              </a:spcBef>
-            </a:pPr>
-            <a:r>
-              <a:rPr lang="en-US" sz="3200" dirty="0">
-                <a:solidFill>
-                  <a:srgbClr val="0000FF"/>
-                </a:solidFill>
-                <a:latin typeface="Consolas" panose="020B0609020204030204" pitchFamily="49" charset="0"/>
-                <a:cs typeface="Consolas" panose="020B0609020204030204" pitchFamily="49" charset="0"/>
-              </a:rPr>
-              <a:t>Let say we have 2 partitions</a:t>
-            </a:r>
-          </a:p>
-          <a:p>
-            <a:pPr>
-              <a:spcBef>
-                <a:spcPts val="600"/>
-              </a:spcBef>
-            </a:pPr>
-            <a:r>
-              <a:rPr lang="en-US" sz="3200" dirty="0">
-                <a:solidFill>
-                  <a:srgbClr val="0000FF"/>
-                </a:solidFill>
-                <a:latin typeface="Consolas" panose="020B0609020204030204" pitchFamily="49" charset="0"/>
-                <a:cs typeface="Consolas" panose="020B0609020204030204" pitchFamily="49" charset="0"/>
-              </a:rPr>
-              <a:t>Partition-1: </a:t>
-            </a:r>
-            <a:r>
-              <a:rPr lang="en-US" sz="3200" dirty="0">
-                <a:solidFill>
-                  <a:srgbClr val="002060"/>
-                </a:solidFill>
-                <a:latin typeface="Consolas" panose="020B0609020204030204" pitchFamily="49" charset="0"/>
-                <a:cs typeface="Consolas" panose="020B0609020204030204" pitchFamily="49" charset="0"/>
-              </a:rPr>
-              <a:t>(K, 6), (K, 7)</a:t>
-            </a:r>
-          </a:p>
-          <a:p>
-            <a:pPr lvl="1">
-              <a:spcBef>
-                <a:spcPts val="600"/>
-              </a:spcBef>
-            </a:pPr>
-            <a:r>
-              <a:rPr lang="en-US" sz="2800" dirty="0">
-                <a:solidFill>
-                  <a:srgbClr val="0000FF"/>
-                </a:solidFill>
-                <a:latin typeface="Consolas" panose="020B0609020204030204" pitchFamily="49" charset="0"/>
-                <a:cs typeface="Consolas" panose="020B0609020204030204" pitchFamily="49" charset="0"/>
-              </a:rPr>
-              <a:t>Average of Partition-1: (6+7)/2 = 6.5</a:t>
-            </a:r>
-          </a:p>
-          <a:p>
-            <a:pPr>
-              <a:spcBef>
-                <a:spcPts val="600"/>
-              </a:spcBef>
-            </a:pPr>
-            <a:r>
-              <a:rPr lang="en-US" sz="3200" dirty="0">
-                <a:solidFill>
-                  <a:srgbClr val="0000FF"/>
-                </a:solidFill>
-                <a:latin typeface="Consolas" panose="020B0609020204030204" pitchFamily="49" charset="0"/>
-                <a:cs typeface="Consolas" panose="020B0609020204030204" pitchFamily="49" charset="0"/>
-              </a:rPr>
-              <a:t>Partition-2: </a:t>
-            </a:r>
-            <a:r>
-              <a:rPr lang="en-US" sz="3200" dirty="0">
-                <a:solidFill>
-                  <a:srgbClr val="002060"/>
-                </a:solidFill>
-                <a:latin typeface="Consolas" panose="020B0609020204030204" pitchFamily="49" charset="0"/>
-                <a:cs typeface="Consolas" panose="020B0609020204030204" pitchFamily="49" charset="0"/>
-              </a:rPr>
-              <a:t>(K, 8)</a:t>
-            </a:r>
-          </a:p>
-          <a:p>
-            <a:pPr lvl="1">
-              <a:spcBef>
-                <a:spcPts val="600"/>
-              </a:spcBef>
-            </a:pPr>
-            <a:r>
-              <a:rPr lang="en-US" sz="2800" dirty="0">
-                <a:solidFill>
-                  <a:srgbClr val="0000FF"/>
-                </a:solidFill>
-                <a:latin typeface="Consolas" panose="020B0609020204030204" pitchFamily="49" charset="0"/>
-                <a:cs typeface="Consolas" panose="020B0609020204030204" pitchFamily="49" charset="0"/>
-              </a:rPr>
-              <a:t>Average of Partition-2: (8)/1 = 8.0</a:t>
-            </a:r>
-          </a:p>
-          <a:p>
-            <a:pPr>
-              <a:spcBef>
-                <a:spcPts val="600"/>
-              </a:spcBef>
-            </a:pPr>
-            <a:r>
-              <a:rPr lang="en-US" sz="3200" dirty="0">
-                <a:solidFill>
-                  <a:srgbClr val="002060"/>
-                </a:solidFill>
-                <a:latin typeface="Consolas" panose="020B0609020204030204" pitchFamily="49" charset="0"/>
-                <a:cs typeface="Consolas" panose="020B0609020204030204" pitchFamily="49" charset="0"/>
-              </a:rPr>
-              <a:t>Average of Partition-1 and Partition-2:</a:t>
-            </a:r>
-          </a:p>
-          <a:p>
-            <a:pPr lvl="1">
-              <a:spcBef>
-                <a:spcPts val="600"/>
-              </a:spcBef>
-            </a:pPr>
-            <a:r>
-              <a:rPr lang="en-US" sz="2800" dirty="0">
-                <a:solidFill>
-                  <a:srgbClr val="0000FF"/>
-                </a:solidFill>
-                <a:latin typeface="Consolas" panose="020B0609020204030204" pitchFamily="49" charset="0"/>
-                <a:cs typeface="Consolas" panose="020B0609020204030204" pitchFamily="49" charset="0"/>
-              </a:rPr>
-              <a:t>(6.5 + 8.0)/2 = </a:t>
-            </a:r>
-            <a:r>
-              <a:rPr lang="en-US" sz="2800" b="1" dirty="0">
-                <a:solidFill>
-                  <a:srgbClr val="FF0000"/>
-                </a:solidFill>
-                <a:latin typeface="Consolas" panose="020B0609020204030204" pitchFamily="49" charset="0"/>
-                <a:cs typeface="Consolas" panose="020B0609020204030204" pitchFamily="49" charset="0"/>
-              </a:rPr>
-              <a:t>7.25</a:t>
-            </a:r>
-          </a:p>
-          <a:p>
-            <a:pPr lvl="1">
-              <a:spcBef>
-                <a:spcPts val="600"/>
-              </a:spcBef>
-            </a:pPr>
-            <a:endParaRPr lang="en-US" sz="2800" dirty="0">
-              <a:solidFill>
-                <a:srgbClr val="0000FF"/>
-              </a:solidFill>
-              <a:latin typeface="Consolas" panose="020B0609020204030204" pitchFamily="49" charset="0"/>
-              <a:cs typeface="Consolas" panose="020B0609020204030204" pitchFamily="49" charset="0"/>
-            </a:endParaRPr>
-          </a:p>
-          <a:p>
-            <a:pPr marL="0" indent="0">
-              <a:spcBef>
-                <a:spcPts val="600"/>
-              </a:spcBef>
-              <a:buNone/>
-            </a:pPr>
-            <a:r>
-              <a:rPr lang="en-US" sz="2400" dirty="0">
-                <a:solidFill>
-                  <a:srgbClr val="0000FF"/>
-                </a:solidFill>
-                <a:latin typeface="Consolas" panose="020B0609020204030204" pitchFamily="49" charset="0"/>
-                <a:cs typeface="Consolas" panose="020B0609020204030204" pitchFamily="49" charset="0"/>
-              </a:rPr>
-              <a:t>Average(6, 7, 8) = (6+7+8)/3 = 21/3 = </a:t>
-            </a:r>
-            <a:r>
-              <a:rPr lang="en-US" sz="2400" b="1" dirty="0">
-                <a:solidFill>
-                  <a:srgbClr val="00B050"/>
-                </a:solidFill>
-                <a:latin typeface="Consolas" panose="020B0609020204030204" pitchFamily="49" charset="0"/>
-                <a:cs typeface="Consolas" panose="020B0609020204030204" pitchFamily="49" charset="0"/>
-              </a:rPr>
-              <a:t>7.0</a:t>
-            </a:r>
-          </a:p>
-          <a:p>
-            <a:pPr marL="0" indent="0">
-              <a:spcBef>
-                <a:spcPts val="600"/>
-              </a:spcBef>
-              <a:buNone/>
-            </a:pPr>
-            <a:r>
-              <a:rPr lang="en-US" sz="2400" b="1" dirty="0" err="1">
-                <a:solidFill>
-                  <a:srgbClr val="00B050"/>
-                </a:solidFill>
-                <a:latin typeface="Consolas" panose="020B0609020204030204" pitchFamily="49" charset="0"/>
-                <a:cs typeface="Consolas" panose="020B0609020204030204" pitchFamily="49" charset="0"/>
-              </a:rPr>
-              <a:t>Hmmmmmm</a:t>
-            </a:r>
-            <a:r>
-              <a:rPr lang="en-US" sz="2400" b="1" dirty="0">
-                <a:solidFill>
-                  <a:srgbClr val="00B050"/>
-                </a:solidFill>
-                <a:latin typeface="Consolas" panose="020B0609020204030204" pitchFamily="49" charset="0"/>
-                <a:cs typeface="Consolas" panose="020B0609020204030204" pitchFamily="49" charset="0"/>
-              </a:rPr>
-              <a:t>? How to solve this?</a:t>
-            </a:r>
-          </a:p>
-        </p:txBody>
-      </p:sp>
+        </p:nvPicPr>
+        <p:blipFill>
+          <a:blip r:embed="rId2"/>
+          <a:stretch>
+            <a:fillRect/>
+          </a:stretch>
+        </p:blipFill>
+        <p:spPr>
+          <a:xfrm>
+            <a:off x="2286000" y="944990"/>
+            <a:ext cx="7154562" cy="5547884"/>
+          </a:xfrm>
+        </p:spPr>
+      </p:pic>
     </p:spTree>
     <p:extLst>
       <p:ext uri="{BB962C8B-B14F-4D97-AF65-F5344CB8AC3E}">
-        <p14:creationId xmlns:p14="http://schemas.microsoft.com/office/powerpoint/2010/main" val="3120788755"/>
+        <p14:creationId xmlns:p14="http://schemas.microsoft.com/office/powerpoint/2010/main" val="29931794"/>
       </p:ext>
     </p:extLst>
   </p:cSld>
@@ -7415,50 +7213,20 @@
         </p:nvSpPr>
         <p:spPr>
           <a:xfrm>
-            <a:off x="838200" y="483476"/>
-            <a:ext cx="10515600" cy="987972"/>
+            <a:off x="838200" y="365126"/>
+            <a:ext cx="10515600" cy="706930"/>
           </a:xfrm>
         </p:spPr>
         <p:txBody>
           <a:bodyPr>
-            <a:noAutofit/>
+            <a:normAutofit/>
           </a:bodyPr>
           <a:lstStyle/>
           <a:p>
             <a:r>
-              <a:rPr lang="en-US" sz="3200" b="1" dirty="0">
-                <a:solidFill>
-                  <a:srgbClr val="002060"/>
-                </a:solidFill>
-                <a:latin typeface="Consolas" panose="020B0609020204030204" pitchFamily="49" charset="0"/>
-                <a:cs typeface="Consolas" panose="020B0609020204030204" pitchFamily="49" charset="0"/>
-              </a:rPr>
-              <a:t>Make Average of an Average as an Average</a:t>
-            </a:r>
-            <a:br>
-              <a:rPr lang="en-US" sz="3200" b="1" dirty="0">
-                <a:solidFill>
-                  <a:srgbClr val="002060"/>
-                </a:solidFill>
-                <a:latin typeface="Consolas" panose="020B0609020204030204" pitchFamily="49" charset="0"/>
-                <a:cs typeface="Consolas" panose="020B0609020204030204" pitchFamily="49" charset="0"/>
-              </a:rPr>
-            </a:br>
-            <a:r>
-              <a:rPr lang="en-US" sz="3200" b="1" dirty="0">
-                <a:solidFill>
-                  <a:srgbClr val="002060"/>
-                </a:solidFill>
-                <a:latin typeface="Consolas" panose="020B0609020204030204" pitchFamily="49" charset="0"/>
-                <a:cs typeface="Consolas" panose="020B0609020204030204" pitchFamily="49" charset="0"/>
-              </a:rPr>
-              <a:t>By Changing Output of Mappers</a:t>
-            </a:r>
-            <a:endParaRPr lang="en-US" sz="3200" dirty="0">
-              <a:solidFill>
-                <a:srgbClr val="002060"/>
-              </a:solidFill>
-            </a:endParaRPr>
+              <a:rPr lang="en-US" dirty="0"/>
+              <a:t>Combiner Example</a:t>
+            </a:r>
           </a:p>
         </p:txBody>
       </p:sp>
@@ -7480,187 +7248,163 @@
         </p:nvSpPr>
         <p:spPr>
           <a:xfrm>
-            <a:off x="838200" y="1723697"/>
-            <a:ext cx="10515600" cy="4453266"/>
+            <a:off x="838200" y="1271752"/>
+            <a:ext cx="10515600" cy="4905211"/>
           </a:xfrm>
         </p:spPr>
         <p:txBody>
           <a:bodyPr>
-            <a:normAutofit/>
+            <a:normAutofit lnSpcReduction="10000"/>
           </a:bodyPr>
           <a:lstStyle/>
           <a:p>
-            <a:pPr>
-              <a:spcBef>
-                <a:spcPts val="600"/>
-              </a:spcBef>
-            </a:pPr>
-            <a:r>
-              <a:rPr lang="en-US" sz="3200" dirty="0">
-                <a:solidFill>
-                  <a:srgbClr val="0000FF"/>
-                </a:solidFill>
-                <a:latin typeface="Consolas" panose="020B0609020204030204" pitchFamily="49" charset="0"/>
-                <a:cs typeface="Consolas" panose="020B0609020204030204" pitchFamily="49" charset="0"/>
-              </a:rPr>
-              <a:t>Let say we have 2 partitions</a:t>
-            </a:r>
-          </a:p>
-          <a:p>
-            <a:pPr>
-              <a:spcBef>
-                <a:spcPts val="600"/>
-              </a:spcBef>
-            </a:pPr>
-            <a:r>
-              <a:rPr lang="en-US" sz="3200" dirty="0">
-                <a:solidFill>
-                  <a:srgbClr val="0000FF"/>
-                </a:solidFill>
-                <a:latin typeface="Consolas" panose="020B0609020204030204" pitchFamily="49" charset="0"/>
-                <a:cs typeface="Consolas" panose="020B0609020204030204" pitchFamily="49" charset="0"/>
-              </a:rPr>
-              <a:t>Partition-1: </a:t>
-            </a:r>
-            <a:r>
-              <a:rPr lang="en-US" sz="3200" dirty="0">
-                <a:solidFill>
-                  <a:srgbClr val="002060"/>
-                </a:solidFill>
-                <a:latin typeface="Consolas" panose="020B0609020204030204" pitchFamily="49" charset="0"/>
-                <a:cs typeface="Consolas" panose="020B0609020204030204" pitchFamily="49" charset="0"/>
-              </a:rPr>
-              <a:t>(K, 6), (K, 7)</a:t>
-            </a:r>
-          </a:p>
-          <a:p>
-            <a:pPr>
-              <a:spcBef>
-                <a:spcPts val="600"/>
-              </a:spcBef>
-            </a:pPr>
-            <a:r>
-              <a:rPr lang="en-US" sz="3200" dirty="0">
-                <a:solidFill>
-                  <a:srgbClr val="0000FF"/>
-                </a:solidFill>
-                <a:latin typeface="Consolas" panose="020B0609020204030204" pitchFamily="49" charset="0"/>
-                <a:cs typeface="Consolas" panose="020B0609020204030204" pitchFamily="49" charset="0"/>
-              </a:rPr>
-              <a:t>Partition-2: </a:t>
-            </a:r>
-            <a:r>
-              <a:rPr lang="en-US" sz="3200" dirty="0">
-                <a:solidFill>
-                  <a:srgbClr val="002060"/>
-                </a:solidFill>
-                <a:latin typeface="Consolas" panose="020B0609020204030204" pitchFamily="49" charset="0"/>
-                <a:cs typeface="Consolas" panose="020B0609020204030204" pitchFamily="49" charset="0"/>
-              </a:rPr>
-              <a:t>(K, 8)</a:t>
-            </a:r>
-          </a:p>
-          <a:p>
-            <a:pPr>
-              <a:spcBef>
-                <a:spcPts val="600"/>
-              </a:spcBef>
-            </a:pPr>
-            <a:endParaRPr lang="en-US" sz="3200" dirty="0">
+            <a:pPr marL="0" indent="0">
+              <a:spcBef>
+                <a:spcPts val="600"/>
+              </a:spcBef>
+              <a:buNone/>
+            </a:pPr>
+            <a:r>
+              <a:rPr lang="en-US" sz="3600" b="1" dirty="0"/>
+              <a:t>In the following figure (next slide), </a:t>
+            </a:r>
+          </a:p>
+          <a:p>
+            <a:pPr marL="0" indent="0">
+              <a:spcBef>
+                <a:spcPts val="600"/>
+              </a:spcBef>
+              <a:buNone/>
+            </a:pPr>
+            <a:r>
+              <a:rPr lang="en-US" sz="3600" b="1" u="sng" dirty="0">
+                <a:solidFill>
+                  <a:srgbClr val="0070C0"/>
+                </a:solidFill>
+              </a:rPr>
+              <a:t>Mapper 1</a:t>
+            </a:r>
+            <a:r>
+              <a:rPr lang="en-US" sz="3600" b="1" dirty="0"/>
+              <a:t>                    </a:t>
+            </a:r>
+            <a:r>
+              <a:rPr lang="en-US" sz="3600" b="1" u="sng" dirty="0">
+                <a:solidFill>
+                  <a:srgbClr val="0070C0"/>
+                </a:solidFill>
+              </a:rPr>
+              <a:t>Mapper 2</a:t>
+            </a:r>
+            <a:endParaRPr lang="en-US" sz="3600" b="1" u="sng" dirty="0">
               <a:solidFill>
-                <a:srgbClr val="002060"/>
+                <a:srgbClr val="0070C0"/>
+              </a:solidFill>
+              <a:latin typeface="Courier" pitchFamily="2" charset="0"/>
+            </a:endParaRPr>
+          </a:p>
+          <a:p>
+            <a:pPr marL="0" indent="0">
+              <a:spcBef>
+                <a:spcPts val="600"/>
+              </a:spcBef>
+              <a:buNone/>
+            </a:pPr>
+            <a:r>
+              <a:rPr lang="en-US" sz="3600" b="1" dirty="0">
+                <a:latin typeface="Courier" pitchFamily="2" charset="0"/>
+              </a:rPr>
+              <a:t>(Hello, 1)    (Sunny, 1)</a:t>
+            </a:r>
+          </a:p>
+          <a:p>
+            <a:pPr marL="0" indent="0">
+              <a:spcBef>
+                <a:spcPts val="600"/>
+              </a:spcBef>
+              <a:buNone/>
+            </a:pPr>
+            <a:r>
+              <a:rPr lang="en-US" sz="3600" b="1" dirty="0">
+                <a:latin typeface="Courier" pitchFamily="2" charset="0"/>
+              </a:rPr>
+              <a:t>(Hello, 1)    (Sunny, 1)</a:t>
+            </a:r>
+          </a:p>
+          <a:p>
+            <a:pPr marL="0" indent="0">
+              <a:spcBef>
+                <a:spcPts val="600"/>
+              </a:spcBef>
+              <a:buNone/>
+            </a:pPr>
+            <a:r>
+              <a:rPr lang="en-US" sz="3600" b="1" dirty="0">
+                <a:latin typeface="Courier" pitchFamily="2" charset="0"/>
+              </a:rPr>
+              <a:t>              (Sunny, 1)</a:t>
+            </a:r>
+          </a:p>
+          <a:p>
+            <a:pPr marL="0" indent="0">
+              <a:spcBef>
+                <a:spcPts val="600"/>
+              </a:spcBef>
+              <a:buNone/>
+            </a:pPr>
+            <a:endParaRPr lang="en-US" sz="3600" b="1" dirty="0"/>
+          </a:p>
+          <a:p>
+            <a:pPr marL="0" indent="0">
+              <a:spcBef>
+                <a:spcPts val="600"/>
+              </a:spcBef>
+              <a:buNone/>
+            </a:pPr>
+            <a:r>
+              <a:rPr lang="en-US" sz="3600" b="1" dirty="0"/>
+              <a:t>The combiner function combines these two into</a:t>
+            </a:r>
+          </a:p>
+          <a:p>
+            <a:pPr marL="0" indent="0">
+              <a:spcBef>
+                <a:spcPts val="600"/>
+              </a:spcBef>
+              <a:buNone/>
+            </a:pPr>
+            <a:r>
+              <a:rPr lang="en-US" sz="3600" b="1" dirty="0">
+                <a:latin typeface="Courier" pitchFamily="2" charset="0"/>
+              </a:rPr>
+              <a:t>(Hello, 2)    (Sunny, 3)</a:t>
+            </a:r>
+          </a:p>
+          <a:p>
+            <a:pPr marL="0" indent="0">
+              <a:spcBef>
+                <a:spcPts val="600"/>
+              </a:spcBef>
+              <a:buNone/>
+            </a:pPr>
+            <a:endParaRPr lang="en-US" sz="3600" b="1" dirty="0">
+              <a:solidFill>
+                <a:srgbClr val="0000FF"/>
               </a:solidFill>
               <a:latin typeface="Consolas" panose="020B0609020204030204" pitchFamily="49" charset="0"/>
               <a:cs typeface="Consolas" panose="020B0609020204030204" pitchFamily="49" charset="0"/>
             </a:endParaRPr>
           </a:p>
           <a:p>
-            <a:pPr>
-              <a:spcBef>
-                <a:spcPts val="600"/>
-              </a:spcBef>
-            </a:pPr>
-            <a:r>
-              <a:rPr lang="en-US" sz="3200" dirty="0">
-                <a:solidFill>
-                  <a:srgbClr val="002060"/>
-                </a:solidFill>
-                <a:latin typeface="Consolas" panose="020B0609020204030204" pitchFamily="49" charset="0"/>
-                <a:cs typeface="Consolas" panose="020B0609020204030204" pitchFamily="49" charset="0"/>
-              </a:rPr>
-              <a:t>Change map() to create </a:t>
-            </a:r>
-            <a:r>
-              <a:rPr lang="en-US" sz="3200" b="1" dirty="0">
-                <a:solidFill>
-                  <a:srgbClr val="002060"/>
-                </a:solidFill>
-                <a:latin typeface="Consolas" panose="020B0609020204030204" pitchFamily="49" charset="0"/>
-                <a:cs typeface="Consolas" panose="020B0609020204030204" pitchFamily="49" charset="0"/>
-              </a:rPr>
-              <a:t>(K, (sum, count))</a:t>
-            </a:r>
-          </a:p>
-          <a:p>
-            <a:pPr>
-              <a:spcBef>
-                <a:spcPts val="600"/>
-              </a:spcBef>
-            </a:pPr>
-            <a:r>
-              <a:rPr lang="en-US" sz="2400" dirty="0">
-                <a:solidFill>
-                  <a:srgbClr val="002060"/>
-                </a:solidFill>
-                <a:latin typeface="Consolas" panose="020B0609020204030204" pitchFamily="49" charset="0"/>
-                <a:cs typeface="Consolas" panose="020B0609020204030204" pitchFamily="49" charset="0"/>
-              </a:rPr>
-              <a:t>(K, 6) --&gt; (K, (6, 1))</a:t>
-            </a:r>
-          </a:p>
-          <a:p>
-            <a:pPr>
-              <a:spcBef>
-                <a:spcPts val="600"/>
-              </a:spcBef>
-            </a:pPr>
-            <a:r>
-              <a:rPr lang="en-US" sz="2400" dirty="0">
-                <a:solidFill>
-                  <a:srgbClr val="002060"/>
-                </a:solidFill>
-                <a:latin typeface="Consolas" panose="020B0609020204030204" pitchFamily="49" charset="0"/>
-                <a:cs typeface="Consolas" panose="020B0609020204030204" pitchFamily="49" charset="0"/>
-              </a:rPr>
-              <a:t>(K, 7) --&gt; (K, (7, 1))</a:t>
-            </a:r>
-          </a:p>
-          <a:p>
-            <a:pPr>
-              <a:spcBef>
-                <a:spcPts val="600"/>
-              </a:spcBef>
-            </a:pPr>
-            <a:r>
-              <a:rPr lang="en-US" sz="2400" dirty="0">
-                <a:solidFill>
-                  <a:srgbClr val="002060"/>
-                </a:solidFill>
-                <a:latin typeface="Consolas" panose="020B0609020204030204" pitchFamily="49" charset="0"/>
-                <a:cs typeface="Consolas" panose="020B0609020204030204" pitchFamily="49" charset="0"/>
-              </a:rPr>
-              <a:t>(K, 8) --&gt; (K, (8, 1))</a:t>
-            </a:r>
-          </a:p>
-          <a:p>
-            <a:pPr>
-              <a:spcBef>
-                <a:spcPts val="600"/>
-              </a:spcBef>
-            </a:pPr>
-            <a:endParaRPr lang="en-US" sz="3200" dirty="0">
+            <a:pPr marL="0" indent="0">
+              <a:spcBef>
+                <a:spcPts val="600"/>
+              </a:spcBef>
+              <a:buNone/>
+            </a:pPr>
+            <a:endParaRPr lang="en-US" sz="2400" dirty="0">
               <a:solidFill>
-                <a:srgbClr val="002060"/>
+                <a:srgbClr val="0000FF"/>
               </a:solidFill>
               <a:latin typeface="Consolas" panose="020B0609020204030204" pitchFamily="49" charset="0"/>
               <a:cs typeface="Consolas" panose="020B0609020204030204" pitchFamily="49" charset="0"/>
@@ -7671,7 +7415,7 @@
     </p:spTree>
     <p:extLst>
       <p:ext uri="{BB962C8B-B14F-4D97-AF65-F5344CB8AC3E}">
-        <p14:creationId xmlns:p14="http://schemas.microsoft.com/office/powerpoint/2010/main" val="1594829553"/>
+        <p14:creationId xmlns:p14="http://schemas.microsoft.com/office/powerpoint/2010/main" val="3004917045"/>
       </p:ext>
     </p:extLst>
   </p:cSld>
@@ -7717,326 +7461,55 @@
         <p:spPr>
           <a:xfrm>
             <a:off x="838200" y="365126"/>
-            <a:ext cx="10515600" cy="706930"/>
+            <a:ext cx="10515600" cy="450420"/>
           </a:xfrm>
         </p:spPr>
         <p:txBody>
           <a:bodyPr>
-            <a:noAutofit/>
+            <a:normAutofit fontScale="90000"/>
           </a:bodyPr>
           <a:lstStyle/>
           <a:p>
             <a:r>
-              <a:rPr lang="en-US" sz="3600" b="1" dirty="0">
-                <a:solidFill>
-                  <a:srgbClr val="002060"/>
-                </a:solidFill>
-                <a:latin typeface="Consolas" panose="020B0609020204030204" pitchFamily="49" charset="0"/>
-                <a:cs typeface="Consolas" panose="020B0609020204030204" pitchFamily="49" charset="0"/>
-              </a:rPr>
-              <a:t>Make Average of an Average as an Average</a:t>
-            </a:r>
-            <a:endParaRPr lang="en-US" sz="3600" dirty="0">
-              <a:solidFill>
-                <a:srgbClr val="002060"/>
-              </a:solidFill>
-            </a:endParaRPr>
-          </a:p>
-        </p:txBody>
-      </p:sp>
-      <p:sp>
-        <p:nvSpPr>
-          <p:cNvPr id="3" name="Content Placeholder 2">
+              <a:rPr lang="en-US" dirty="0"/>
+              <a:t>MapReduce with Combiners</a:t>
+            </a:r>
+          </a:p>
+        </p:txBody>
+      </p:sp>
+      <p:pic>
+        <p:nvPicPr>
+          <p:cNvPr id="6" name="Content Placeholder 5" descr="Diagram&#10;&#10;Description automatically generated">
             <a:extLst>
               <a:ext uri="{FF2B5EF4-FFF2-40B4-BE49-F238E27FC236}">
-                <a16:creationId xmlns:a16="http://schemas.microsoft.com/office/drawing/2014/main" id="{3BD1778A-B232-474D-BA9E-B44F86DC7DBB}"/>
+                <a16:creationId xmlns:a16="http://schemas.microsoft.com/office/drawing/2014/main" id="{10256F3D-4923-A34D-8254-E6E707AAA261}"/>
               </a:ext>
             </a:extLst>
           </p:cNvPr>
-          <p:cNvSpPr>
-            <a:spLocks noGrp="1"/>
-          </p:cNvSpPr>
+          <p:cNvPicPr>
+            <a:picLocks noGrp="1" noChangeAspect="1"/>
+          </p:cNvPicPr>
           <p:nvPr>
             <p:ph idx="1"/>
           </p:nvPr>
-        </p:nvSpPr>
-        <p:spPr>
-          <a:xfrm>
-            <a:off x="838200" y="1271752"/>
-            <a:ext cx="10515600" cy="4905211"/>
-          </a:xfrm>
-        </p:spPr>
-        <p:txBody>
-          <a:bodyPr>
-            <a:normAutofit fontScale="77500" lnSpcReduction="20000"/>
-          </a:bodyPr>
-          <a:lstStyle/>
-          <a:p>
-            <a:pPr>
-              <a:spcBef>
-                <a:spcPts val="600"/>
-              </a:spcBef>
-            </a:pPr>
-            <a:r>
-              <a:rPr lang="en-US" sz="3200" dirty="0">
-                <a:solidFill>
-                  <a:srgbClr val="0000FF"/>
-                </a:solidFill>
-                <a:latin typeface="Consolas" panose="020B0609020204030204" pitchFamily="49" charset="0"/>
-                <a:cs typeface="Consolas" panose="020B0609020204030204" pitchFamily="49" charset="0"/>
-              </a:rPr>
-              <a:t>Let say we have 2 partitions:</a:t>
-            </a:r>
-          </a:p>
-          <a:p>
-            <a:pPr>
-              <a:spcBef>
-                <a:spcPts val="600"/>
-              </a:spcBef>
-            </a:pPr>
-            <a:r>
-              <a:rPr lang="en-US" sz="3200" dirty="0">
-                <a:solidFill>
-                  <a:srgbClr val="0000FF"/>
-                </a:solidFill>
-                <a:latin typeface="Consolas" panose="020B0609020204030204" pitchFamily="49" charset="0"/>
-                <a:cs typeface="Consolas" panose="020B0609020204030204" pitchFamily="49" charset="0"/>
-              </a:rPr>
-              <a:t>Partition-1: </a:t>
-            </a:r>
-            <a:r>
-              <a:rPr lang="en-US" sz="3200" dirty="0">
-                <a:solidFill>
-                  <a:srgbClr val="002060"/>
-                </a:solidFill>
-                <a:latin typeface="Consolas" panose="020B0609020204030204" pitchFamily="49" charset="0"/>
-                <a:cs typeface="Consolas" panose="020B0609020204030204" pitchFamily="49" charset="0"/>
-              </a:rPr>
-              <a:t>(K, (6, 1)), (K, (7, 1))</a:t>
-            </a:r>
-          </a:p>
-          <a:p>
-            <a:pPr>
-              <a:spcBef>
-                <a:spcPts val="600"/>
-              </a:spcBef>
-            </a:pPr>
-            <a:r>
-              <a:rPr lang="en-US" sz="3200" dirty="0">
-                <a:solidFill>
-                  <a:srgbClr val="0000FF"/>
-                </a:solidFill>
-                <a:latin typeface="Consolas" panose="020B0609020204030204" pitchFamily="49" charset="0"/>
-                <a:cs typeface="Consolas" panose="020B0609020204030204" pitchFamily="49" charset="0"/>
-              </a:rPr>
-              <a:t>Partition-2: </a:t>
-            </a:r>
-            <a:r>
-              <a:rPr lang="en-US" sz="3200" dirty="0">
-                <a:solidFill>
-                  <a:srgbClr val="002060"/>
-                </a:solidFill>
-                <a:latin typeface="Consolas" panose="020B0609020204030204" pitchFamily="49" charset="0"/>
-                <a:cs typeface="Consolas" panose="020B0609020204030204" pitchFamily="49" charset="0"/>
-              </a:rPr>
-              <a:t>(K, (8, 1))</a:t>
-            </a:r>
-          </a:p>
-          <a:p>
-            <a:pPr marL="0" indent="0">
-              <a:spcBef>
-                <a:spcPts val="600"/>
-              </a:spcBef>
-              <a:buNone/>
-            </a:pPr>
-            <a:endParaRPr lang="en-US" sz="3200" dirty="0">
-              <a:solidFill>
-                <a:srgbClr val="002060"/>
-              </a:solidFill>
-              <a:latin typeface="Consolas" panose="020B0609020204030204" pitchFamily="49" charset="0"/>
-              <a:cs typeface="Consolas" panose="020B0609020204030204" pitchFamily="49" charset="0"/>
-            </a:endParaRPr>
-          </a:p>
-          <a:p>
-            <a:pPr>
-              <a:spcBef>
-                <a:spcPts val="600"/>
-              </a:spcBef>
-            </a:pPr>
-            <a:r>
-              <a:rPr lang="en-US" sz="3200" dirty="0">
-                <a:solidFill>
-                  <a:srgbClr val="002060"/>
-                </a:solidFill>
-                <a:latin typeface="Consolas" panose="020B0609020204030204" pitchFamily="49" charset="0"/>
-                <a:cs typeface="Consolas" panose="020B0609020204030204" pitchFamily="49" charset="0"/>
-              </a:rPr>
-              <a:t>Average(P1): (K, (6+7, 1+1)) = </a:t>
-            </a:r>
-            <a:r>
-              <a:rPr lang="en-US" sz="3200" dirty="0">
-                <a:solidFill>
-                  <a:srgbClr val="0000FF"/>
-                </a:solidFill>
-                <a:latin typeface="Consolas" panose="020B0609020204030204" pitchFamily="49" charset="0"/>
-                <a:cs typeface="Consolas" panose="020B0609020204030204" pitchFamily="49" charset="0"/>
-              </a:rPr>
-              <a:t>(K, (13, 2))</a:t>
-            </a:r>
-          </a:p>
-          <a:p>
-            <a:pPr>
-              <a:spcBef>
-                <a:spcPts val="600"/>
-              </a:spcBef>
-            </a:pPr>
-            <a:r>
-              <a:rPr lang="en-US" sz="3200" dirty="0">
-                <a:solidFill>
-                  <a:srgbClr val="002060"/>
-                </a:solidFill>
-                <a:latin typeface="Consolas" panose="020B0609020204030204" pitchFamily="49" charset="0"/>
-                <a:cs typeface="Consolas" panose="020B0609020204030204" pitchFamily="49" charset="0"/>
-              </a:rPr>
-              <a:t>Average(P2): </a:t>
-            </a:r>
-            <a:r>
-              <a:rPr lang="en-US" sz="3200" dirty="0">
-                <a:solidFill>
-                  <a:srgbClr val="0000FF"/>
-                </a:solidFill>
-                <a:latin typeface="Consolas" panose="020B0609020204030204" pitchFamily="49" charset="0"/>
-                <a:cs typeface="Consolas" panose="020B0609020204030204" pitchFamily="49" charset="0"/>
-              </a:rPr>
-              <a:t>(K, (8, 1))</a:t>
-            </a:r>
-          </a:p>
-          <a:p>
-            <a:pPr>
-              <a:spcBef>
-                <a:spcPts val="600"/>
-              </a:spcBef>
-            </a:pPr>
-            <a:endParaRPr lang="en-US" sz="3200" dirty="0">
-              <a:solidFill>
-                <a:srgbClr val="002060"/>
-              </a:solidFill>
-              <a:latin typeface="Consolas" panose="020B0609020204030204" pitchFamily="49" charset="0"/>
-              <a:cs typeface="Consolas" panose="020B0609020204030204" pitchFamily="49" charset="0"/>
-            </a:endParaRPr>
-          </a:p>
-          <a:p>
-            <a:pPr>
-              <a:spcBef>
-                <a:spcPts val="600"/>
-              </a:spcBef>
-            </a:pPr>
-            <a:r>
-              <a:rPr lang="en-US" sz="3200" b="1" dirty="0">
-                <a:solidFill>
-                  <a:srgbClr val="0070C0"/>
-                </a:solidFill>
-                <a:latin typeface="Consolas" panose="020B0609020204030204" pitchFamily="49" charset="0"/>
-                <a:cs typeface="Consolas" panose="020B0609020204030204" pitchFamily="49" charset="0"/>
-              </a:rPr>
-              <a:t>Average(P1, P2) = </a:t>
-            </a:r>
-          </a:p>
-          <a:p>
-            <a:pPr marL="0" indent="0">
-              <a:spcBef>
-                <a:spcPts val="600"/>
-              </a:spcBef>
-              <a:buNone/>
-            </a:pPr>
-            <a:r>
-              <a:rPr lang="en-US" sz="3200" dirty="0">
-                <a:solidFill>
-                  <a:srgbClr val="002060"/>
-                </a:solidFill>
-                <a:latin typeface="Consolas" panose="020B0609020204030204" pitchFamily="49" charset="0"/>
-                <a:cs typeface="Consolas" panose="020B0609020204030204" pitchFamily="49" charset="0"/>
-              </a:rPr>
-              <a:t>(K, (13+8, 2+1)) = </a:t>
-            </a:r>
-          </a:p>
-          <a:p>
-            <a:pPr marL="0" indent="0">
-              <a:spcBef>
-                <a:spcPts val="600"/>
-              </a:spcBef>
-              <a:buNone/>
-            </a:pPr>
-            <a:r>
-              <a:rPr lang="en-US" sz="3200" dirty="0">
-                <a:solidFill>
-                  <a:srgbClr val="002060"/>
-                </a:solidFill>
-                <a:latin typeface="Consolas" panose="020B0609020204030204" pitchFamily="49" charset="0"/>
-                <a:cs typeface="Consolas" panose="020B0609020204030204" pitchFamily="49" charset="0"/>
-              </a:rPr>
-              <a:t>(K, (21, 3)) = </a:t>
-            </a:r>
-          </a:p>
-          <a:p>
-            <a:pPr marL="0" indent="0">
-              <a:spcBef>
-                <a:spcPts val="600"/>
-              </a:spcBef>
-              <a:buNone/>
-            </a:pPr>
-            <a:r>
-              <a:rPr lang="en-US" sz="3200" dirty="0">
-                <a:solidFill>
-                  <a:srgbClr val="002060"/>
-                </a:solidFill>
-                <a:latin typeface="Consolas" panose="020B0609020204030204" pitchFamily="49" charset="0"/>
-                <a:cs typeface="Consolas" panose="020B0609020204030204" pitchFamily="49" charset="0"/>
-              </a:rPr>
-              <a:t>(K, (sum, count))</a:t>
-            </a:r>
-          </a:p>
-          <a:p>
-            <a:pPr marL="0" indent="0">
-              <a:spcBef>
-                <a:spcPts val="600"/>
-              </a:spcBef>
-              <a:buNone/>
-            </a:pPr>
-            <a:r>
-              <a:rPr lang="en-US" sz="3200" dirty="0">
-                <a:solidFill>
-                  <a:srgbClr val="002060"/>
-                </a:solidFill>
-                <a:latin typeface="Consolas" panose="020B0609020204030204" pitchFamily="49" charset="0"/>
-                <a:cs typeface="Consolas" panose="020B0609020204030204" pitchFamily="49" charset="0"/>
-              </a:rPr>
-              <a:t>=&gt; (K, 21/3) = </a:t>
-            </a:r>
-            <a:r>
-              <a:rPr lang="en-US" sz="4000" dirty="0">
-                <a:solidFill>
-                  <a:srgbClr val="0000FF"/>
-                </a:solidFill>
-                <a:latin typeface="Consolas" panose="020B0609020204030204" pitchFamily="49" charset="0"/>
-                <a:cs typeface="Consolas" panose="020B0609020204030204" pitchFamily="49" charset="0"/>
-              </a:rPr>
-              <a:t>(K, 7)</a:t>
-            </a:r>
-            <a:endParaRPr lang="en-US" sz="3200" dirty="0">
-              <a:solidFill>
-                <a:srgbClr val="0000FF"/>
-              </a:solidFill>
-              <a:latin typeface="Consolas" panose="020B0609020204030204" pitchFamily="49" charset="0"/>
-              <a:cs typeface="Consolas" panose="020B0609020204030204" pitchFamily="49" charset="0"/>
-            </a:endParaRPr>
-          </a:p>
-        </p:txBody>
-      </p:sp>
+        </p:nvPicPr>
+        <p:blipFill>
+          <a:blip r:embed="rId2"/>
+          <a:stretch>
+            <a:fillRect/>
+          </a:stretch>
+        </p:blipFill>
+        <p:spPr>
+          <a:xfrm>
+            <a:off x="1680519" y="815546"/>
+            <a:ext cx="8118389" cy="5677328"/>
+          </a:xfrm>
+        </p:spPr>
+      </p:pic>
     </p:spTree>
     <p:extLst>
       <p:ext uri="{BB962C8B-B14F-4D97-AF65-F5344CB8AC3E}">
-        <p14:creationId xmlns:p14="http://schemas.microsoft.com/office/powerpoint/2010/main" val="2553732926"/>
+        <p14:creationId xmlns:p14="http://schemas.microsoft.com/office/powerpoint/2010/main" val="1426930217"/>
       </p:ext>
     </p:extLst>
   </p:cSld>
@@ -8087,25 +7560,14 @@
         </p:spPr>
         <p:txBody>
           <a:bodyPr>
-            <a:noAutofit/>
+            <a:normAutofit/>
           </a:bodyPr>
           <a:lstStyle/>
           <a:p>
             <a:r>
-              <a:rPr lang="en-US" sz="3600" b="1" dirty="0">
-                <a:solidFill>
-                  <a:srgbClr val="002060"/>
-                </a:solidFill>
-                <a:latin typeface="Consolas" panose="020B0609020204030204" pitchFamily="49" charset="0"/>
-                <a:cs typeface="Consolas" panose="020B0609020204030204" pitchFamily="49" charset="0"/>
-              </a:rPr>
-              <a:t>Sample output of Mappers</a:t>
-            </a:r>
-            <a:endParaRPr lang="en-US" sz="3600" dirty="0">
-              <a:solidFill>
-                <a:srgbClr val="002060"/>
-              </a:solidFill>
-            </a:endParaRPr>
+              <a:rPr lang="en-US" dirty="0"/>
+              <a:t>EXAMPLE-1: Find Sum of Values per Key</a:t>
+            </a:r>
           </a:p>
         </p:txBody>
       </p:sp>
@@ -8127,8 +7589,8 @@
         </p:nvSpPr>
         <p:spPr>
           <a:xfrm>
-            <a:off x="838199" y="1271752"/>
-            <a:ext cx="10786241" cy="4905211"/>
+            <a:off x="838200" y="1271752"/>
+            <a:ext cx="10515600" cy="4905211"/>
           </a:xfrm>
         </p:spPr>
         <p:txBody>
@@ -8137,6 +7599,24 @@
           </a:bodyPr>
           <a:lstStyle/>
           <a:p>
+            <a:pPr marL="0" indent="0">
+              <a:spcBef>
+                <a:spcPts val="600"/>
+              </a:spcBef>
+              <a:buNone/>
+            </a:pPr>
+            <a:r>
+              <a:rPr lang="en-US" sz="3200" dirty="0">
+                <a:solidFill>
+                  <a:srgbClr val="0000FF"/>
+                </a:solidFill>
+                <a:latin typeface="Consolas" panose="020B0609020204030204" pitchFamily="49" charset="0"/>
+                <a:cs typeface="Consolas" panose="020B0609020204030204" pitchFamily="49" charset="0"/>
+              </a:rPr>
+              <a:t>Solution-1: Without Combiners</a:t>
+            </a:r>
+          </a:p>
+          <a:p>
             <a:pPr>
               <a:spcBef>
                 <a:spcPts val="600"/>
@@ -8145,12 +7625,12 @@
             <a:r>
               <a:rPr lang="en-US" sz="3200" dirty="0">
                 <a:solidFill>
-                  <a:srgbClr val="0000FF"/>
-                </a:solidFill>
-                <a:latin typeface="Consolas" panose="020B0609020204030204" pitchFamily="49" charset="0"/>
-                <a:cs typeface="Consolas" panose="020B0609020204030204" pitchFamily="49" charset="0"/>
-              </a:rPr>
-              <a:t>Let say we have 2 partitions:</a:t>
+                  <a:srgbClr val="002060"/>
+                </a:solidFill>
+                <a:latin typeface="Consolas" panose="020B0609020204030204" pitchFamily="49" charset="0"/>
+                <a:cs typeface="Consolas" panose="020B0609020204030204" pitchFamily="49" charset="0"/>
+              </a:rPr>
+              <a:t>map()</a:t>
             </a:r>
           </a:p>
           <a:p>
@@ -8162,22 +7642,12 @@
             <a:r>
               <a:rPr lang="en-US" sz="3200" dirty="0">
                 <a:solidFill>
-                  <a:srgbClr val="0000FF"/>
-                </a:solidFill>
-                <a:latin typeface="Consolas" panose="020B0609020204030204" pitchFamily="49" charset="0"/>
-                <a:cs typeface="Consolas" panose="020B0609020204030204" pitchFamily="49" charset="0"/>
-              </a:rPr>
-              <a:t>Partition-1: </a:t>
-            </a:r>
-            <a:r>
-              <a:rPr lang="en-US" sz="3200" dirty="0">
-                <a:solidFill>
                   <a:srgbClr val="002060"/>
                 </a:solidFill>
                 <a:latin typeface="Consolas" panose="020B0609020204030204" pitchFamily="49" charset="0"/>
                 <a:cs typeface="Consolas" panose="020B0609020204030204" pitchFamily="49" charset="0"/>
               </a:rPr>
-              <a:t>(K, (6, 1)), (K, (7, 1))</a:t>
+              <a:t>reduce()</a:t>
             </a:r>
           </a:p>
           <a:p>
@@ -8185,68 +7655,48 @@
               <a:spcBef>
                 <a:spcPts val="600"/>
               </a:spcBef>
-            </a:pPr>
-            <a:r>
-              <a:rPr lang="en-US" sz="3200" dirty="0">
-                <a:solidFill>
-                  <a:srgbClr val="0000FF"/>
-                </a:solidFill>
-                <a:latin typeface="Consolas" panose="020B0609020204030204" pitchFamily="49" charset="0"/>
-                <a:cs typeface="Consolas" panose="020B0609020204030204" pitchFamily="49" charset="0"/>
-              </a:rPr>
-              <a:t>Partition-2: </a:t>
-            </a:r>
-            <a:r>
-              <a:rPr lang="en-US" sz="3200" dirty="0">
-                <a:solidFill>
-                  <a:srgbClr val="002060"/>
-                </a:solidFill>
-                <a:latin typeface="Consolas" panose="020B0609020204030204" pitchFamily="49" charset="0"/>
-                <a:cs typeface="Consolas" panose="020B0609020204030204" pitchFamily="49" charset="0"/>
-              </a:rPr>
-              <a:t>(K, (8, 1))</a:t>
-            </a:r>
-          </a:p>
-          <a:p>
-            <a:pPr marL="0" indent="0">
-              <a:spcBef>
-                <a:spcPts val="600"/>
-              </a:spcBef>
-              <a:buNone/>
             </a:pPr>
             <a:endParaRPr lang="en-US" sz="3200" dirty="0">
               <a:solidFill>
-                <a:srgbClr val="002060"/>
+                <a:srgbClr val="0000FF"/>
               </a:solidFill>
               <a:latin typeface="Consolas" panose="020B0609020204030204" pitchFamily="49" charset="0"/>
               <a:cs typeface="Consolas" panose="020B0609020204030204" pitchFamily="49" charset="0"/>
             </a:endParaRPr>
           </a:p>
           <a:p>
+            <a:pPr marL="0" indent="0">
+              <a:spcBef>
+                <a:spcPts val="600"/>
+              </a:spcBef>
+              <a:buNone/>
+            </a:pPr>
+            <a:r>
+              <a:rPr lang="en-US" sz="3200" dirty="0">
+                <a:solidFill>
+                  <a:srgbClr val="0000FF"/>
+                </a:solidFill>
+                <a:latin typeface="Consolas" panose="020B0609020204030204" pitchFamily="49" charset="0"/>
+                <a:cs typeface="Consolas" panose="020B0609020204030204" pitchFamily="49" charset="0"/>
+              </a:rPr>
+              <a:t>Solution-2: With Combiners</a:t>
+            </a:r>
+          </a:p>
+          <a:p>
             <a:pPr>
               <a:spcBef>
                 <a:spcPts val="600"/>
               </a:spcBef>
             </a:pPr>
             <a:r>
-              <a:rPr lang="en-US" sz="2800" dirty="0">
+              <a:rPr lang="en-US" sz="3200" dirty="0">
                 <a:solidFill>
                   <a:srgbClr val="002060"/>
                 </a:solidFill>
                 <a:latin typeface="Consolas" panose="020B0609020204030204" pitchFamily="49" charset="0"/>
                 <a:cs typeface="Consolas" panose="020B0609020204030204" pitchFamily="49" charset="0"/>
               </a:rPr>
-              <a:t>combine(P1): (K, (6+7, 1+1)) = </a:t>
-            </a:r>
-            <a:r>
-              <a:rPr lang="en-US" sz="2800" dirty="0">
-                <a:solidFill>
-                  <a:srgbClr val="0000FF"/>
-                </a:solidFill>
-                <a:latin typeface="Consolas" panose="020B0609020204030204" pitchFamily="49" charset="0"/>
-                <a:cs typeface="Consolas" panose="020B0609020204030204" pitchFamily="49" charset="0"/>
-              </a:rPr>
-              <a:t>(K, (13, 2))</a:t>
+              <a:t>map()</a:t>
             </a:r>
           </a:p>
           <a:p>
@@ -8256,47 +7706,68 @@
               </a:spcBef>
             </a:pPr>
             <a:r>
-              <a:rPr lang="en-US" sz="2800" dirty="0">
+              <a:rPr lang="en-US" sz="3200" dirty="0">
                 <a:solidFill>
                   <a:srgbClr val="002060"/>
                 </a:solidFill>
                 <a:latin typeface="Consolas" panose="020B0609020204030204" pitchFamily="49" charset="0"/>
                 <a:cs typeface="Consolas" panose="020B0609020204030204" pitchFamily="49" charset="0"/>
               </a:rPr>
-              <a:t>combine(P2): </a:t>
-            </a:r>
-            <a:r>
-              <a:rPr lang="en-US" sz="2800" dirty="0">
-                <a:solidFill>
-                  <a:srgbClr val="0000FF"/>
-                </a:solidFill>
-                <a:latin typeface="Consolas" panose="020B0609020204030204" pitchFamily="49" charset="0"/>
-                <a:cs typeface="Consolas" panose="020B0609020204030204" pitchFamily="49" charset="0"/>
-              </a:rPr>
-              <a:t>(K, (8, 1))</a:t>
-            </a:r>
-          </a:p>
-          <a:p>
-            <a:pPr marL="0" indent="0">
-              <a:spcBef>
-                <a:spcPts val="600"/>
-              </a:spcBef>
-              <a:buNone/>
+              <a:t>combine()</a:t>
+            </a:r>
+          </a:p>
+          <a:p>
+            <a:pPr>
+              <a:spcBef>
+                <a:spcPts val="600"/>
+              </a:spcBef>
+            </a:pPr>
+            <a:r>
+              <a:rPr lang="en-US" sz="3200" dirty="0">
+                <a:solidFill>
+                  <a:srgbClr val="002060"/>
+                </a:solidFill>
+                <a:latin typeface="Consolas" panose="020B0609020204030204" pitchFamily="49" charset="0"/>
+                <a:cs typeface="Consolas" panose="020B0609020204030204" pitchFamily="49" charset="0"/>
+              </a:rPr>
+              <a:t>reduce()</a:t>
+            </a:r>
+          </a:p>
+          <a:p>
+            <a:pPr>
+              <a:spcBef>
+                <a:spcPts val="600"/>
+              </a:spcBef>
             </a:pPr>
             <a:endParaRPr lang="en-US" sz="3200" dirty="0">
               <a:solidFill>
-                <a:srgbClr val="002060"/>
+                <a:srgbClr val="0000FF"/>
               </a:solidFill>
               <a:latin typeface="Consolas" panose="020B0609020204030204" pitchFamily="49" charset="0"/>
               <a:cs typeface="Consolas" panose="020B0609020204030204" pitchFamily="49" charset="0"/>
             </a:endParaRPr>
           </a:p>
+          <a:p>
+            <a:pPr marL="0" indent="0">
+              <a:spcBef>
+                <a:spcPts val="600"/>
+              </a:spcBef>
+              <a:buNone/>
+            </a:pPr>
+            <a:endParaRPr lang="en-US" sz="2400" dirty="0">
+              <a:solidFill>
+                <a:srgbClr val="0000FF"/>
+              </a:solidFill>
+              <a:latin typeface="Consolas" panose="020B0609020204030204" pitchFamily="49" charset="0"/>
+              <a:cs typeface="Consolas" panose="020B0609020204030204" pitchFamily="49" charset="0"/>
+            </a:endParaRPr>
+          </a:p>
         </p:txBody>
       </p:sp>
     </p:spTree>
     <p:extLst>
       <p:ext uri="{BB962C8B-B14F-4D97-AF65-F5344CB8AC3E}">
-        <p14:creationId xmlns:p14="http://schemas.microsoft.com/office/powerpoint/2010/main" val="3416100664"/>
+        <p14:creationId xmlns:p14="http://schemas.microsoft.com/office/powerpoint/2010/main" val="3300423287"/>
       </p:ext>
     </p:extLst>
   </p:cSld>
@@ -8352,20 +7823,17 @@
           <a:lstStyle/>
           <a:p>
             <a:r>
-              <a:rPr lang="en-US" sz="3600" b="1" dirty="0">
-                <a:solidFill>
-                  <a:srgbClr val="002060"/>
-                </a:solidFill>
-                <a:latin typeface="Consolas" panose="020B0609020204030204" pitchFamily="49" charset="0"/>
-                <a:cs typeface="Consolas" panose="020B0609020204030204" pitchFamily="49" charset="0"/>
-              </a:rPr>
-              <a:t>Tuples in Python</a:t>
-            </a:r>
-            <a:endParaRPr lang="en-US" sz="3600" dirty="0">
-              <a:solidFill>
-                <a:srgbClr val="002060"/>
-              </a:solidFill>
-            </a:endParaRPr>
+              <a:rPr lang="en-US" sz="3600" dirty="0"/>
+              <a:t>EXAMPLE-1: Find Sum of Values (ratings) per Key (</a:t>
+            </a:r>
+            <a:r>
+              <a:rPr lang="en-US" sz="3600" dirty="0" err="1"/>
+              <a:t>movie_id</a:t>
+            </a:r>
+            <a:r>
+              <a:rPr lang="en-US" sz="3600" dirty="0"/>
+              <a:t>)</a:t>
+            </a:r>
           </a:p>
         </p:txBody>
       </p:sp>
@@ -8388,12 +7856,12 @@
         <p:spPr>
           <a:xfrm>
             <a:off x="838200" y="1271752"/>
-            <a:ext cx="10681138" cy="4905211"/>
+            <a:ext cx="10515600" cy="4905211"/>
           </a:xfrm>
         </p:spPr>
         <p:txBody>
           <a:bodyPr>
-            <a:normAutofit/>
+            <a:normAutofit fontScale="92500" lnSpcReduction="10000"/>
           </a:bodyPr>
           <a:lstStyle/>
           <a:p>
@@ -8404,88 +7872,24 @@
               <a:buNone/>
             </a:pPr>
             <a:r>
-              <a:rPr lang="en-US" sz="4800" dirty="0">
+              <a:rPr lang="en-US" sz="3200" dirty="0">
                 <a:solidFill>
                   <a:srgbClr val="0000FF"/>
                 </a:solidFill>
                 <a:latin typeface="Consolas" panose="020B0609020204030204" pitchFamily="49" charset="0"/>
                 <a:cs typeface="Consolas" panose="020B0609020204030204" pitchFamily="49" charset="0"/>
               </a:rPr>
-              <a:t>&gt;&gt;&gt; a = (78, 3)</a:t>
-            </a:r>
-          </a:p>
-          <a:p>
-            <a:pPr marL="0" indent="0">
-              <a:spcBef>
-                <a:spcPts val="600"/>
-              </a:spcBef>
-              <a:buNone/>
-            </a:pPr>
-            <a:r>
-              <a:rPr lang="en-US" sz="4800" dirty="0">
-                <a:solidFill>
-                  <a:srgbClr val="0000FF"/>
-                </a:solidFill>
-                <a:latin typeface="Consolas" panose="020B0609020204030204" pitchFamily="49" charset="0"/>
-                <a:cs typeface="Consolas" panose="020B0609020204030204" pitchFamily="49" charset="0"/>
-              </a:rPr>
-              <a:t>&gt;&gt;&gt; a[0]</a:t>
-            </a:r>
-          </a:p>
-          <a:p>
-            <a:pPr marL="0" indent="0">
-              <a:spcBef>
-                <a:spcPts val="600"/>
-              </a:spcBef>
-              <a:buNone/>
-            </a:pPr>
-            <a:r>
-              <a:rPr lang="en-US" sz="4800" dirty="0">
-                <a:solidFill>
-                  <a:srgbClr val="0000FF"/>
-                </a:solidFill>
-                <a:latin typeface="Consolas" panose="020B0609020204030204" pitchFamily="49" charset="0"/>
-                <a:cs typeface="Consolas" panose="020B0609020204030204" pitchFamily="49" charset="0"/>
-              </a:rPr>
-              <a:t>78</a:t>
-            </a:r>
-          </a:p>
-          <a:p>
-            <a:pPr marL="0" indent="0">
-              <a:spcBef>
-                <a:spcPts val="600"/>
-              </a:spcBef>
-              <a:buNone/>
-            </a:pPr>
-            <a:r>
-              <a:rPr lang="en-US" sz="4800" dirty="0">
-                <a:solidFill>
-                  <a:srgbClr val="0000FF"/>
-                </a:solidFill>
-                <a:latin typeface="Consolas" panose="020B0609020204030204" pitchFamily="49" charset="0"/>
-                <a:cs typeface="Consolas" panose="020B0609020204030204" pitchFamily="49" charset="0"/>
-              </a:rPr>
-              <a:t>&gt;&gt;&gt; a[1]</a:t>
-            </a:r>
-          </a:p>
-          <a:p>
-            <a:pPr marL="0" indent="0">
-              <a:spcBef>
-                <a:spcPts val="600"/>
-              </a:spcBef>
-              <a:buNone/>
-            </a:pPr>
-            <a:r>
-              <a:rPr lang="en-US" sz="4800" dirty="0">
-                <a:solidFill>
-                  <a:srgbClr val="0000FF"/>
-                </a:solidFill>
-                <a:latin typeface="Consolas" panose="020B0609020204030204" pitchFamily="49" charset="0"/>
-                <a:cs typeface="Consolas" panose="020B0609020204030204" pitchFamily="49" charset="0"/>
-              </a:rPr>
-              <a:t>3</a:t>
-            </a:r>
-            <a:endParaRPr lang="en-US" sz="4800" dirty="0">
+              <a:t>Solution-1: Without Combiners</a:t>
+            </a:r>
+          </a:p>
+          <a:p>
+            <a:pPr marL="0" indent="0">
+              <a:spcBef>
+                <a:spcPts val="600"/>
+              </a:spcBef>
+              <a:buNone/>
+            </a:pPr>
+            <a:endParaRPr lang="en-US" sz="3200" dirty="0">
               <a:solidFill>
                 <a:srgbClr val="002060"/>
               </a:solidFill>
@@ -8493,12 +7897,280 @@
               <a:cs typeface="Consolas" panose="020B0609020204030204" pitchFamily="49" charset="0"/>
             </a:endParaRPr>
           </a:p>
+          <a:p>
+            <a:pPr marL="0" indent="0">
+              <a:spcBef>
+                <a:spcPts val="600"/>
+              </a:spcBef>
+              <a:buNone/>
+            </a:pPr>
+            <a:r>
+              <a:rPr lang="en-US" sz="3200" dirty="0">
+                <a:solidFill>
+                  <a:srgbClr val="002060"/>
+                </a:solidFill>
+                <a:latin typeface="Consolas" panose="020B0609020204030204" pitchFamily="49" charset="0"/>
+                <a:cs typeface="Consolas" panose="020B0609020204030204" pitchFamily="49" charset="0"/>
+              </a:rPr>
+              <a:t># K: record number: ignored</a:t>
+            </a:r>
+          </a:p>
+          <a:p>
+            <a:pPr marL="0" indent="0">
+              <a:spcBef>
+                <a:spcPts val="600"/>
+              </a:spcBef>
+              <a:buNone/>
+            </a:pPr>
+            <a:r>
+              <a:rPr lang="en-US" sz="3200" dirty="0">
+                <a:solidFill>
+                  <a:srgbClr val="002060"/>
+                </a:solidFill>
+                <a:latin typeface="Consolas" panose="020B0609020204030204" pitchFamily="49" charset="0"/>
+                <a:cs typeface="Consolas" panose="020B0609020204030204" pitchFamily="49" charset="0"/>
+              </a:rPr>
+              <a:t># V: record as “&lt;</a:t>
+            </a:r>
+            <a:r>
+              <a:rPr lang="en-US" sz="3200" dirty="0" err="1">
+                <a:solidFill>
+                  <a:srgbClr val="002060"/>
+                </a:solidFill>
+                <a:latin typeface="Consolas" panose="020B0609020204030204" pitchFamily="49" charset="0"/>
+                <a:cs typeface="Consolas" panose="020B0609020204030204" pitchFamily="49" charset="0"/>
+              </a:rPr>
+              <a:t>movie_id</a:t>
+            </a:r>
+            <a:r>
+              <a:rPr lang="en-US" sz="3200" dirty="0">
+                <a:solidFill>
+                  <a:srgbClr val="002060"/>
+                </a:solidFill>
+                <a:latin typeface="Consolas" panose="020B0609020204030204" pitchFamily="49" charset="0"/>
+                <a:cs typeface="Consolas" panose="020B0609020204030204" pitchFamily="49" charset="0"/>
+              </a:rPr>
+              <a:t>&gt;&lt;,&gt;&lt;rating&gt;”</a:t>
+            </a:r>
+          </a:p>
+          <a:p>
+            <a:pPr marL="0" indent="0">
+              <a:spcBef>
+                <a:spcPts val="600"/>
+              </a:spcBef>
+              <a:buNone/>
+            </a:pPr>
+            <a:r>
+              <a:rPr lang="en-US" sz="3200" dirty="0">
+                <a:solidFill>
+                  <a:srgbClr val="002060"/>
+                </a:solidFill>
+                <a:latin typeface="Consolas" panose="020B0609020204030204" pitchFamily="49" charset="0"/>
+                <a:cs typeface="Consolas" panose="020B0609020204030204" pitchFamily="49" charset="0"/>
+              </a:rPr>
+              <a:t>map(K, V) {</a:t>
+            </a:r>
+          </a:p>
+          <a:p>
+            <a:pPr marL="0" indent="0">
+              <a:spcBef>
+                <a:spcPts val="600"/>
+              </a:spcBef>
+              <a:buNone/>
+            </a:pPr>
+            <a:r>
+              <a:rPr lang="en-US" sz="3200" dirty="0">
+                <a:solidFill>
+                  <a:srgbClr val="002060"/>
+                </a:solidFill>
+                <a:latin typeface="Consolas" panose="020B0609020204030204" pitchFamily="49" charset="0"/>
+                <a:cs typeface="Consolas" panose="020B0609020204030204" pitchFamily="49" charset="0"/>
+              </a:rPr>
+              <a:t>  tokens = </a:t>
+            </a:r>
+            <a:r>
+              <a:rPr lang="en-US" sz="3200" dirty="0" err="1">
+                <a:solidFill>
+                  <a:srgbClr val="002060"/>
+                </a:solidFill>
+                <a:latin typeface="Consolas" panose="020B0609020204030204" pitchFamily="49" charset="0"/>
+                <a:cs typeface="Consolas" panose="020B0609020204030204" pitchFamily="49" charset="0"/>
+              </a:rPr>
+              <a:t>V.split</a:t>
+            </a:r>
+            <a:r>
+              <a:rPr lang="en-US" sz="3200" dirty="0">
+                <a:solidFill>
+                  <a:srgbClr val="002060"/>
+                </a:solidFill>
+                <a:latin typeface="Consolas" panose="020B0609020204030204" pitchFamily="49" charset="0"/>
+                <a:cs typeface="Consolas" panose="020B0609020204030204" pitchFamily="49" charset="0"/>
+              </a:rPr>
+              <a:t>(“,”)</a:t>
+            </a:r>
+          </a:p>
+          <a:p>
+            <a:pPr marL="0" indent="0">
+              <a:spcBef>
+                <a:spcPts val="600"/>
+              </a:spcBef>
+              <a:buNone/>
+            </a:pPr>
+            <a:r>
+              <a:rPr lang="en-US" sz="3200" dirty="0">
+                <a:solidFill>
+                  <a:srgbClr val="002060"/>
+                </a:solidFill>
+                <a:latin typeface="Consolas" panose="020B0609020204030204" pitchFamily="49" charset="0"/>
+                <a:cs typeface="Consolas" panose="020B0609020204030204" pitchFamily="49" charset="0"/>
+              </a:rPr>
+              <a:t>  </a:t>
+            </a:r>
+            <a:r>
+              <a:rPr lang="en-US" sz="3200" dirty="0" err="1">
+                <a:solidFill>
+                  <a:srgbClr val="002060"/>
+                </a:solidFill>
+                <a:latin typeface="Consolas" panose="020B0609020204030204" pitchFamily="49" charset="0"/>
+                <a:cs typeface="Consolas" panose="020B0609020204030204" pitchFamily="49" charset="0"/>
+              </a:rPr>
+              <a:t>movie_id</a:t>
+            </a:r>
+            <a:r>
+              <a:rPr lang="en-US" sz="3200" dirty="0">
+                <a:solidFill>
+                  <a:srgbClr val="002060"/>
+                </a:solidFill>
+                <a:latin typeface="Consolas" panose="020B0609020204030204" pitchFamily="49" charset="0"/>
+                <a:cs typeface="Consolas" panose="020B0609020204030204" pitchFamily="49" charset="0"/>
+              </a:rPr>
+              <a:t> = tokens[0]</a:t>
+            </a:r>
+          </a:p>
+          <a:p>
+            <a:pPr marL="0" indent="0">
+              <a:spcBef>
+                <a:spcPts val="600"/>
+              </a:spcBef>
+              <a:buNone/>
+            </a:pPr>
+            <a:r>
+              <a:rPr lang="en-US" sz="3200" dirty="0">
+                <a:solidFill>
+                  <a:srgbClr val="002060"/>
+                </a:solidFill>
+                <a:latin typeface="Consolas" panose="020B0609020204030204" pitchFamily="49" charset="0"/>
+                <a:cs typeface="Consolas" panose="020B0609020204030204" pitchFamily="49" charset="0"/>
+              </a:rPr>
+              <a:t>  rating = int(tokens[1])  </a:t>
+            </a:r>
+          </a:p>
+          <a:p>
+            <a:pPr marL="0" indent="0">
+              <a:spcBef>
+                <a:spcPts val="600"/>
+              </a:spcBef>
+              <a:buNone/>
+            </a:pPr>
+            <a:r>
+              <a:rPr lang="en-US" sz="3200" dirty="0">
+                <a:solidFill>
+                  <a:srgbClr val="002060"/>
+                </a:solidFill>
+                <a:latin typeface="Consolas" panose="020B0609020204030204" pitchFamily="49" charset="0"/>
+                <a:cs typeface="Consolas" panose="020B0609020204030204" pitchFamily="49" charset="0"/>
+              </a:rPr>
+              <a:t>  emit (</a:t>
+            </a:r>
+            <a:r>
+              <a:rPr lang="en-US" sz="3200" dirty="0" err="1">
+                <a:solidFill>
+                  <a:srgbClr val="002060"/>
+                </a:solidFill>
+                <a:latin typeface="Consolas" panose="020B0609020204030204" pitchFamily="49" charset="0"/>
+                <a:cs typeface="Consolas" panose="020B0609020204030204" pitchFamily="49" charset="0"/>
+              </a:rPr>
+              <a:t>movie_id</a:t>
+            </a:r>
+            <a:r>
+              <a:rPr lang="en-US" sz="3200" dirty="0">
+                <a:solidFill>
+                  <a:srgbClr val="002060"/>
+                </a:solidFill>
+                <a:latin typeface="Consolas" panose="020B0609020204030204" pitchFamily="49" charset="0"/>
+                <a:cs typeface="Consolas" panose="020B0609020204030204" pitchFamily="49" charset="0"/>
+              </a:rPr>
+              <a:t>, rating)</a:t>
+            </a:r>
+          </a:p>
+          <a:p>
+            <a:pPr marL="0" indent="0">
+              <a:spcBef>
+                <a:spcPts val="600"/>
+              </a:spcBef>
+              <a:buNone/>
+            </a:pPr>
+            <a:r>
+              <a:rPr lang="en-US" sz="3200" dirty="0">
+                <a:solidFill>
+                  <a:srgbClr val="002060"/>
+                </a:solidFill>
+                <a:latin typeface="Consolas" panose="020B0609020204030204" pitchFamily="49" charset="0"/>
+                <a:cs typeface="Consolas" panose="020B0609020204030204" pitchFamily="49" charset="0"/>
+              </a:rPr>
+              <a:t>}</a:t>
+            </a:r>
+          </a:p>
+          <a:p>
+            <a:pPr marL="0" indent="0">
+              <a:spcBef>
+                <a:spcPts val="600"/>
+              </a:spcBef>
+              <a:buNone/>
+            </a:pPr>
+            <a:endParaRPr lang="en-US" sz="3200" dirty="0">
+              <a:solidFill>
+                <a:srgbClr val="0000FF"/>
+              </a:solidFill>
+              <a:latin typeface="Consolas" panose="020B0609020204030204" pitchFamily="49" charset="0"/>
+              <a:cs typeface="Consolas" panose="020B0609020204030204" pitchFamily="49" charset="0"/>
+            </a:endParaRPr>
+          </a:p>
+          <a:p>
+            <a:pPr>
+              <a:spcBef>
+                <a:spcPts val="600"/>
+              </a:spcBef>
+            </a:pPr>
+            <a:endParaRPr lang="en-US" sz="3200" dirty="0">
+              <a:solidFill>
+                <a:srgbClr val="0000FF"/>
+              </a:solidFill>
+              <a:latin typeface="Consolas" panose="020B0609020204030204" pitchFamily="49" charset="0"/>
+              <a:cs typeface="Consolas" panose="020B0609020204030204" pitchFamily="49" charset="0"/>
+            </a:endParaRPr>
+          </a:p>
+          <a:p>
+            <a:pPr marL="0" indent="0">
+              <a:spcBef>
+                <a:spcPts val="600"/>
+              </a:spcBef>
+              <a:buNone/>
+            </a:pPr>
+            <a:endParaRPr lang="en-US" sz="2400" dirty="0">
+              <a:solidFill>
+                <a:srgbClr val="0000FF"/>
+              </a:solidFill>
+              <a:latin typeface="Consolas" panose="020B0609020204030204" pitchFamily="49" charset="0"/>
+              <a:cs typeface="Consolas" panose="020B0609020204030204" pitchFamily="49" charset="0"/>
+            </a:endParaRPr>
+          </a:p>
         </p:txBody>
       </p:sp>
     </p:spTree>
     <p:extLst>
       <p:ext uri="{BB962C8B-B14F-4D97-AF65-F5344CB8AC3E}">
-        <p14:creationId xmlns:p14="http://schemas.microsoft.com/office/powerpoint/2010/main" val="313630906"/>
+        <p14:creationId xmlns:p14="http://schemas.microsoft.com/office/powerpoint/2010/main" val="556722026"/>
       </p:ext>
     </p:extLst>
   </p:cSld>
@@ -8530,7 +8202,7 @@
           <p:cNvPr id="2" name="Title 1">
             <a:extLst>
               <a:ext uri="{FF2B5EF4-FFF2-40B4-BE49-F238E27FC236}">
-                <a16:creationId xmlns:a16="http://schemas.microsoft.com/office/drawing/2014/main" id="{D9412A32-9C70-A84C-BD70-6B6F25B705D0}"/>
+                <a16:creationId xmlns:a16="http://schemas.microsoft.com/office/drawing/2014/main" id="{F9F5A895-0231-5A4B-B2AC-CFB4AA99843B}"/>
               </a:ext>
             </a:extLst>
           </p:cNvPr>
@@ -8541,14 +8213,29 @@
             <p:ph type="title"/>
           </p:nvPr>
         </p:nvSpPr>
-        <p:spPr/>
-        <p:txBody>
-          <a:bodyPr/>
+        <p:spPr>
+          <a:xfrm>
+            <a:off x="838200" y="365126"/>
+            <a:ext cx="10515600" cy="706930"/>
+          </a:xfrm>
+        </p:spPr>
+        <p:txBody>
+          <a:bodyPr>
+            <a:noAutofit/>
+          </a:bodyPr>
           <a:lstStyle/>
           <a:p>
             <a:r>
-              <a:rPr lang="en-US" dirty="0"/>
-              <a:t>What  to consider for combiners &amp; reducers</a:t>
+              <a:rPr lang="en-US" sz="3600" dirty="0"/>
+              <a:t>EXAMPLE-1: Find Sum of Values (ratings) per Key (</a:t>
+            </a:r>
+            <a:r>
+              <a:rPr lang="en-US" sz="3600" dirty="0" err="1"/>
+              <a:t>movie_id</a:t>
+            </a:r>
+            <a:r>
+              <a:rPr lang="en-US" sz="3600" dirty="0"/>
+              <a:t>)</a:t>
             </a:r>
           </a:p>
         </p:txBody>
@@ -8558,7 +8245,7 @@
           <p:cNvPr id="3" name="Content Placeholder 2">
             <a:extLst>
               <a:ext uri="{FF2B5EF4-FFF2-40B4-BE49-F238E27FC236}">
-                <a16:creationId xmlns:a16="http://schemas.microsoft.com/office/drawing/2014/main" id="{F729D696-28C9-7748-ADC9-DFD039AC4408}"/>
+                <a16:creationId xmlns:a16="http://schemas.microsoft.com/office/drawing/2014/main" id="{3BD1778A-B232-474D-BA9E-B44F86DC7DBB}"/>
               </a:ext>
             </a:extLst>
           </p:cNvPr>
@@ -8569,132 +8256,205 @@
             <p:ph idx="1"/>
           </p:nvPr>
         </p:nvSpPr>
-        <p:spPr/>
+        <p:spPr>
+          <a:xfrm>
+            <a:off x="838200" y="1271752"/>
+            <a:ext cx="10515600" cy="4905211"/>
+          </a:xfrm>
+        </p:spPr>
         <p:txBody>
           <a:bodyPr>
-            <a:normAutofit fontScale="92500" lnSpcReduction="20000"/>
+            <a:normAutofit/>
           </a:bodyPr>
           <a:lstStyle/>
           <a:p>
-            <a:r>
-              <a:rPr lang="en-US" dirty="0"/>
-              <a:t>Make their functions to be </a:t>
-            </a:r>
-            <a:r>
-              <a:rPr lang="en-US" dirty="0">
+            <a:pPr marL="0" indent="0">
+              <a:spcBef>
+                <a:spcPts val="600"/>
+              </a:spcBef>
+              <a:buNone/>
+            </a:pPr>
+            <a:r>
+              <a:rPr lang="en-US" sz="3200" dirty="0">
                 <a:solidFill>
                   <a:srgbClr val="0000FF"/>
                 </a:solidFill>
-              </a:rPr>
-              <a:t>associative</a:t>
-            </a:r>
-            <a:r>
-              <a:rPr lang="en-US" dirty="0"/>
-              <a:t> and </a:t>
-            </a:r>
-            <a:r>
-              <a:rPr lang="en-US" dirty="0">
+                <a:latin typeface="Consolas" panose="020B0609020204030204" pitchFamily="49" charset="0"/>
+                <a:cs typeface="Consolas" panose="020B0609020204030204" pitchFamily="49" charset="0"/>
+              </a:rPr>
+              <a:t>Solution-1: Without Combiners</a:t>
+            </a:r>
+          </a:p>
+          <a:p>
+            <a:pPr marL="0" indent="0">
+              <a:spcBef>
+                <a:spcPts val="600"/>
+              </a:spcBef>
+              <a:buNone/>
+            </a:pPr>
+            <a:endParaRPr lang="en-US" sz="3200" dirty="0">
+              <a:solidFill>
+                <a:srgbClr val="002060"/>
+              </a:solidFill>
+              <a:latin typeface="Consolas" panose="020B0609020204030204" pitchFamily="49" charset="0"/>
+              <a:cs typeface="Consolas" panose="020B0609020204030204" pitchFamily="49" charset="0"/>
+            </a:endParaRPr>
+          </a:p>
+          <a:p>
+            <a:pPr marL="0" indent="0">
+              <a:spcBef>
+                <a:spcPts val="600"/>
+              </a:spcBef>
+              <a:buNone/>
+            </a:pPr>
+            <a:r>
+              <a:rPr lang="en-US" sz="3200" dirty="0">
+                <a:solidFill>
+                  <a:srgbClr val="002060"/>
+                </a:solidFill>
+                <a:latin typeface="Consolas" panose="020B0609020204030204" pitchFamily="49" charset="0"/>
+                <a:cs typeface="Consolas" panose="020B0609020204030204" pitchFamily="49" charset="0"/>
+              </a:rPr>
+              <a:t>Sort &amp; Shuffle phase will produce:</a:t>
+            </a:r>
+          </a:p>
+          <a:p>
+            <a:pPr marL="0" indent="0">
+              <a:spcBef>
+                <a:spcPts val="600"/>
+              </a:spcBef>
+              <a:buNone/>
+            </a:pPr>
+            <a:endParaRPr lang="en-US" sz="3200" dirty="0">
+              <a:solidFill>
+                <a:srgbClr val="0000FF"/>
+              </a:solidFill>
+              <a:latin typeface="Consolas" panose="020B0609020204030204" pitchFamily="49" charset="0"/>
+              <a:cs typeface="Consolas" panose="020B0609020204030204" pitchFamily="49" charset="0"/>
+            </a:endParaRPr>
+          </a:p>
+          <a:p>
+            <a:pPr marL="0" indent="0">
+              <a:spcBef>
+                <a:spcPts val="600"/>
+              </a:spcBef>
+              <a:buNone/>
+            </a:pPr>
+            <a:r>
+              <a:rPr lang="en-US" sz="3200" dirty="0">
                 <a:solidFill>
                   <a:srgbClr val="0000FF"/>
                 </a:solidFill>
-              </a:rPr>
-              <a:t>commutative</a:t>
-            </a:r>
-            <a:r>
-              <a:rPr lang="en-US" dirty="0"/>
-              <a:t>:</a:t>
-            </a:r>
-          </a:p>
-          <a:p>
-            <a:r>
-              <a:rPr lang="en-US" dirty="0"/>
-              <a:t>Let + be a binary function</a:t>
-            </a:r>
-          </a:p>
-          <a:p>
-            <a:pPr marL="0" indent="0">
-              <a:buNone/>
-            </a:pPr>
-            <a:endParaRPr lang="en-US" dirty="0"/>
-          </a:p>
-          <a:p>
-            <a:r>
-              <a:rPr lang="en-US" b="1" dirty="0">
+                <a:latin typeface="Consolas" panose="020B0609020204030204" pitchFamily="49" charset="0"/>
+                <a:cs typeface="Consolas" panose="020B0609020204030204" pitchFamily="49" charset="0"/>
+              </a:rPr>
+              <a:t>(movie_id_1, [2, 4, 5, 1, 1, 3])</a:t>
+            </a:r>
+          </a:p>
+          <a:p>
+            <a:pPr marL="0" indent="0">
+              <a:spcBef>
+                <a:spcPts val="600"/>
+              </a:spcBef>
+              <a:buNone/>
+            </a:pPr>
+            <a:r>
+              <a:rPr lang="en-US" sz="3200" dirty="0">
                 <a:solidFill>
                   <a:srgbClr val="0000FF"/>
                 </a:solidFill>
-                <a:effectLst/>
-              </a:rPr>
-              <a:t>Commutative Laws</a:t>
-            </a:r>
-          </a:p>
-          <a:p>
-            <a:pPr marL="0" indent="0">
-              <a:buNone/>
-            </a:pPr>
-            <a:r>
-              <a:rPr lang="en-US" dirty="0"/>
-              <a:t>		</a:t>
-            </a:r>
-            <a:r>
-              <a:rPr lang="en-US" sz="4000" dirty="0"/>
-              <a:t>a + b</a:t>
-            </a:r>
-            <a:r>
-              <a:rPr lang="en-US" sz="4000" b="1" dirty="0"/>
-              <a:t>  = </a:t>
-            </a:r>
-            <a:r>
-              <a:rPr lang="en-US" sz="4000" dirty="0"/>
-              <a:t> b + a</a:t>
-            </a:r>
-          </a:p>
-          <a:p>
-            <a:endParaRPr lang="en-US" dirty="0"/>
-          </a:p>
-          <a:p>
-            <a:r>
-              <a:rPr lang="en-US" b="1" dirty="0">
+                <a:latin typeface="Consolas" panose="020B0609020204030204" pitchFamily="49" charset="0"/>
+                <a:cs typeface="Consolas" panose="020B0609020204030204" pitchFamily="49" charset="0"/>
+              </a:rPr>
+              <a:t>(movie_id_2, [1, 1, 3, 5])</a:t>
+            </a:r>
+          </a:p>
+          <a:p>
+            <a:pPr marL="0" indent="0">
+              <a:spcBef>
+                <a:spcPts val="600"/>
+              </a:spcBef>
+              <a:buNone/>
+            </a:pPr>
+            <a:r>
+              <a:rPr lang="en-US" sz="3200" dirty="0">
                 <a:solidFill>
                   <a:srgbClr val="0000FF"/>
                 </a:solidFill>
-                <a:effectLst/>
-              </a:rPr>
-              <a:t>Associative Laws</a:t>
-            </a:r>
-          </a:p>
-          <a:p>
-            <a:pPr marL="0" indent="0">
-              <a:buNone/>
-            </a:pPr>
-            <a:r>
-              <a:rPr lang="en-US" sz="4000" dirty="0"/>
-              <a:t>		(a + b) + c</a:t>
-            </a:r>
-            <a:r>
-              <a:rPr lang="en-US" sz="4000" b="1" dirty="0"/>
-              <a:t>  = </a:t>
-            </a:r>
-            <a:r>
-              <a:rPr lang="en-US" sz="4000" dirty="0"/>
-              <a:t> a + (b + c)</a:t>
-            </a:r>
-          </a:p>
-          <a:p>
-            <a:pPr marL="0" indent="0">
-              <a:buNone/>
-            </a:pPr>
-            <a:br>
-              <a:rPr lang="en-US" dirty="0"/>
-            </a:br>
-            <a:endParaRPr lang="en-US" dirty="0"/>
+                <a:latin typeface="Consolas" panose="020B0609020204030204" pitchFamily="49" charset="0"/>
+                <a:cs typeface="Consolas" panose="020B0609020204030204" pitchFamily="49" charset="0"/>
+              </a:rPr>
+              <a:t>(movie_id_3, [1, 1, 1, 1, 2, 2])</a:t>
+            </a:r>
+          </a:p>
+          <a:p>
+            <a:pPr marL="0" indent="0">
+              <a:spcBef>
+                <a:spcPts val="600"/>
+              </a:spcBef>
+              <a:buNone/>
+            </a:pPr>
+            <a:r>
+              <a:rPr lang="en-US" sz="3200" dirty="0">
+                <a:solidFill>
+                  <a:srgbClr val="0000FF"/>
+                </a:solidFill>
+                <a:latin typeface="Consolas" panose="020B0609020204030204" pitchFamily="49" charset="0"/>
+                <a:cs typeface="Consolas" panose="020B0609020204030204" pitchFamily="49" charset="0"/>
+              </a:rPr>
+              <a:t>…</a:t>
+            </a:r>
+          </a:p>
+          <a:p>
+            <a:pPr marL="0" indent="0">
+              <a:spcBef>
+                <a:spcPts val="600"/>
+              </a:spcBef>
+              <a:buNone/>
+            </a:pPr>
+            <a:endParaRPr lang="en-US" sz="3200" dirty="0">
+              <a:solidFill>
+                <a:srgbClr val="0000FF"/>
+              </a:solidFill>
+              <a:latin typeface="Consolas" panose="020B0609020204030204" pitchFamily="49" charset="0"/>
+              <a:cs typeface="Consolas" panose="020B0609020204030204" pitchFamily="49" charset="0"/>
+            </a:endParaRPr>
+          </a:p>
+          <a:p>
+            <a:pPr>
+              <a:spcBef>
+                <a:spcPts val="600"/>
+              </a:spcBef>
+            </a:pPr>
+            <a:endParaRPr lang="en-US" sz="3200" dirty="0">
+              <a:solidFill>
+                <a:srgbClr val="0000FF"/>
+              </a:solidFill>
+              <a:latin typeface="Consolas" panose="020B0609020204030204" pitchFamily="49" charset="0"/>
+              <a:cs typeface="Consolas" panose="020B0609020204030204" pitchFamily="49" charset="0"/>
+            </a:endParaRPr>
+          </a:p>
+          <a:p>
+            <a:pPr marL="0" indent="0">
+              <a:spcBef>
+                <a:spcPts val="600"/>
+              </a:spcBef>
+              <a:buNone/>
+            </a:pPr>
+            <a:endParaRPr lang="en-US" sz="2400" dirty="0">
+              <a:solidFill>
+                <a:srgbClr val="0000FF"/>
+              </a:solidFill>
+              <a:latin typeface="Consolas" panose="020B0609020204030204" pitchFamily="49" charset="0"/>
+              <a:cs typeface="Consolas" panose="020B0609020204030204" pitchFamily="49" charset="0"/>
+            </a:endParaRPr>
           </a:p>
         </p:txBody>
       </p:sp>
     </p:spTree>
     <p:extLst>
       <p:ext uri="{BB962C8B-B14F-4D97-AF65-F5344CB8AC3E}">
-        <p14:creationId xmlns:p14="http://schemas.microsoft.com/office/powerpoint/2010/main" val="2228946603"/>
+        <p14:creationId xmlns:p14="http://schemas.microsoft.com/office/powerpoint/2010/main" val="2505910664"/>
       </p:ext>
     </p:extLst>
   </p:cSld>
@@ -8726,7 +8486,7 @@
           <p:cNvPr id="2" name="Title 1">
             <a:extLst>
               <a:ext uri="{FF2B5EF4-FFF2-40B4-BE49-F238E27FC236}">
-                <a16:creationId xmlns:a16="http://schemas.microsoft.com/office/drawing/2014/main" id="{D9412A32-9C70-A84C-BD70-6B6F25B705D0}"/>
+                <a16:creationId xmlns:a16="http://schemas.microsoft.com/office/drawing/2014/main" id="{F9F5A895-0231-5A4B-B2AC-CFB4AA99843B}"/>
               </a:ext>
             </a:extLst>
           </p:cNvPr>
@@ -8737,14 +8497,29 @@
             <p:ph type="title"/>
           </p:nvPr>
         </p:nvSpPr>
-        <p:spPr/>
-        <p:txBody>
-          <a:bodyPr/>
+        <p:spPr>
+          <a:xfrm>
+            <a:off x="838200" y="365126"/>
+            <a:ext cx="10515600" cy="706930"/>
+          </a:xfrm>
+        </p:spPr>
+        <p:txBody>
+          <a:bodyPr>
+            <a:noAutofit/>
+          </a:bodyPr>
           <a:lstStyle/>
           <a:p>
             <a:r>
-              <a:rPr lang="en-US" dirty="0"/>
-              <a:t>Addition and Multiplication is Commutative</a:t>
+              <a:rPr lang="en-US" sz="3600" dirty="0"/>
+              <a:t>EXAMPLE-1: Find Sum of Values (ratings) per Key (</a:t>
+            </a:r>
+            <a:r>
+              <a:rPr lang="en-US" sz="3600" dirty="0" err="1"/>
+              <a:t>movie_id</a:t>
+            </a:r>
+            <a:r>
+              <a:rPr lang="en-US" sz="3600" dirty="0"/>
+              <a:t>)</a:t>
             </a:r>
           </a:p>
         </p:txBody>
@@ -8754,7 +8529,7 @@
           <p:cNvPr id="3" name="Content Placeholder 2">
             <a:extLst>
               <a:ext uri="{FF2B5EF4-FFF2-40B4-BE49-F238E27FC236}">
-                <a16:creationId xmlns:a16="http://schemas.microsoft.com/office/drawing/2014/main" id="{F729D696-28C9-7748-ADC9-DFD039AC4408}"/>
+                <a16:creationId xmlns:a16="http://schemas.microsoft.com/office/drawing/2014/main" id="{3BD1778A-B232-474D-BA9E-B44F86DC7DBB}"/>
               </a:ext>
             </a:extLst>
           </p:cNvPr>
@@ -8765,43 +8540,315 @@
             <p:ph idx="1"/>
           </p:nvPr>
         </p:nvSpPr>
-        <p:spPr/>
-        <p:txBody>
-          <a:bodyPr/>
+        <p:spPr>
+          <a:xfrm>
+            <a:off x="932793" y="1229711"/>
+            <a:ext cx="10515600" cy="4905211"/>
+          </a:xfrm>
+        </p:spPr>
+        <p:txBody>
+          <a:bodyPr>
+            <a:normAutofit lnSpcReduction="10000"/>
+          </a:bodyPr>
           <a:lstStyle/>
           <a:p>
-            <a:r>
-              <a:rPr lang="en-US" dirty="0"/>
-              <a:t>2 + 3 = 3 + 2 = 5</a:t>
-            </a:r>
-          </a:p>
-          <a:p>
-            <a:r>
-              <a:rPr lang="en-US" dirty="0"/>
-              <a:t>100 + 200 = 200 + 100 = 300</a:t>
-            </a:r>
-          </a:p>
-          <a:p>
-            <a:endParaRPr lang="en-US" dirty="0"/>
-          </a:p>
-          <a:p>
-            <a:r>
-              <a:rPr lang="en-US" dirty="0"/>
-              <a:t>2 * 5 = 5 * 2 = 10</a:t>
-            </a:r>
-          </a:p>
-          <a:p>
-            <a:r>
-              <a:rPr lang="en-US" dirty="0"/>
-              <a:t>20 * 30 = 30 *20 </a:t>
-            </a:r>
+            <a:pPr marL="0" indent="0">
+              <a:spcBef>
+                <a:spcPts val="600"/>
+              </a:spcBef>
+              <a:buNone/>
+            </a:pPr>
+            <a:r>
+              <a:rPr lang="en-US" sz="3200" u="sng" dirty="0">
+                <a:solidFill>
+                  <a:srgbClr val="0000FF"/>
+                </a:solidFill>
+                <a:latin typeface="Consolas" panose="020B0609020204030204" pitchFamily="49" charset="0"/>
+                <a:cs typeface="Consolas" panose="020B0609020204030204" pitchFamily="49" charset="0"/>
+              </a:rPr>
+              <a:t>Solution-1: Without Combiners</a:t>
+            </a:r>
+            <a:endParaRPr lang="en-US" sz="3200" u="sng" dirty="0">
+              <a:solidFill>
+                <a:srgbClr val="002060"/>
+              </a:solidFill>
+              <a:latin typeface="Consolas" panose="020B0609020204030204" pitchFamily="49" charset="0"/>
+              <a:cs typeface="Consolas" panose="020B0609020204030204" pitchFamily="49" charset="0"/>
+            </a:endParaRPr>
+          </a:p>
+          <a:p>
+            <a:pPr marL="0" indent="0">
+              <a:spcBef>
+                <a:spcPts val="600"/>
+              </a:spcBef>
+              <a:buNone/>
+            </a:pPr>
+            <a:r>
+              <a:rPr lang="en-US" sz="3200" dirty="0">
+                <a:solidFill>
+                  <a:srgbClr val="002060"/>
+                </a:solidFill>
+                <a:latin typeface="Consolas" panose="020B0609020204030204" pitchFamily="49" charset="0"/>
+                <a:cs typeface="Consolas" panose="020B0609020204030204" pitchFamily="49" charset="0"/>
+              </a:rPr>
+              <a:t># K: a unique </a:t>
+            </a:r>
+            <a:r>
+              <a:rPr lang="en-US" sz="3200" dirty="0" err="1">
+                <a:solidFill>
+                  <a:srgbClr val="002060"/>
+                </a:solidFill>
+                <a:latin typeface="Consolas" panose="020B0609020204030204" pitchFamily="49" charset="0"/>
+                <a:cs typeface="Consolas" panose="020B0609020204030204" pitchFamily="49" charset="0"/>
+              </a:rPr>
+              <a:t>movie_id</a:t>
+            </a:r>
+            <a:endParaRPr lang="en-US" sz="3200" dirty="0">
+              <a:solidFill>
+                <a:srgbClr val="002060"/>
+              </a:solidFill>
+              <a:latin typeface="Consolas" panose="020B0609020204030204" pitchFamily="49" charset="0"/>
+              <a:cs typeface="Consolas" panose="020B0609020204030204" pitchFamily="49" charset="0"/>
+            </a:endParaRPr>
+          </a:p>
+          <a:p>
+            <a:pPr marL="0" indent="0">
+              <a:spcBef>
+                <a:spcPts val="600"/>
+              </a:spcBef>
+              <a:buNone/>
+            </a:pPr>
+            <a:r>
+              <a:rPr lang="en-US" sz="3200" dirty="0">
+                <a:solidFill>
+                  <a:srgbClr val="002060"/>
+                </a:solidFill>
+                <a:latin typeface="Consolas" panose="020B0609020204030204" pitchFamily="49" charset="0"/>
+                <a:cs typeface="Consolas" panose="020B0609020204030204" pitchFamily="49" charset="0"/>
+              </a:rPr>
+              <a:t># V: [v_1, v_2, …, </a:t>
+            </a:r>
+            <a:r>
+              <a:rPr lang="en-US" sz="3200" dirty="0" err="1">
+                <a:solidFill>
+                  <a:srgbClr val="002060"/>
+                </a:solidFill>
+                <a:latin typeface="Consolas" panose="020B0609020204030204" pitchFamily="49" charset="0"/>
+                <a:cs typeface="Consolas" panose="020B0609020204030204" pitchFamily="49" charset="0"/>
+              </a:rPr>
+              <a:t>v_n</a:t>
+            </a:r>
+            <a:r>
+              <a:rPr lang="en-US" sz="3200" dirty="0">
+                <a:solidFill>
+                  <a:srgbClr val="002060"/>
+                </a:solidFill>
+                <a:latin typeface="Consolas" panose="020B0609020204030204" pitchFamily="49" charset="0"/>
+                <a:cs typeface="Consolas" panose="020B0609020204030204" pitchFamily="49" charset="0"/>
+              </a:rPr>
+              <a:t>] (all ratings for K)</a:t>
+            </a:r>
+          </a:p>
+          <a:p>
+            <a:pPr marL="0" indent="0">
+              <a:spcBef>
+                <a:spcPts val="600"/>
+              </a:spcBef>
+              <a:buNone/>
+            </a:pPr>
+            <a:r>
+              <a:rPr lang="en-US" sz="3200" dirty="0">
+                <a:solidFill>
+                  <a:srgbClr val="002060"/>
+                </a:solidFill>
+                <a:latin typeface="Consolas" panose="020B0609020204030204" pitchFamily="49" charset="0"/>
+                <a:cs typeface="Consolas" panose="020B0609020204030204" pitchFamily="49" charset="0"/>
+              </a:rPr>
+              <a:t># V denotes all ratings for K (a unique </a:t>
+            </a:r>
+            <a:r>
+              <a:rPr lang="en-US" sz="3200" dirty="0" err="1">
+                <a:solidFill>
+                  <a:srgbClr val="002060"/>
+                </a:solidFill>
+                <a:latin typeface="Consolas" panose="020B0609020204030204" pitchFamily="49" charset="0"/>
+                <a:cs typeface="Consolas" panose="020B0609020204030204" pitchFamily="49" charset="0"/>
+              </a:rPr>
+              <a:t>movie_id</a:t>
+            </a:r>
+            <a:r>
+              <a:rPr lang="en-US" sz="3200" dirty="0">
+                <a:solidFill>
+                  <a:srgbClr val="002060"/>
+                </a:solidFill>
+                <a:latin typeface="Consolas" panose="020B0609020204030204" pitchFamily="49" charset="0"/>
+                <a:cs typeface="Consolas" panose="020B0609020204030204" pitchFamily="49" charset="0"/>
+              </a:rPr>
+              <a:t>)</a:t>
+            </a:r>
+          </a:p>
+          <a:p>
+            <a:pPr marL="0" indent="0">
+              <a:spcBef>
+                <a:spcPts val="600"/>
+              </a:spcBef>
+              <a:buNone/>
+            </a:pPr>
+            <a:r>
+              <a:rPr lang="en-US" sz="3200" dirty="0">
+                <a:solidFill>
+                  <a:srgbClr val="002060"/>
+                </a:solidFill>
+                <a:latin typeface="Consolas" panose="020B0609020204030204" pitchFamily="49" charset="0"/>
+                <a:cs typeface="Consolas" panose="020B0609020204030204" pitchFamily="49" charset="0"/>
+              </a:rPr>
+              <a:t>reduce(K, V) {</a:t>
+            </a:r>
+          </a:p>
+          <a:p>
+            <a:pPr marL="0" indent="0">
+              <a:spcBef>
+                <a:spcPts val="600"/>
+              </a:spcBef>
+              <a:buNone/>
+            </a:pPr>
+            <a:r>
+              <a:rPr lang="en-US" sz="3200" dirty="0">
+                <a:solidFill>
+                  <a:srgbClr val="002060"/>
+                </a:solidFill>
+                <a:latin typeface="Consolas" panose="020B0609020204030204" pitchFamily="49" charset="0"/>
+                <a:cs typeface="Consolas" panose="020B0609020204030204" pitchFamily="49" charset="0"/>
+              </a:rPr>
+              <a:t>  </a:t>
+            </a:r>
+            <a:r>
+              <a:rPr lang="en-US" sz="3200" dirty="0" err="1">
+                <a:solidFill>
+                  <a:srgbClr val="002060"/>
+                </a:solidFill>
+                <a:latin typeface="Consolas" panose="020B0609020204030204" pitchFamily="49" charset="0"/>
+                <a:cs typeface="Consolas" panose="020B0609020204030204" pitchFamily="49" charset="0"/>
+              </a:rPr>
+              <a:t>sum_of_ratings</a:t>
+            </a:r>
+            <a:r>
+              <a:rPr lang="en-US" sz="3200" dirty="0">
+                <a:solidFill>
+                  <a:srgbClr val="002060"/>
+                </a:solidFill>
+                <a:latin typeface="Consolas" panose="020B0609020204030204" pitchFamily="49" charset="0"/>
+                <a:cs typeface="Consolas" panose="020B0609020204030204" pitchFamily="49" charset="0"/>
+              </a:rPr>
+              <a:t> = sum(V)</a:t>
+            </a:r>
+          </a:p>
+          <a:p>
+            <a:pPr marL="0" indent="0">
+              <a:spcBef>
+                <a:spcPts val="600"/>
+              </a:spcBef>
+              <a:buNone/>
+            </a:pPr>
+            <a:r>
+              <a:rPr lang="en-US" sz="3200" dirty="0">
+                <a:solidFill>
+                  <a:srgbClr val="002060"/>
+                </a:solidFill>
+                <a:latin typeface="Consolas" panose="020B0609020204030204" pitchFamily="49" charset="0"/>
+                <a:cs typeface="Consolas" panose="020B0609020204030204" pitchFamily="49" charset="0"/>
+              </a:rPr>
+              <a:t>  emit (K, </a:t>
+            </a:r>
+            <a:r>
+              <a:rPr lang="en-US" sz="3200" dirty="0" err="1">
+                <a:solidFill>
+                  <a:srgbClr val="002060"/>
+                </a:solidFill>
+                <a:latin typeface="Consolas" panose="020B0609020204030204" pitchFamily="49" charset="0"/>
+                <a:cs typeface="Consolas" panose="020B0609020204030204" pitchFamily="49" charset="0"/>
+              </a:rPr>
+              <a:t>sum_of_ratings</a:t>
+            </a:r>
+            <a:r>
+              <a:rPr lang="en-US" sz="3200" dirty="0">
+                <a:solidFill>
+                  <a:srgbClr val="002060"/>
+                </a:solidFill>
+                <a:latin typeface="Consolas" panose="020B0609020204030204" pitchFamily="49" charset="0"/>
+                <a:cs typeface="Consolas" panose="020B0609020204030204" pitchFamily="49" charset="0"/>
+              </a:rPr>
+              <a:t>)</a:t>
+            </a:r>
+          </a:p>
+          <a:p>
+            <a:pPr marL="0" indent="0">
+              <a:spcBef>
+                <a:spcPts val="600"/>
+              </a:spcBef>
+              <a:buNone/>
+            </a:pPr>
+            <a:r>
+              <a:rPr lang="en-US" sz="3200" dirty="0">
+                <a:solidFill>
+                  <a:srgbClr val="002060"/>
+                </a:solidFill>
+                <a:latin typeface="Consolas" panose="020B0609020204030204" pitchFamily="49" charset="0"/>
+                <a:cs typeface="Consolas" panose="020B0609020204030204" pitchFamily="49" charset="0"/>
+              </a:rPr>
+              <a:t>}</a:t>
+            </a:r>
+          </a:p>
+          <a:p>
+            <a:pPr marL="0" indent="0">
+              <a:spcBef>
+                <a:spcPts val="600"/>
+              </a:spcBef>
+              <a:buNone/>
+            </a:pPr>
+            <a:endParaRPr lang="en-US" sz="3200" dirty="0">
+              <a:solidFill>
+                <a:srgbClr val="0000FF"/>
+              </a:solidFill>
+              <a:latin typeface="Consolas" panose="020B0609020204030204" pitchFamily="49" charset="0"/>
+              <a:cs typeface="Consolas" panose="020B0609020204030204" pitchFamily="49" charset="0"/>
+            </a:endParaRPr>
+          </a:p>
+          <a:p>
+            <a:pPr>
+              <a:spcBef>
+                <a:spcPts val="600"/>
+              </a:spcBef>
+            </a:pPr>
+            <a:endParaRPr lang="en-US" sz="3200" dirty="0">
+              <a:solidFill>
+                <a:srgbClr val="0000FF"/>
+              </a:solidFill>
+              <a:latin typeface="Consolas" panose="020B0609020204030204" pitchFamily="49" charset="0"/>
+              <a:cs typeface="Consolas" panose="020B0609020204030204" pitchFamily="49" charset="0"/>
+            </a:endParaRPr>
+          </a:p>
+          <a:p>
+            <a:pPr marL="0" indent="0">
+              <a:spcBef>
+                <a:spcPts val="600"/>
+              </a:spcBef>
+              <a:buNone/>
+            </a:pPr>
+            <a:endParaRPr lang="en-US" sz="2400" dirty="0">
+              <a:solidFill>
+                <a:srgbClr val="0000FF"/>
+              </a:solidFill>
+              <a:latin typeface="Consolas" panose="020B0609020204030204" pitchFamily="49" charset="0"/>
+              <a:cs typeface="Consolas" panose="020B0609020204030204" pitchFamily="49" charset="0"/>
+            </a:endParaRPr>
           </a:p>
         </p:txBody>
       </p:sp>
     </p:spTree>
     <p:extLst>
       <p:ext uri="{BB962C8B-B14F-4D97-AF65-F5344CB8AC3E}">
-        <p14:creationId xmlns:p14="http://schemas.microsoft.com/office/powerpoint/2010/main" val="3956845121"/>
+        <p14:creationId xmlns:p14="http://schemas.microsoft.com/office/powerpoint/2010/main" val="3056494231"/>
       </p:ext>
     </p:extLst>
   </p:cSld>
@@ -8833,7 +8880,7 @@
           <p:cNvPr id="2" name="Title 1">
             <a:extLst>
               <a:ext uri="{FF2B5EF4-FFF2-40B4-BE49-F238E27FC236}">
-                <a16:creationId xmlns:a16="http://schemas.microsoft.com/office/drawing/2014/main" id="{D9412A32-9C70-A84C-BD70-6B6F25B705D0}"/>
+                <a16:creationId xmlns:a16="http://schemas.microsoft.com/office/drawing/2014/main" id="{F9F5A895-0231-5A4B-B2AC-CFB4AA99843B}"/>
               </a:ext>
             </a:extLst>
           </p:cNvPr>
@@ -8844,14 +8891,21 @@
             <p:ph type="title"/>
           </p:nvPr>
         </p:nvSpPr>
-        <p:spPr/>
-        <p:txBody>
-          <a:bodyPr/>
+        <p:spPr>
+          <a:xfrm>
+            <a:off x="838200" y="365126"/>
+            <a:ext cx="10515600" cy="706930"/>
+          </a:xfrm>
+        </p:spPr>
+        <p:txBody>
+          <a:bodyPr>
+            <a:normAutofit/>
+          </a:bodyPr>
           <a:lstStyle/>
           <a:p>
             <a:r>
               <a:rPr lang="en-US" dirty="0"/>
-              <a:t>Subtraction and Division is NOT Commutative</a:t>
+              <a:t>EXAMPLE-1: Find Sum of Values per Key</a:t>
             </a:r>
           </a:p>
         </p:txBody>
@@ -8861,7 +8915,7 @@
           <p:cNvPr id="3" name="Content Placeholder 2">
             <a:extLst>
               <a:ext uri="{FF2B5EF4-FFF2-40B4-BE49-F238E27FC236}">
-                <a16:creationId xmlns:a16="http://schemas.microsoft.com/office/drawing/2014/main" id="{F729D696-28C9-7748-ADC9-DFD039AC4408}"/>
+                <a16:creationId xmlns:a16="http://schemas.microsoft.com/office/drawing/2014/main" id="{3BD1778A-B232-474D-BA9E-B44F86DC7DBB}"/>
               </a:ext>
             </a:extLst>
           </p:cNvPr>
@@ -8872,55 +8926,121 @@
             <p:ph idx="1"/>
           </p:nvPr>
         </p:nvSpPr>
-        <p:spPr/>
-        <p:txBody>
-          <a:bodyPr/>
+        <p:spPr>
+          <a:xfrm>
+            <a:off x="838200" y="1271752"/>
+            <a:ext cx="10515600" cy="4905211"/>
+          </a:xfrm>
+        </p:spPr>
+        <p:txBody>
+          <a:bodyPr>
+            <a:normAutofit/>
+          </a:bodyPr>
           <a:lstStyle/>
           <a:p>
-            <a:r>
-              <a:rPr lang="en-US" dirty="0"/>
-              <a:t>5 - 3 = 2</a:t>
-            </a:r>
-          </a:p>
-          <a:p>
-            <a:r>
-              <a:rPr lang="en-US" dirty="0"/>
-              <a:t>3 - 5 = -2</a:t>
-            </a:r>
-          </a:p>
-          <a:p>
-            <a:r>
-              <a:rPr lang="en-US" dirty="0"/>
-              <a:t>2 NOT EQUAL to -2</a:t>
-            </a:r>
-          </a:p>
-          <a:p>
-            <a:endParaRPr lang="en-US" dirty="0"/>
-          </a:p>
-          <a:p>
-            <a:r>
-              <a:rPr lang="en-US" dirty="0"/>
-              <a:t>10 / 2 = 5</a:t>
-            </a:r>
-          </a:p>
-          <a:p>
-            <a:r>
-              <a:rPr lang="en-US" dirty="0"/>
-              <a:t>2 / 10 = 0.2</a:t>
-            </a:r>
-          </a:p>
-          <a:p>
-            <a:r>
-              <a:rPr lang="en-US" dirty="0"/>
-              <a:t>5 NOT EQUAL to 0.2 </a:t>
-            </a:r>
+            <a:pPr marL="0" indent="0">
+              <a:spcBef>
+                <a:spcPts val="600"/>
+              </a:spcBef>
+              <a:buNone/>
+            </a:pPr>
+            <a:r>
+              <a:rPr lang="en-US" sz="3200" dirty="0">
+                <a:solidFill>
+                  <a:srgbClr val="0000FF"/>
+                </a:solidFill>
+                <a:latin typeface="Consolas" panose="020B0609020204030204" pitchFamily="49" charset="0"/>
+                <a:cs typeface="Consolas" panose="020B0609020204030204" pitchFamily="49" charset="0"/>
+              </a:rPr>
+              <a:t>Solution-2: With Combiners</a:t>
+            </a:r>
+          </a:p>
+          <a:p>
+            <a:pPr>
+              <a:spcBef>
+                <a:spcPts val="600"/>
+              </a:spcBef>
+            </a:pPr>
+            <a:r>
+              <a:rPr lang="en-US" sz="3200" dirty="0">
+                <a:solidFill>
+                  <a:srgbClr val="002060"/>
+                </a:solidFill>
+                <a:latin typeface="Consolas" panose="020B0609020204030204" pitchFamily="49" charset="0"/>
+                <a:cs typeface="Consolas" panose="020B0609020204030204" pitchFamily="49" charset="0"/>
+              </a:rPr>
+              <a:t>map()</a:t>
+            </a:r>
+          </a:p>
+          <a:p>
+            <a:pPr>
+              <a:spcBef>
+                <a:spcPts val="600"/>
+              </a:spcBef>
+            </a:pPr>
+            <a:r>
+              <a:rPr lang="en-US" sz="3200" dirty="0">
+                <a:solidFill>
+                  <a:srgbClr val="002060"/>
+                </a:solidFill>
+                <a:latin typeface="Consolas" panose="020B0609020204030204" pitchFamily="49" charset="0"/>
+                <a:cs typeface="Consolas" panose="020B0609020204030204" pitchFamily="49" charset="0"/>
+              </a:rPr>
+              <a:t>combine()</a:t>
+            </a:r>
+          </a:p>
+          <a:p>
+            <a:pPr>
+              <a:spcBef>
+                <a:spcPts val="600"/>
+              </a:spcBef>
+            </a:pPr>
+            <a:r>
+              <a:rPr lang="en-US" sz="3200" dirty="0">
+                <a:solidFill>
+                  <a:srgbClr val="002060"/>
+                </a:solidFill>
+                <a:latin typeface="Consolas" panose="020B0609020204030204" pitchFamily="49" charset="0"/>
+                <a:cs typeface="Consolas" panose="020B0609020204030204" pitchFamily="49" charset="0"/>
+              </a:rPr>
+              <a:t>reduce()</a:t>
+            </a:r>
+          </a:p>
+          <a:p>
+            <a:pPr>
+              <a:spcBef>
+                <a:spcPts val="600"/>
+              </a:spcBef>
+            </a:pPr>
+            <a:endParaRPr lang="en-US" sz="3200" dirty="0">
+              <a:solidFill>
+                <a:srgbClr val="0000FF"/>
+              </a:solidFill>
+              <a:latin typeface="Consolas" panose="020B0609020204030204" pitchFamily="49" charset="0"/>
+              <a:cs typeface="Consolas" panose="020B0609020204030204" pitchFamily="49" charset="0"/>
+            </a:endParaRPr>
+          </a:p>
+          <a:p>
+            <a:pPr marL="0" indent="0">
+              <a:spcBef>
+                <a:spcPts val="600"/>
+              </a:spcBef>
+              <a:buNone/>
+            </a:pPr>
+            <a:endParaRPr lang="en-US" sz="2400" dirty="0">
+              <a:solidFill>
+                <a:srgbClr val="0000FF"/>
+              </a:solidFill>
+              <a:latin typeface="Consolas" panose="020B0609020204030204" pitchFamily="49" charset="0"/>
+              <a:cs typeface="Consolas" panose="020B0609020204030204" pitchFamily="49" charset="0"/>
+            </a:endParaRPr>
           </a:p>
         </p:txBody>
       </p:sp>
     </p:spTree>
     <p:extLst>
       <p:ext uri="{BB962C8B-B14F-4D97-AF65-F5344CB8AC3E}">
-        <p14:creationId xmlns:p14="http://schemas.microsoft.com/office/powerpoint/2010/main" val="2940014733"/>
+        <p14:creationId xmlns:p14="http://schemas.microsoft.com/office/powerpoint/2010/main" val="594048214"/>
       </p:ext>
     </p:extLst>
   </p:cSld>
@@ -8963,14 +9083,19 @@
             <p:ph type="title"/>
           </p:nvPr>
         </p:nvSpPr>
-        <p:spPr/>
+        <p:spPr>
+          <a:xfrm>
+            <a:off x="838200" y="365126"/>
+            <a:ext cx="10515600" cy="706929"/>
+          </a:xfrm>
+        </p:spPr>
         <p:txBody>
           <a:bodyPr/>
           <a:lstStyle/>
           <a:p>
             <a:r>
               <a:rPr lang="en-US" dirty="0"/>
-              <a:t>MapReduce job</a:t>
+              <a:t>MapReduce Job Components</a:t>
             </a:r>
           </a:p>
         </p:txBody>
@@ -8991,7 +9116,12 @@
             <p:ph idx="1"/>
           </p:nvPr>
         </p:nvSpPr>
-        <p:spPr/>
+        <p:spPr>
+          <a:xfrm>
+            <a:off x="838200" y="1145629"/>
+            <a:ext cx="10515600" cy="5031336"/>
+          </a:xfrm>
+        </p:spPr>
         <p:txBody>
           <a:bodyPr>
             <a:normAutofit/>
@@ -9000,25 +9130,41 @@
           <a:p>
             <a:r>
               <a:rPr lang="en-US" sz="4000" dirty="0"/>
-              <a:t>Input path</a:t>
+              <a:t>Input path (set of directories and files)</a:t>
             </a:r>
           </a:p>
           <a:p>
             <a:r>
               <a:rPr lang="en-US" sz="4000" dirty="0"/>
-              <a:t>Output path</a:t>
-            </a:r>
-          </a:p>
-          <a:p>
+              <a:t>Output path (output directory)</a:t>
+            </a:r>
+          </a:p>
+          <a:p>
+            <a:r>
+              <a:rPr lang="en-US" sz="4000" dirty="0">
+                <a:solidFill>
+                  <a:srgbClr val="0000FF"/>
+                </a:solidFill>
+              </a:rPr>
+              <a:t>map</a:t>
+            </a:r>
             <a:r>
               <a:rPr lang="en-US" sz="4000" dirty="0"/>
-              <a:t>map() function</a:t>
-            </a:r>
-          </a:p>
-          <a:p>
+              <a:t>() function</a:t>
+            </a:r>
+          </a:p>
+          <a:p>
+            <a:r>
+              <a:rPr lang="en-US" sz="4000" dirty="0">
+                <a:solidFill>
+                  <a:srgbClr val="0000FF"/>
+                </a:solidFill>
+              </a:rPr>
+              <a:t>reduce</a:t>
+            </a:r>
             <a:r>
               <a:rPr lang="en-US" sz="4000" dirty="0"/>
-              <a:t>reduce() function</a:t>
+              <a:t>() function</a:t>
             </a:r>
           </a:p>
           <a:p>
@@ -9068,7 +9214,7 @@
           <p:cNvPr id="2" name="Title 1">
             <a:extLst>
               <a:ext uri="{FF2B5EF4-FFF2-40B4-BE49-F238E27FC236}">
-                <a16:creationId xmlns:a16="http://schemas.microsoft.com/office/drawing/2014/main" id="{D9412A32-9C70-A84C-BD70-6B6F25B705D0}"/>
+                <a16:creationId xmlns:a16="http://schemas.microsoft.com/office/drawing/2014/main" id="{F9F5A895-0231-5A4B-B2AC-CFB4AA99843B}"/>
               </a:ext>
             </a:extLst>
           </p:cNvPr>
@@ -9079,14 +9225,29 @@
             <p:ph type="title"/>
           </p:nvPr>
         </p:nvSpPr>
-        <p:spPr/>
-        <p:txBody>
-          <a:bodyPr/>
+        <p:spPr>
+          <a:xfrm>
+            <a:off x="838200" y="365126"/>
+            <a:ext cx="10515600" cy="706930"/>
+          </a:xfrm>
+        </p:spPr>
+        <p:txBody>
+          <a:bodyPr>
+            <a:noAutofit/>
+          </a:bodyPr>
           <a:lstStyle/>
           <a:p>
             <a:r>
-              <a:rPr lang="en-US" dirty="0"/>
-              <a:t>Average function is not Associative</a:t>
+              <a:rPr lang="en-US" sz="3600" dirty="0"/>
+              <a:t>EXAMPLE-1: Find Sum of Values (ratings) per Key (</a:t>
+            </a:r>
+            <a:r>
+              <a:rPr lang="en-US" sz="3600" dirty="0" err="1"/>
+              <a:t>movie_id</a:t>
+            </a:r>
+            <a:r>
+              <a:rPr lang="en-US" sz="3600" dirty="0"/>
+              <a:t>)</a:t>
             </a:r>
           </a:p>
         </p:txBody>
@@ -9096,7 +9257,7 @@
           <p:cNvPr id="3" name="Content Placeholder 2">
             <a:extLst>
               <a:ext uri="{FF2B5EF4-FFF2-40B4-BE49-F238E27FC236}">
-                <a16:creationId xmlns:a16="http://schemas.microsoft.com/office/drawing/2014/main" id="{F729D696-28C9-7748-ADC9-DFD039AC4408}"/>
+                <a16:creationId xmlns:a16="http://schemas.microsoft.com/office/drawing/2014/main" id="{3BD1778A-B232-474D-BA9E-B44F86DC7DBB}"/>
               </a:ext>
             </a:extLst>
           </p:cNvPr>
@@ -9107,48 +9268,324 @@
             <p:ph idx="1"/>
           </p:nvPr>
         </p:nvSpPr>
-        <p:spPr/>
+        <p:spPr>
+          <a:xfrm>
+            <a:off x="838200" y="1271752"/>
+            <a:ext cx="10515600" cy="4905211"/>
+          </a:xfrm>
+        </p:spPr>
         <p:txBody>
           <a:bodyPr>
-            <a:normAutofit/>
+            <a:normAutofit fontScale="92500" lnSpcReduction="10000"/>
           </a:bodyPr>
           <a:lstStyle/>
           <a:p>
-            <a:r>
-              <a:rPr lang="en-US" sz="4400" dirty="0"/>
-              <a:t>Avg (1, 2, 3) = 2.0</a:t>
-            </a:r>
-          </a:p>
-          <a:p>
-            <a:r>
-              <a:rPr lang="en-US" sz="4400" dirty="0"/>
-              <a:t>Avg(1,  Avg(2, 3)) = Avg(1, 2.5) = 1.75</a:t>
-            </a:r>
-          </a:p>
-          <a:p>
-            <a:r>
-              <a:rPr lang="en-US" sz="4400" dirty="0"/>
-              <a:t>2.0 </a:t>
-            </a:r>
-            <a:r>
-              <a:rPr lang="en-US" sz="4400" dirty="0">
+            <a:pPr marL="0" indent="0">
+              <a:spcBef>
+                <a:spcPts val="600"/>
+              </a:spcBef>
+              <a:buNone/>
+            </a:pPr>
+            <a:r>
+              <a:rPr lang="en-US" sz="3200" u="sng" dirty="0">
                 <a:solidFill>
                   <a:srgbClr val="0000FF"/>
                 </a:solidFill>
-              </a:rPr>
-              <a:t>NOT EQUAL </a:t>
-            </a:r>
-            <a:r>
-              <a:rPr lang="en-US" sz="4400" dirty="0"/>
-              <a:t>to 1.75</a:t>
-            </a:r>
+                <a:latin typeface="Consolas" panose="020B0609020204030204" pitchFamily="49" charset="0"/>
+                <a:cs typeface="Consolas" panose="020B0609020204030204" pitchFamily="49" charset="0"/>
+              </a:rPr>
+              <a:t>Solution-2: With Combiners</a:t>
+            </a:r>
+          </a:p>
+          <a:p>
+            <a:pPr marL="0" indent="0">
+              <a:spcBef>
+                <a:spcPts val="600"/>
+              </a:spcBef>
+              <a:buNone/>
+            </a:pPr>
+            <a:endParaRPr lang="en-US" sz="3200" dirty="0">
+              <a:solidFill>
+                <a:srgbClr val="002060"/>
+              </a:solidFill>
+              <a:latin typeface="Consolas" panose="020B0609020204030204" pitchFamily="49" charset="0"/>
+              <a:cs typeface="Consolas" panose="020B0609020204030204" pitchFamily="49" charset="0"/>
+            </a:endParaRPr>
+          </a:p>
+          <a:p>
+            <a:pPr marL="0" indent="0">
+              <a:spcBef>
+                <a:spcPts val="600"/>
+              </a:spcBef>
+              <a:buNone/>
+            </a:pPr>
+            <a:r>
+              <a:rPr lang="en-US" sz="3200" dirty="0">
+                <a:solidFill>
+                  <a:srgbClr val="002060"/>
+                </a:solidFill>
+                <a:latin typeface="Consolas" panose="020B0609020204030204" pitchFamily="49" charset="0"/>
+                <a:cs typeface="Consolas" panose="020B0609020204030204" pitchFamily="49" charset="0"/>
+              </a:rPr>
+              <a:t># K: record number: ignored</a:t>
+            </a:r>
+          </a:p>
+          <a:p>
+            <a:pPr marL="0" indent="0">
+              <a:spcBef>
+                <a:spcPts val="600"/>
+              </a:spcBef>
+              <a:buNone/>
+            </a:pPr>
+            <a:r>
+              <a:rPr lang="en-US" sz="3200" dirty="0">
+                <a:solidFill>
+                  <a:srgbClr val="002060"/>
+                </a:solidFill>
+                <a:latin typeface="Consolas" panose="020B0609020204030204" pitchFamily="49" charset="0"/>
+                <a:cs typeface="Consolas" panose="020B0609020204030204" pitchFamily="49" charset="0"/>
+              </a:rPr>
+              <a:t># V: record as “&lt;</a:t>
+            </a:r>
+            <a:r>
+              <a:rPr lang="en-US" sz="3200" dirty="0" err="1">
+                <a:solidFill>
+                  <a:srgbClr val="002060"/>
+                </a:solidFill>
+                <a:latin typeface="Consolas" panose="020B0609020204030204" pitchFamily="49" charset="0"/>
+                <a:cs typeface="Consolas" panose="020B0609020204030204" pitchFamily="49" charset="0"/>
+              </a:rPr>
+              <a:t>movie_id</a:t>
+            </a:r>
+            <a:r>
+              <a:rPr lang="en-US" sz="3200" dirty="0">
+                <a:solidFill>
+                  <a:srgbClr val="002060"/>
+                </a:solidFill>
+                <a:latin typeface="Consolas" panose="020B0609020204030204" pitchFamily="49" charset="0"/>
+                <a:cs typeface="Consolas" panose="020B0609020204030204" pitchFamily="49" charset="0"/>
+              </a:rPr>
+              <a:t>&gt;&lt;,&gt;&lt;rating&gt;”</a:t>
+            </a:r>
+          </a:p>
+          <a:p>
+            <a:pPr marL="0" indent="0">
+              <a:spcBef>
+                <a:spcPts val="600"/>
+              </a:spcBef>
+              <a:buNone/>
+            </a:pPr>
+            <a:r>
+              <a:rPr lang="en-US" sz="3200" dirty="0">
+                <a:solidFill>
+                  <a:srgbClr val="002060"/>
+                </a:solidFill>
+                <a:latin typeface="Consolas" panose="020B0609020204030204" pitchFamily="49" charset="0"/>
+                <a:cs typeface="Consolas" panose="020B0609020204030204" pitchFamily="49" charset="0"/>
+              </a:rPr>
+              <a:t>map(K, V) {</a:t>
+            </a:r>
+          </a:p>
+          <a:p>
+            <a:pPr marL="0" indent="0">
+              <a:spcBef>
+                <a:spcPts val="600"/>
+              </a:spcBef>
+              <a:buNone/>
+            </a:pPr>
+            <a:r>
+              <a:rPr lang="en-US" sz="3200" dirty="0">
+                <a:solidFill>
+                  <a:srgbClr val="002060"/>
+                </a:solidFill>
+                <a:latin typeface="Consolas" panose="020B0609020204030204" pitchFamily="49" charset="0"/>
+                <a:cs typeface="Consolas" panose="020B0609020204030204" pitchFamily="49" charset="0"/>
+              </a:rPr>
+              <a:t>  tokens = </a:t>
+            </a:r>
+            <a:r>
+              <a:rPr lang="en-US" sz="3200" dirty="0" err="1">
+                <a:solidFill>
+                  <a:srgbClr val="002060"/>
+                </a:solidFill>
+                <a:latin typeface="Consolas" panose="020B0609020204030204" pitchFamily="49" charset="0"/>
+                <a:cs typeface="Consolas" panose="020B0609020204030204" pitchFamily="49" charset="0"/>
+              </a:rPr>
+              <a:t>V.split</a:t>
+            </a:r>
+            <a:r>
+              <a:rPr lang="en-US" sz="3200" dirty="0">
+                <a:solidFill>
+                  <a:srgbClr val="002060"/>
+                </a:solidFill>
+                <a:latin typeface="Consolas" panose="020B0609020204030204" pitchFamily="49" charset="0"/>
+                <a:cs typeface="Consolas" panose="020B0609020204030204" pitchFamily="49" charset="0"/>
+              </a:rPr>
+              <a:t>(“,”)</a:t>
+            </a:r>
+          </a:p>
+          <a:p>
+            <a:pPr marL="0" indent="0">
+              <a:spcBef>
+                <a:spcPts val="600"/>
+              </a:spcBef>
+              <a:buNone/>
+            </a:pPr>
+            <a:r>
+              <a:rPr lang="en-US" sz="3200" dirty="0">
+                <a:solidFill>
+                  <a:srgbClr val="002060"/>
+                </a:solidFill>
+                <a:latin typeface="Consolas" panose="020B0609020204030204" pitchFamily="49" charset="0"/>
+                <a:cs typeface="Consolas" panose="020B0609020204030204" pitchFamily="49" charset="0"/>
+              </a:rPr>
+              <a:t>  </a:t>
+            </a:r>
+            <a:r>
+              <a:rPr lang="en-US" sz="3200" dirty="0" err="1">
+                <a:solidFill>
+                  <a:srgbClr val="002060"/>
+                </a:solidFill>
+                <a:latin typeface="Consolas" panose="020B0609020204030204" pitchFamily="49" charset="0"/>
+                <a:cs typeface="Consolas" panose="020B0609020204030204" pitchFamily="49" charset="0"/>
+              </a:rPr>
+              <a:t>movie_id</a:t>
+            </a:r>
+            <a:r>
+              <a:rPr lang="en-US" sz="3200" dirty="0">
+                <a:solidFill>
+                  <a:srgbClr val="002060"/>
+                </a:solidFill>
+                <a:latin typeface="Consolas" panose="020B0609020204030204" pitchFamily="49" charset="0"/>
+                <a:cs typeface="Consolas" panose="020B0609020204030204" pitchFamily="49" charset="0"/>
+              </a:rPr>
+              <a:t> = tokens[0]</a:t>
+            </a:r>
+          </a:p>
+          <a:p>
+            <a:pPr marL="0" indent="0">
+              <a:spcBef>
+                <a:spcPts val="600"/>
+              </a:spcBef>
+              <a:buNone/>
+            </a:pPr>
+            <a:r>
+              <a:rPr lang="en-US" sz="3200" dirty="0">
+                <a:solidFill>
+                  <a:srgbClr val="002060"/>
+                </a:solidFill>
+                <a:latin typeface="Consolas" panose="020B0609020204030204" pitchFamily="49" charset="0"/>
+                <a:cs typeface="Consolas" panose="020B0609020204030204" pitchFamily="49" charset="0"/>
+              </a:rPr>
+              <a:t>  rating = int(tokens[1])  </a:t>
+            </a:r>
+          </a:p>
+          <a:p>
+            <a:pPr marL="0" indent="0">
+              <a:spcBef>
+                <a:spcPts val="600"/>
+              </a:spcBef>
+              <a:buNone/>
+            </a:pPr>
+            <a:r>
+              <a:rPr lang="en-US" sz="3200" dirty="0">
+                <a:solidFill>
+                  <a:srgbClr val="002060"/>
+                </a:solidFill>
+                <a:latin typeface="Consolas" panose="020B0609020204030204" pitchFamily="49" charset="0"/>
+                <a:cs typeface="Consolas" panose="020B0609020204030204" pitchFamily="49" charset="0"/>
+              </a:rPr>
+              <a:t>  emit (</a:t>
+            </a:r>
+            <a:r>
+              <a:rPr lang="en-US" sz="3200" dirty="0" err="1">
+                <a:solidFill>
+                  <a:srgbClr val="002060"/>
+                </a:solidFill>
+                <a:latin typeface="Consolas" panose="020B0609020204030204" pitchFamily="49" charset="0"/>
+                <a:cs typeface="Consolas" panose="020B0609020204030204" pitchFamily="49" charset="0"/>
+              </a:rPr>
+              <a:t>movie_id</a:t>
+            </a:r>
+            <a:r>
+              <a:rPr lang="en-US" sz="3200" dirty="0">
+                <a:solidFill>
+                  <a:srgbClr val="002060"/>
+                </a:solidFill>
+                <a:latin typeface="Consolas" panose="020B0609020204030204" pitchFamily="49" charset="0"/>
+                <a:cs typeface="Consolas" panose="020B0609020204030204" pitchFamily="49" charset="0"/>
+              </a:rPr>
+              <a:t>, rating)</a:t>
+            </a:r>
+          </a:p>
+          <a:p>
+            <a:pPr marL="0" indent="0">
+              <a:spcBef>
+                <a:spcPts val="600"/>
+              </a:spcBef>
+              <a:buNone/>
+            </a:pPr>
+            <a:r>
+              <a:rPr lang="en-US" sz="3200" dirty="0">
+                <a:solidFill>
+                  <a:srgbClr val="002060"/>
+                </a:solidFill>
+                <a:latin typeface="Consolas" panose="020B0609020204030204" pitchFamily="49" charset="0"/>
+                <a:cs typeface="Consolas" panose="020B0609020204030204" pitchFamily="49" charset="0"/>
+              </a:rPr>
+              <a:t>}</a:t>
+            </a:r>
+          </a:p>
+          <a:p>
+            <a:pPr marL="0" indent="0">
+              <a:spcBef>
+                <a:spcPts val="600"/>
+              </a:spcBef>
+              <a:buNone/>
+            </a:pPr>
+            <a:endParaRPr lang="en-US" sz="3200" dirty="0">
+              <a:solidFill>
+                <a:srgbClr val="0000FF"/>
+              </a:solidFill>
+              <a:latin typeface="Consolas" panose="020B0609020204030204" pitchFamily="49" charset="0"/>
+              <a:cs typeface="Consolas" panose="020B0609020204030204" pitchFamily="49" charset="0"/>
+            </a:endParaRPr>
+          </a:p>
+          <a:p>
+            <a:pPr>
+              <a:spcBef>
+                <a:spcPts val="600"/>
+              </a:spcBef>
+            </a:pPr>
+            <a:endParaRPr lang="en-US" sz="3200" dirty="0">
+              <a:solidFill>
+                <a:srgbClr val="0000FF"/>
+              </a:solidFill>
+              <a:latin typeface="Consolas" panose="020B0609020204030204" pitchFamily="49" charset="0"/>
+              <a:cs typeface="Consolas" panose="020B0609020204030204" pitchFamily="49" charset="0"/>
+            </a:endParaRPr>
+          </a:p>
+          <a:p>
+            <a:pPr marL="0" indent="0">
+              <a:spcBef>
+                <a:spcPts val="600"/>
+              </a:spcBef>
+              <a:buNone/>
+            </a:pPr>
+            <a:endParaRPr lang="en-US" sz="2400" dirty="0">
+              <a:solidFill>
+                <a:srgbClr val="0000FF"/>
+              </a:solidFill>
+              <a:latin typeface="Consolas" panose="020B0609020204030204" pitchFamily="49" charset="0"/>
+              <a:cs typeface="Consolas" panose="020B0609020204030204" pitchFamily="49" charset="0"/>
+            </a:endParaRPr>
           </a:p>
         </p:txBody>
       </p:sp>
     </p:spTree>
     <p:extLst>
       <p:ext uri="{BB962C8B-B14F-4D97-AF65-F5344CB8AC3E}">
-        <p14:creationId xmlns:p14="http://schemas.microsoft.com/office/powerpoint/2010/main" val="2455809247"/>
+        <p14:creationId xmlns:p14="http://schemas.microsoft.com/office/powerpoint/2010/main" val="1610793863"/>
       </p:ext>
     </p:extLst>
   </p:cSld>
@@ -9180,7 +9617,7 @@
           <p:cNvPr id="2" name="Title 1">
             <a:extLst>
               <a:ext uri="{FF2B5EF4-FFF2-40B4-BE49-F238E27FC236}">
-                <a16:creationId xmlns:a16="http://schemas.microsoft.com/office/drawing/2014/main" id="{D9412A32-9C70-A84C-BD70-6B6F25B705D0}"/>
+                <a16:creationId xmlns:a16="http://schemas.microsoft.com/office/drawing/2014/main" id="{F9F5A895-0231-5A4B-B2AC-CFB4AA99843B}"/>
               </a:ext>
             </a:extLst>
           </p:cNvPr>
@@ -9191,14 +9628,29 @@
             <p:ph type="title"/>
           </p:nvPr>
         </p:nvSpPr>
-        <p:spPr/>
-        <p:txBody>
-          <a:bodyPr/>
+        <p:spPr>
+          <a:xfrm>
+            <a:off x="838200" y="365126"/>
+            <a:ext cx="10515600" cy="706930"/>
+          </a:xfrm>
+        </p:spPr>
+        <p:txBody>
+          <a:bodyPr>
+            <a:noAutofit/>
+          </a:bodyPr>
           <a:lstStyle/>
           <a:p>
             <a:r>
-              <a:rPr lang="en-US" dirty="0"/>
-              <a:t>References </a:t>
+              <a:rPr lang="en-US" sz="3600" dirty="0"/>
+              <a:t>EXAMPLE-1: Find Sum of Values (ratings) per Key (</a:t>
+            </a:r>
+            <a:r>
+              <a:rPr lang="en-US" sz="3600" dirty="0" err="1"/>
+              <a:t>movie_id</a:t>
+            </a:r>
+            <a:r>
+              <a:rPr lang="en-US" sz="3600" dirty="0"/>
+              <a:t>)</a:t>
             </a:r>
           </a:p>
         </p:txBody>
@@ -9208,7 +9660,7 @@
           <p:cNvPr id="3" name="Content Placeholder 2">
             <a:extLst>
               <a:ext uri="{FF2B5EF4-FFF2-40B4-BE49-F238E27FC236}">
-                <a16:creationId xmlns:a16="http://schemas.microsoft.com/office/drawing/2014/main" id="{F729D696-28C9-7748-ADC9-DFD039AC4408}"/>
+                <a16:creationId xmlns:a16="http://schemas.microsoft.com/office/drawing/2014/main" id="{3BD1778A-B232-474D-BA9E-B44F86DC7DBB}"/>
               </a:ext>
             </a:extLst>
           </p:cNvPr>
@@ -9219,81 +9671,2913 @@
             <p:ph idx="1"/>
           </p:nvPr>
         </p:nvSpPr>
-        <p:spPr/>
+        <p:spPr>
+          <a:xfrm>
+            <a:off x="932793" y="1229711"/>
+            <a:ext cx="10515600" cy="4905211"/>
+          </a:xfrm>
+        </p:spPr>
+        <p:txBody>
+          <a:bodyPr>
+            <a:normAutofit fontScale="85000" lnSpcReduction="20000"/>
+          </a:bodyPr>
+          <a:lstStyle/>
+          <a:p>
+            <a:pPr marL="0" indent="0">
+              <a:spcBef>
+                <a:spcPts val="600"/>
+              </a:spcBef>
+              <a:buNone/>
+            </a:pPr>
+            <a:r>
+              <a:rPr lang="en-US" sz="3200" u="sng" dirty="0">
+                <a:solidFill>
+                  <a:srgbClr val="0000FF"/>
+                </a:solidFill>
+                <a:latin typeface="Consolas" panose="020B0609020204030204" pitchFamily="49" charset="0"/>
+                <a:cs typeface="Consolas" panose="020B0609020204030204" pitchFamily="49" charset="0"/>
+              </a:rPr>
+              <a:t>Solution-2: With Combiners</a:t>
+            </a:r>
+          </a:p>
+          <a:p>
+            <a:pPr marL="0" indent="0">
+              <a:spcBef>
+                <a:spcPts val="600"/>
+              </a:spcBef>
+              <a:buNone/>
+            </a:pPr>
+            <a:endParaRPr lang="en-US" sz="3200" dirty="0">
+              <a:solidFill>
+                <a:srgbClr val="002060"/>
+              </a:solidFill>
+              <a:latin typeface="Consolas" panose="020B0609020204030204" pitchFamily="49" charset="0"/>
+              <a:cs typeface="Consolas" panose="020B0609020204030204" pitchFamily="49" charset="0"/>
+            </a:endParaRPr>
+          </a:p>
+          <a:p>
+            <a:pPr marL="0" indent="0">
+              <a:spcBef>
+                <a:spcPts val="600"/>
+              </a:spcBef>
+              <a:buNone/>
+            </a:pPr>
+            <a:r>
+              <a:rPr lang="en-US" sz="3200" dirty="0">
+                <a:solidFill>
+                  <a:srgbClr val="002060"/>
+                </a:solidFill>
+                <a:latin typeface="Consolas" panose="020B0609020204030204" pitchFamily="49" charset="0"/>
+                <a:cs typeface="Consolas" panose="020B0609020204030204" pitchFamily="49" charset="0"/>
+              </a:rPr>
+              <a:t>combine() function combines output of mappers per worker node for the same key:</a:t>
+            </a:r>
+          </a:p>
+          <a:p>
+            <a:pPr marL="0" indent="0">
+              <a:spcBef>
+                <a:spcPts val="600"/>
+              </a:spcBef>
+              <a:buNone/>
+            </a:pPr>
+            <a:endParaRPr lang="en-US" sz="3200" dirty="0">
+              <a:solidFill>
+                <a:srgbClr val="002060"/>
+              </a:solidFill>
+              <a:latin typeface="Consolas" panose="020B0609020204030204" pitchFamily="49" charset="0"/>
+              <a:cs typeface="Consolas" panose="020B0609020204030204" pitchFamily="49" charset="0"/>
+            </a:endParaRPr>
+          </a:p>
+          <a:p>
+            <a:pPr marL="0" indent="0">
+              <a:spcBef>
+                <a:spcPts val="600"/>
+              </a:spcBef>
+              <a:buNone/>
+            </a:pPr>
+            <a:r>
+              <a:rPr lang="en-US" sz="3200" dirty="0">
+                <a:solidFill>
+                  <a:srgbClr val="002060"/>
+                </a:solidFill>
+                <a:latin typeface="Consolas" panose="020B0609020204030204" pitchFamily="49" charset="0"/>
+                <a:cs typeface="Consolas" panose="020B0609020204030204" pitchFamily="49" charset="0"/>
+              </a:rPr>
+              <a:t># K: a unique </a:t>
+            </a:r>
+            <a:r>
+              <a:rPr lang="en-US" sz="3200" dirty="0" err="1">
+                <a:solidFill>
+                  <a:srgbClr val="002060"/>
+                </a:solidFill>
+                <a:latin typeface="Consolas" panose="020B0609020204030204" pitchFamily="49" charset="0"/>
+                <a:cs typeface="Consolas" panose="020B0609020204030204" pitchFamily="49" charset="0"/>
+              </a:rPr>
+              <a:t>movie_id</a:t>
+            </a:r>
+            <a:endParaRPr lang="en-US" sz="3200" dirty="0">
+              <a:solidFill>
+                <a:srgbClr val="002060"/>
+              </a:solidFill>
+              <a:latin typeface="Consolas" panose="020B0609020204030204" pitchFamily="49" charset="0"/>
+              <a:cs typeface="Consolas" panose="020B0609020204030204" pitchFamily="49" charset="0"/>
+            </a:endParaRPr>
+          </a:p>
+          <a:p>
+            <a:pPr marL="0" indent="0">
+              <a:spcBef>
+                <a:spcPts val="600"/>
+              </a:spcBef>
+              <a:buNone/>
+            </a:pPr>
+            <a:r>
+              <a:rPr lang="en-US" sz="3200" dirty="0">
+                <a:solidFill>
+                  <a:srgbClr val="002060"/>
+                </a:solidFill>
+                <a:latin typeface="Consolas" panose="020B0609020204030204" pitchFamily="49" charset="0"/>
+                <a:cs typeface="Consolas" panose="020B0609020204030204" pitchFamily="49" charset="0"/>
+              </a:rPr>
+              <a:t># V: [v_1, v_2, …, </a:t>
+            </a:r>
+            <a:r>
+              <a:rPr lang="en-US" sz="3200" dirty="0" err="1">
+                <a:solidFill>
+                  <a:srgbClr val="002060"/>
+                </a:solidFill>
+                <a:latin typeface="Consolas" panose="020B0609020204030204" pitchFamily="49" charset="0"/>
+                <a:cs typeface="Consolas" panose="020B0609020204030204" pitchFamily="49" charset="0"/>
+              </a:rPr>
+              <a:t>v_n</a:t>
+            </a:r>
+            <a:r>
+              <a:rPr lang="en-US" sz="3200" dirty="0">
+                <a:solidFill>
+                  <a:srgbClr val="002060"/>
+                </a:solidFill>
+                <a:latin typeface="Consolas" panose="020B0609020204030204" pitchFamily="49" charset="0"/>
+                <a:cs typeface="Consolas" panose="020B0609020204030204" pitchFamily="49" charset="0"/>
+              </a:rPr>
+              <a:t>]</a:t>
+            </a:r>
+          </a:p>
+          <a:p>
+            <a:pPr marL="0" indent="0">
+              <a:spcBef>
+                <a:spcPts val="600"/>
+              </a:spcBef>
+              <a:buNone/>
+            </a:pPr>
+            <a:r>
+              <a:rPr lang="en-US" sz="3200" dirty="0">
+                <a:solidFill>
+                  <a:srgbClr val="002060"/>
+                </a:solidFill>
+                <a:latin typeface="Consolas" panose="020B0609020204030204" pitchFamily="49" charset="0"/>
+                <a:cs typeface="Consolas" panose="020B0609020204030204" pitchFamily="49" charset="0"/>
+              </a:rPr>
+              <a:t># V denotes all ratings for K</a:t>
+            </a:r>
+          </a:p>
+          <a:p>
+            <a:pPr marL="0" indent="0">
+              <a:spcBef>
+                <a:spcPts val="600"/>
+              </a:spcBef>
+              <a:buNone/>
+            </a:pPr>
+            <a:r>
+              <a:rPr lang="en-US" sz="3200" b="1" dirty="0">
+                <a:solidFill>
+                  <a:srgbClr val="002060"/>
+                </a:solidFill>
+                <a:latin typeface="Consolas" panose="020B0609020204030204" pitchFamily="49" charset="0"/>
+                <a:cs typeface="Consolas" panose="020B0609020204030204" pitchFamily="49" charset="0"/>
+              </a:rPr>
+              <a:t>combine</a:t>
+            </a:r>
+            <a:r>
+              <a:rPr lang="en-US" sz="3200" dirty="0">
+                <a:solidFill>
+                  <a:srgbClr val="002060"/>
+                </a:solidFill>
+                <a:latin typeface="Consolas" panose="020B0609020204030204" pitchFamily="49" charset="0"/>
+                <a:cs typeface="Consolas" panose="020B0609020204030204" pitchFamily="49" charset="0"/>
+              </a:rPr>
+              <a:t>(K, V) {</a:t>
+            </a:r>
+          </a:p>
+          <a:p>
+            <a:pPr marL="0" indent="0">
+              <a:spcBef>
+                <a:spcPts val="600"/>
+              </a:spcBef>
+              <a:buNone/>
+            </a:pPr>
+            <a:r>
+              <a:rPr lang="en-US" sz="3200" dirty="0">
+                <a:solidFill>
+                  <a:srgbClr val="002060"/>
+                </a:solidFill>
+                <a:latin typeface="Consolas" panose="020B0609020204030204" pitchFamily="49" charset="0"/>
+                <a:cs typeface="Consolas" panose="020B0609020204030204" pitchFamily="49" charset="0"/>
+              </a:rPr>
+              <a:t>  </a:t>
+            </a:r>
+            <a:r>
+              <a:rPr lang="en-US" sz="3200" dirty="0" err="1">
+                <a:solidFill>
+                  <a:srgbClr val="002060"/>
+                </a:solidFill>
+                <a:latin typeface="Consolas" panose="020B0609020204030204" pitchFamily="49" charset="0"/>
+                <a:cs typeface="Consolas" panose="020B0609020204030204" pitchFamily="49" charset="0"/>
+              </a:rPr>
+              <a:t>sum_of_ratings</a:t>
+            </a:r>
+            <a:r>
+              <a:rPr lang="en-US" sz="3200" dirty="0">
+                <a:solidFill>
+                  <a:srgbClr val="002060"/>
+                </a:solidFill>
+                <a:latin typeface="Consolas" panose="020B0609020204030204" pitchFamily="49" charset="0"/>
+                <a:cs typeface="Consolas" panose="020B0609020204030204" pitchFamily="49" charset="0"/>
+              </a:rPr>
+              <a:t> = sum(V)</a:t>
+            </a:r>
+          </a:p>
+          <a:p>
+            <a:pPr marL="0" indent="0">
+              <a:spcBef>
+                <a:spcPts val="600"/>
+              </a:spcBef>
+              <a:buNone/>
+            </a:pPr>
+            <a:r>
+              <a:rPr lang="en-US" sz="3200" dirty="0">
+                <a:solidFill>
+                  <a:srgbClr val="002060"/>
+                </a:solidFill>
+                <a:latin typeface="Consolas" panose="020B0609020204030204" pitchFamily="49" charset="0"/>
+                <a:cs typeface="Consolas" panose="020B0609020204030204" pitchFamily="49" charset="0"/>
+              </a:rPr>
+              <a:t>  emit (K, </a:t>
+            </a:r>
+            <a:r>
+              <a:rPr lang="en-US" sz="3200" dirty="0" err="1">
+                <a:solidFill>
+                  <a:srgbClr val="002060"/>
+                </a:solidFill>
+                <a:latin typeface="Consolas" panose="020B0609020204030204" pitchFamily="49" charset="0"/>
+                <a:cs typeface="Consolas" panose="020B0609020204030204" pitchFamily="49" charset="0"/>
+              </a:rPr>
+              <a:t>sum_of_ratings</a:t>
+            </a:r>
+            <a:r>
+              <a:rPr lang="en-US" sz="3200" dirty="0">
+                <a:solidFill>
+                  <a:srgbClr val="002060"/>
+                </a:solidFill>
+                <a:latin typeface="Consolas" panose="020B0609020204030204" pitchFamily="49" charset="0"/>
+                <a:cs typeface="Consolas" panose="020B0609020204030204" pitchFamily="49" charset="0"/>
+              </a:rPr>
+              <a:t>)</a:t>
+            </a:r>
+          </a:p>
+          <a:p>
+            <a:pPr marL="0" indent="0">
+              <a:spcBef>
+                <a:spcPts val="600"/>
+              </a:spcBef>
+              <a:buNone/>
+            </a:pPr>
+            <a:r>
+              <a:rPr lang="en-US" sz="3200" dirty="0">
+                <a:solidFill>
+                  <a:srgbClr val="002060"/>
+                </a:solidFill>
+                <a:latin typeface="Consolas" panose="020B0609020204030204" pitchFamily="49" charset="0"/>
+                <a:cs typeface="Consolas" panose="020B0609020204030204" pitchFamily="49" charset="0"/>
+              </a:rPr>
+              <a:t>}</a:t>
+            </a:r>
+          </a:p>
+          <a:p>
+            <a:pPr marL="0" indent="0">
+              <a:spcBef>
+                <a:spcPts val="600"/>
+              </a:spcBef>
+              <a:buNone/>
+            </a:pPr>
+            <a:endParaRPr lang="en-US" sz="3200" dirty="0">
+              <a:solidFill>
+                <a:srgbClr val="0000FF"/>
+              </a:solidFill>
+              <a:latin typeface="Consolas" panose="020B0609020204030204" pitchFamily="49" charset="0"/>
+              <a:cs typeface="Consolas" panose="020B0609020204030204" pitchFamily="49" charset="0"/>
+            </a:endParaRPr>
+          </a:p>
+          <a:p>
+            <a:pPr>
+              <a:spcBef>
+                <a:spcPts val="600"/>
+              </a:spcBef>
+            </a:pPr>
+            <a:endParaRPr lang="en-US" sz="3200" dirty="0">
+              <a:solidFill>
+                <a:srgbClr val="0000FF"/>
+              </a:solidFill>
+              <a:latin typeface="Consolas" panose="020B0609020204030204" pitchFamily="49" charset="0"/>
+              <a:cs typeface="Consolas" panose="020B0609020204030204" pitchFamily="49" charset="0"/>
+            </a:endParaRPr>
+          </a:p>
+          <a:p>
+            <a:pPr marL="0" indent="0">
+              <a:spcBef>
+                <a:spcPts val="600"/>
+              </a:spcBef>
+              <a:buNone/>
+            </a:pPr>
+            <a:endParaRPr lang="en-US" sz="2400" dirty="0">
+              <a:solidFill>
+                <a:srgbClr val="0000FF"/>
+              </a:solidFill>
+              <a:latin typeface="Consolas" panose="020B0609020204030204" pitchFamily="49" charset="0"/>
+              <a:cs typeface="Consolas" panose="020B0609020204030204" pitchFamily="49" charset="0"/>
+            </a:endParaRPr>
+          </a:p>
+        </p:txBody>
+      </p:sp>
+    </p:spTree>
+    <p:extLst>
+      <p:ext uri="{BB962C8B-B14F-4D97-AF65-F5344CB8AC3E}">
+        <p14:creationId xmlns:p14="http://schemas.microsoft.com/office/powerpoint/2010/main" val="1466055408"/>
+      </p:ext>
+    </p:extLst>
+  </p:cSld>
+  <p:clrMapOvr>
+    <a:masterClrMapping/>
+  </p:clrMapOvr>
+</p:sld>
+</file>
+
+<file path=ppt/slides/slide22.xml><?xml version="1.0" encoding="utf-8"?>
+<p:sld xmlns:a="http://schemas.openxmlformats.org/drawingml/2006/main" xmlns:r="http://schemas.openxmlformats.org/officeDocument/2006/relationships" xmlns:p="http://schemas.openxmlformats.org/presentationml/2006/main">
+  <p:cSld>
+    <p:spTree>
+      <p:nvGrpSpPr>
+        <p:cNvPr id="1" name=""/>
+        <p:cNvGrpSpPr/>
+        <p:nvPr/>
+      </p:nvGrpSpPr>
+      <p:grpSpPr>
+        <a:xfrm>
+          <a:off x="0" y="0"/>
+          <a:ext cx="0" cy="0"/>
+          <a:chOff x="0" y="0"/>
+          <a:chExt cx="0" cy="0"/>
+        </a:xfrm>
+      </p:grpSpPr>
+      <p:sp>
+        <p:nvSpPr>
+          <p:cNvPr id="2" name="Title 1">
+            <a:extLst>
+              <a:ext uri="{FF2B5EF4-FFF2-40B4-BE49-F238E27FC236}">
+                <a16:creationId xmlns:a16="http://schemas.microsoft.com/office/drawing/2014/main" id="{F9F5A895-0231-5A4B-B2AC-CFB4AA99843B}"/>
+              </a:ext>
+            </a:extLst>
+          </p:cNvPr>
+          <p:cNvSpPr>
+            <a:spLocks noGrp="1"/>
+          </p:cNvSpPr>
+          <p:nvPr>
+            <p:ph type="title"/>
+          </p:nvPr>
+        </p:nvSpPr>
+        <p:spPr>
+          <a:xfrm>
+            <a:off x="838200" y="365126"/>
+            <a:ext cx="10515600" cy="706930"/>
+          </a:xfrm>
+        </p:spPr>
+        <p:txBody>
+          <a:bodyPr>
+            <a:noAutofit/>
+          </a:bodyPr>
+          <a:lstStyle/>
+          <a:p>
+            <a:r>
+              <a:rPr lang="en-US" sz="3600" dirty="0"/>
+              <a:t>EXAMPLE-1: Find Sum of Values (ratings) per Key (</a:t>
+            </a:r>
+            <a:r>
+              <a:rPr lang="en-US" sz="3600" dirty="0" err="1"/>
+              <a:t>movie_id</a:t>
+            </a:r>
+            <a:r>
+              <a:rPr lang="en-US" sz="3600" dirty="0"/>
+              <a:t>)</a:t>
+            </a:r>
+          </a:p>
+        </p:txBody>
+      </p:sp>
+      <p:sp>
+        <p:nvSpPr>
+          <p:cNvPr id="3" name="Content Placeholder 2">
+            <a:extLst>
+              <a:ext uri="{FF2B5EF4-FFF2-40B4-BE49-F238E27FC236}">
+                <a16:creationId xmlns:a16="http://schemas.microsoft.com/office/drawing/2014/main" id="{3BD1778A-B232-474D-BA9E-B44F86DC7DBB}"/>
+              </a:ext>
+            </a:extLst>
+          </p:cNvPr>
+          <p:cNvSpPr>
+            <a:spLocks noGrp="1"/>
+          </p:cNvSpPr>
+          <p:nvPr>
+            <p:ph idx="1"/>
+          </p:nvPr>
+        </p:nvSpPr>
+        <p:spPr>
+          <a:xfrm>
+            <a:off x="932793" y="1229711"/>
+            <a:ext cx="10515600" cy="4905211"/>
+          </a:xfrm>
+        </p:spPr>
+        <p:txBody>
+          <a:bodyPr>
+            <a:normAutofit fontScale="92500" lnSpcReduction="20000"/>
+          </a:bodyPr>
+          <a:lstStyle/>
+          <a:p>
+            <a:pPr marL="0" indent="0">
+              <a:spcBef>
+                <a:spcPts val="600"/>
+              </a:spcBef>
+              <a:buNone/>
+            </a:pPr>
+            <a:r>
+              <a:rPr lang="en-US" sz="3200" dirty="0">
+                <a:solidFill>
+                  <a:srgbClr val="0000FF"/>
+                </a:solidFill>
+                <a:latin typeface="Consolas" panose="020B0609020204030204" pitchFamily="49" charset="0"/>
+                <a:cs typeface="Consolas" panose="020B0609020204030204" pitchFamily="49" charset="0"/>
+              </a:rPr>
+              <a:t>Solution-2: With Combiners</a:t>
+            </a:r>
+          </a:p>
+          <a:p>
+            <a:pPr marL="0" indent="0">
+              <a:spcBef>
+                <a:spcPts val="600"/>
+              </a:spcBef>
+              <a:buNone/>
+            </a:pPr>
+            <a:endParaRPr lang="en-US" sz="3200" dirty="0">
+              <a:solidFill>
+                <a:srgbClr val="002060"/>
+              </a:solidFill>
+              <a:latin typeface="Consolas" panose="020B0609020204030204" pitchFamily="49" charset="0"/>
+              <a:cs typeface="Consolas" panose="020B0609020204030204" pitchFamily="49" charset="0"/>
+            </a:endParaRPr>
+          </a:p>
+          <a:p>
+            <a:pPr marL="0" indent="0">
+              <a:spcBef>
+                <a:spcPts val="600"/>
+              </a:spcBef>
+              <a:buNone/>
+            </a:pPr>
+            <a:r>
+              <a:rPr lang="en-US" sz="3200" dirty="0">
+                <a:solidFill>
+                  <a:srgbClr val="002060"/>
+                </a:solidFill>
+                <a:latin typeface="Consolas" panose="020B0609020204030204" pitchFamily="49" charset="0"/>
+                <a:cs typeface="Consolas" panose="020B0609020204030204" pitchFamily="49" charset="0"/>
+              </a:rPr>
+              <a:t>reduce(): reducer function</a:t>
+            </a:r>
+          </a:p>
+          <a:p>
+            <a:pPr marL="0" indent="0">
+              <a:spcBef>
+                <a:spcPts val="600"/>
+              </a:spcBef>
+              <a:buNone/>
+            </a:pPr>
+            <a:endParaRPr lang="en-US" sz="3200" dirty="0">
+              <a:solidFill>
+                <a:srgbClr val="002060"/>
+              </a:solidFill>
+              <a:latin typeface="Consolas" panose="020B0609020204030204" pitchFamily="49" charset="0"/>
+              <a:cs typeface="Consolas" panose="020B0609020204030204" pitchFamily="49" charset="0"/>
+            </a:endParaRPr>
+          </a:p>
+          <a:p>
+            <a:pPr marL="0" indent="0">
+              <a:spcBef>
+                <a:spcPts val="600"/>
+              </a:spcBef>
+              <a:buNone/>
+            </a:pPr>
+            <a:r>
+              <a:rPr lang="en-US" sz="3200" dirty="0">
+                <a:solidFill>
+                  <a:srgbClr val="002060"/>
+                </a:solidFill>
+                <a:latin typeface="Consolas" panose="020B0609020204030204" pitchFamily="49" charset="0"/>
+                <a:cs typeface="Consolas" panose="020B0609020204030204" pitchFamily="49" charset="0"/>
+              </a:rPr>
+              <a:t># K: a unique </a:t>
+            </a:r>
+            <a:r>
+              <a:rPr lang="en-US" sz="3200" dirty="0" err="1">
+                <a:solidFill>
+                  <a:srgbClr val="002060"/>
+                </a:solidFill>
+                <a:latin typeface="Consolas" panose="020B0609020204030204" pitchFamily="49" charset="0"/>
+                <a:cs typeface="Consolas" panose="020B0609020204030204" pitchFamily="49" charset="0"/>
+              </a:rPr>
+              <a:t>movie_id</a:t>
+            </a:r>
+            <a:endParaRPr lang="en-US" sz="3200" dirty="0">
+              <a:solidFill>
+                <a:srgbClr val="002060"/>
+              </a:solidFill>
+              <a:latin typeface="Consolas" panose="020B0609020204030204" pitchFamily="49" charset="0"/>
+              <a:cs typeface="Consolas" panose="020B0609020204030204" pitchFamily="49" charset="0"/>
+            </a:endParaRPr>
+          </a:p>
+          <a:p>
+            <a:pPr marL="0" indent="0">
+              <a:spcBef>
+                <a:spcPts val="600"/>
+              </a:spcBef>
+              <a:buNone/>
+            </a:pPr>
+            <a:r>
+              <a:rPr lang="en-US" sz="3200" dirty="0">
+                <a:solidFill>
+                  <a:srgbClr val="002060"/>
+                </a:solidFill>
+                <a:latin typeface="Consolas" panose="020B0609020204030204" pitchFamily="49" charset="0"/>
+                <a:cs typeface="Consolas" panose="020B0609020204030204" pitchFamily="49" charset="0"/>
+              </a:rPr>
+              <a:t># V: [v_1, v_2, …, </a:t>
+            </a:r>
+            <a:r>
+              <a:rPr lang="en-US" sz="3200" dirty="0" err="1">
+                <a:solidFill>
+                  <a:srgbClr val="002060"/>
+                </a:solidFill>
+                <a:latin typeface="Consolas" panose="020B0609020204030204" pitchFamily="49" charset="0"/>
+                <a:cs typeface="Consolas" panose="020B0609020204030204" pitchFamily="49" charset="0"/>
+              </a:rPr>
+              <a:t>v_n</a:t>
+            </a:r>
+            <a:r>
+              <a:rPr lang="en-US" sz="3200" dirty="0">
+                <a:solidFill>
+                  <a:srgbClr val="002060"/>
+                </a:solidFill>
+                <a:latin typeface="Consolas" panose="020B0609020204030204" pitchFamily="49" charset="0"/>
+                <a:cs typeface="Consolas" panose="020B0609020204030204" pitchFamily="49" charset="0"/>
+              </a:rPr>
+              <a:t>]</a:t>
+            </a:r>
+          </a:p>
+          <a:p>
+            <a:pPr marL="0" indent="0">
+              <a:spcBef>
+                <a:spcPts val="600"/>
+              </a:spcBef>
+              <a:buNone/>
+            </a:pPr>
+            <a:r>
+              <a:rPr lang="en-US" sz="3200" dirty="0">
+                <a:solidFill>
+                  <a:srgbClr val="002060"/>
+                </a:solidFill>
+                <a:latin typeface="Consolas" panose="020B0609020204030204" pitchFamily="49" charset="0"/>
+                <a:cs typeface="Consolas" panose="020B0609020204030204" pitchFamily="49" charset="0"/>
+              </a:rPr>
+              <a:t># V denotes all ratings for K</a:t>
+            </a:r>
+          </a:p>
+          <a:p>
+            <a:pPr marL="0" indent="0">
+              <a:spcBef>
+                <a:spcPts val="600"/>
+              </a:spcBef>
+              <a:buNone/>
+            </a:pPr>
+            <a:r>
+              <a:rPr lang="en-US" sz="3200" b="1" dirty="0">
+                <a:solidFill>
+                  <a:srgbClr val="002060"/>
+                </a:solidFill>
+                <a:latin typeface="Consolas" panose="020B0609020204030204" pitchFamily="49" charset="0"/>
+                <a:cs typeface="Consolas" panose="020B0609020204030204" pitchFamily="49" charset="0"/>
+              </a:rPr>
+              <a:t>reduce</a:t>
+            </a:r>
+            <a:r>
+              <a:rPr lang="en-US" sz="3200" dirty="0">
+                <a:solidFill>
+                  <a:srgbClr val="002060"/>
+                </a:solidFill>
+                <a:latin typeface="Consolas" panose="020B0609020204030204" pitchFamily="49" charset="0"/>
+                <a:cs typeface="Consolas" panose="020B0609020204030204" pitchFamily="49" charset="0"/>
+              </a:rPr>
+              <a:t>(K, V) {</a:t>
+            </a:r>
+          </a:p>
+          <a:p>
+            <a:pPr marL="0" indent="0">
+              <a:spcBef>
+                <a:spcPts val="600"/>
+              </a:spcBef>
+              <a:buNone/>
+            </a:pPr>
+            <a:r>
+              <a:rPr lang="en-US" sz="3200" dirty="0">
+                <a:solidFill>
+                  <a:srgbClr val="002060"/>
+                </a:solidFill>
+                <a:latin typeface="Consolas" panose="020B0609020204030204" pitchFamily="49" charset="0"/>
+                <a:cs typeface="Consolas" panose="020B0609020204030204" pitchFamily="49" charset="0"/>
+              </a:rPr>
+              <a:t>  </a:t>
+            </a:r>
+            <a:r>
+              <a:rPr lang="en-US" sz="3200" dirty="0" err="1">
+                <a:solidFill>
+                  <a:srgbClr val="002060"/>
+                </a:solidFill>
+                <a:latin typeface="Consolas" panose="020B0609020204030204" pitchFamily="49" charset="0"/>
+                <a:cs typeface="Consolas" panose="020B0609020204030204" pitchFamily="49" charset="0"/>
+              </a:rPr>
+              <a:t>sum_of_ratings</a:t>
+            </a:r>
+            <a:r>
+              <a:rPr lang="en-US" sz="3200" dirty="0">
+                <a:solidFill>
+                  <a:srgbClr val="002060"/>
+                </a:solidFill>
+                <a:latin typeface="Consolas" panose="020B0609020204030204" pitchFamily="49" charset="0"/>
+                <a:cs typeface="Consolas" panose="020B0609020204030204" pitchFamily="49" charset="0"/>
+              </a:rPr>
+              <a:t> = sum(V)</a:t>
+            </a:r>
+          </a:p>
+          <a:p>
+            <a:pPr marL="0" indent="0">
+              <a:spcBef>
+                <a:spcPts val="600"/>
+              </a:spcBef>
+              <a:buNone/>
+            </a:pPr>
+            <a:r>
+              <a:rPr lang="en-US" sz="3200" dirty="0">
+                <a:solidFill>
+                  <a:srgbClr val="002060"/>
+                </a:solidFill>
+                <a:latin typeface="Consolas" panose="020B0609020204030204" pitchFamily="49" charset="0"/>
+                <a:cs typeface="Consolas" panose="020B0609020204030204" pitchFamily="49" charset="0"/>
+              </a:rPr>
+              <a:t>  emit (K, </a:t>
+            </a:r>
+            <a:r>
+              <a:rPr lang="en-US" sz="3200" dirty="0" err="1">
+                <a:solidFill>
+                  <a:srgbClr val="002060"/>
+                </a:solidFill>
+                <a:latin typeface="Consolas" panose="020B0609020204030204" pitchFamily="49" charset="0"/>
+                <a:cs typeface="Consolas" panose="020B0609020204030204" pitchFamily="49" charset="0"/>
+              </a:rPr>
+              <a:t>sum_of_ratings</a:t>
+            </a:r>
+            <a:r>
+              <a:rPr lang="en-US" sz="3200" dirty="0">
+                <a:solidFill>
+                  <a:srgbClr val="002060"/>
+                </a:solidFill>
+                <a:latin typeface="Consolas" panose="020B0609020204030204" pitchFamily="49" charset="0"/>
+                <a:cs typeface="Consolas" panose="020B0609020204030204" pitchFamily="49" charset="0"/>
+              </a:rPr>
+              <a:t>)</a:t>
+            </a:r>
+          </a:p>
+          <a:p>
+            <a:pPr marL="0" indent="0">
+              <a:spcBef>
+                <a:spcPts val="600"/>
+              </a:spcBef>
+              <a:buNone/>
+            </a:pPr>
+            <a:r>
+              <a:rPr lang="en-US" sz="3200" dirty="0">
+                <a:solidFill>
+                  <a:srgbClr val="002060"/>
+                </a:solidFill>
+                <a:latin typeface="Consolas" panose="020B0609020204030204" pitchFamily="49" charset="0"/>
+                <a:cs typeface="Consolas" panose="020B0609020204030204" pitchFamily="49" charset="0"/>
+              </a:rPr>
+              <a:t>}</a:t>
+            </a:r>
+          </a:p>
+          <a:p>
+            <a:pPr marL="0" indent="0">
+              <a:spcBef>
+                <a:spcPts val="600"/>
+              </a:spcBef>
+              <a:buNone/>
+            </a:pPr>
+            <a:endParaRPr lang="en-US" sz="3200" dirty="0">
+              <a:solidFill>
+                <a:srgbClr val="0000FF"/>
+              </a:solidFill>
+              <a:latin typeface="Consolas" panose="020B0609020204030204" pitchFamily="49" charset="0"/>
+              <a:cs typeface="Consolas" panose="020B0609020204030204" pitchFamily="49" charset="0"/>
+            </a:endParaRPr>
+          </a:p>
+          <a:p>
+            <a:pPr>
+              <a:spcBef>
+                <a:spcPts val="600"/>
+              </a:spcBef>
+            </a:pPr>
+            <a:endParaRPr lang="en-US" sz="3200" dirty="0">
+              <a:solidFill>
+                <a:srgbClr val="0000FF"/>
+              </a:solidFill>
+              <a:latin typeface="Consolas" panose="020B0609020204030204" pitchFamily="49" charset="0"/>
+              <a:cs typeface="Consolas" panose="020B0609020204030204" pitchFamily="49" charset="0"/>
+            </a:endParaRPr>
+          </a:p>
+          <a:p>
+            <a:pPr marL="0" indent="0">
+              <a:spcBef>
+                <a:spcPts val="600"/>
+              </a:spcBef>
+              <a:buNone/>
+            </a:pPr>
+            <a:endParaRPr lang="en-US" sz="2400" dirty="0">
+              <a:solidFill>
+                <a:srgbClr val="0000FF"/>
+              </a:solidFill>
+              <a:latin typeface="Consolas" panose="020B0609020204030204" pitchFamily="49" charset="0"/>
+              <a:cs typeface="Consolas" panose="020B0609020204030204" pitchFamily="49" charset="0"/>
+            </a:endParaRPr>
+          </a:p>
+        </p:txBody>
+      </p:sp>
+    </p:spTree>
+    <p:extLst>
+      <p:ext uri="{BB962C8B-B14F-4D97-AF65-F5344CB8AC3E}">
+        <p14:creationId xmlns:p14="http://schemas.microsoft.com/office/powerpoint/2010/main" val="781504076"/>
+      </p:ext>
+    </p:extLst>
+  </p:cSld>
+  <p:clrMapOvr>
+    <a:masterClrMapping/>
+  </p:clrMapOvr>
+</p:sld>
+</file>
+
+<file path=ppt/slides/slide23.xml><?xml version="1.0" encoding="utf-8"?>
+<p:sld xmlns:a="http://schemas.openxmlformats.org/drawingml/2006/main" xmlns:r="http://schemas.openxmlformats.org/officeDocument/2006/relationships" xmlns:p="http://schemas.openxmlformats.org/presentationml/2006/main">
+  <p:cSld>
+    <p:spTree>
+      <p:nvGrpSpPr>
+        <p:cNvPr id="1" name=""/>
+        <p:cNvGrpSpPr/>
+        <p:nvPr/>
+      </p:nvGrpSpPr>
+      <p:grpSpPr>
+        <a:xfrm>
+          <a:off x="0" y="0"/>
+          <a:ext cx="0" cy="0"/>
+          <a:chOff x="0" y="0"/>
+          <a:chExt cx="0" cy="0"/>
+        </a:xfrm>
+      </p:grpSpPr>
+      <p:sp>
+        <p:nvSpPr>
+          <p:cNvPr id="2" name="Title 1">
+            <a:extLst>
+              <a:ext uri="{FF2B5EF4-FFF2-40B4-BE49-F238E27FC236}">
+                <a16:creationId xmlns:a16="http://schemas.microsoft.com/office/drawing/2014/main" id="{F9F5A895-0231-5A4B-B2AC-CFB4AA99843B}"/>
+              </a:ext>
+            </a:extLst>
+          </p:cNvPr>
+          <p:cNvSpPr>
+            <a:spLocks noGrp="1"/>
+          </p:cNvSpPr>
+          <p:nvPr>
+            <p:ph type="title"/>
+          </p:nvPr>
+        </p:nvSpPr>
+        <p:spPr>
+          <a:xfrm>
+            <a:off x="838200" y="365126"/>
+            <a:ext cx="10515600" cy="706930"/>
+          </a:xfrm>
+        </p:spPr>
         <p:txBody>
           <a:bodyPr>
             <a:normAutofit/>
           </a:bodyPr>
           <a:lstStyle/>
           <a:p>
-            <a:pPr marL="0" indent="0">
-              <a:buNone/>
-            </a:pPr>
-            <a:r>
-              <a:rPr lang="en-US" sz="3200" dirty="0"/>
-              <a:t>1. Monoidify! Monoids as a Design Principle for Efficient MapReduce Algorithms  by Jimmy Lin</a:t>
-            </a:r>
-          </a:p>
-          <a:p>
-            <a:pPr marL="0" indent="0">
-              <a:buNone/>
-            </a:pPr>
-            <a:endParaRPr lang="en-US" sz="3200" dirty="0"/>
-          </a:p>
-          <a:p>
-            <a:pPr marL="0" indent="0">
-              <a:buNone/>
-            </a:pPr>
-            <a:r>
-              <a:rPr lang="en-US" sz="3200" dirty="0"/>
-              <a:t>2. Data Algorithms (book)  by Mahmoud </a:t>
-            </a:r>
-            <a:r>
-              <a:rPr lang="en-US" sz="3200" dirty="0" err="1"/>
-              <a:t>Parsian</a:t>
-            </a:r>
-            <a:endParaRPr lang="en-US" sz="3200" dirty="0"/>
-          </a:p>
-          <a:p>
-            <a:pPr marL="0" indent="0">
-              <a:buNone/>
-            </a:pPr>
-            <a:endParaRPr lang="en-US" sz="3200" dirty="0"/>
-          </a:p>
-          <a:p>
-            <a:pPr marL="0" indent="0">
-              <a:buNone/>
-            </a:pPr>
-            <a:r>
-              <a:rPr lang="en-US" sz="3200" dirty="0"/>
-              <a:t>3</a:t>
-            </a:r>
-            <a:r>
-              <a:rPr lang="en-US" sz="3200"/>
-              <a:t>. </a:t>
-            </a:r>
-            <a:r>
-              <a:rPr lang="en-US" sz="3200" dirty="0"/>
-              <a:t>Data Algorithms with Spark  (book) by Mahmoud </a:t>
-            </a:r>
-            <a:r>
-              <a:rPr lang="en-US" sz="3200" dirty="0" err="1"/>
-              <a:t>Parsian</a:t>
-            </a:r>
-            <a:endParaRPr lang="en-US" sz="3200" dirty="0"/>
-          </a:p>
-          <a:p>
-            <a:pPr marL="0" indent="0">
-              <a:buNone/>
-            </a:pPr>
-            <a:endParaRPr lang="en-US" sz="3200" dirty="0"/>
+            <a:r>
+              <a:rPr lang="en-US" dirty="0"/>
+              <a:t>How do we write Combiners? For Averages?</a:t>
+            </a:r>
+          </a:p>
+        </p:txBody>
+      </p:sp>
+      <p:sp>
+        <p:nvSpPr>
+          <p:cNvPr id="3" name="Content Placeholder 2">
+            <a:extLst>
+              <a:ext uri="{FF2B5EF4-FFF2-40B4-BE49-F238E27FC236}">
+                <a16:creationId xmlns:a16="http://schemas.microsoft.com/office/drawing/2014/main" id="{3BD1778A-B232-474D-BA9E-B44F86DC7DBB}"/>
+              </a:ext>
+            </a:extLst>
+          </p:cNvPr>
+          <p:cNvSpPr>
+            <a:spLocks noGrp="1"/>
+          </p:cNvSpPr>
+          <p:nvPr>
+            <p:ph idx="1"/>
+          </p:nvPr>
+        </p:nvSpPr>
+        <p:spPr>
+          <a:xfrm>
+            <a:off x="838200" y="1271752"/>
+            <a:ext cx="10515600" cy="4905211"/>
+          </a:xfrm>
+        </p:spPr>
+        <p:txBody>
+          <a:bodyPr>
+            <a:normAutofit/>
+          </a:bodyPr>
+          <a:lstStyle/>
+          <a:p>
+            <a:pPr marL="0" indent="0">
+              <a:spcBef>
+                <a:spcPts val="600"/>
+              </a:spcBef>
+              <a:buNone/>
+            </a:pPr>
+            <a:r>
+              <a:rPr lang="en-US" sz="3200" dirty="0">
+                <a:solidFill>
+                  <a:srgbClr val="0000FF"/>
+                </a:solidFill>
+                <a:latin typeface="Consolas" panose="020B0609020204030204" pitchFamily="49" charset="0"/>
+                <a:cs typeface="Consolas" panose="020B0609020204030204" pitchFamily="49" charset="0"/>
+              </a:rPr>
+              <a:t>We need to write 3 functions:</a:t>
+            </a:r>
+          </a:p>
+          <a:p>
+            <a:pPr>
+              <a:spcBef>
+                <a:spcPts val="600"/>
+              </a:spcBef>
+            </a:pPr>
+            <a:r>
+              <a:rPr lang="en-US" sz="3200" dirty="0">
+                <a:solidFill>
+                  <a:srgbClr val="002060"/>
+                </a:solidFill>
+                <a:latin typeface="Consolas" panose="020B0609020204030204" pitchFamily="49" charset="0"/>
+                <a:cs typeface="Consolas" panose="020B0609020204030204" pitchFamily="49" charset="0"/>
+              </a:rPr>
+              <a:t>map()</a:t>
+            </a:r>
+          </a:p>
+          <a:p>
+            <a:pPr>
+              <a:spcBef>
+                <a:spcPts val="600"/>
+              </a:spcBef>
+            </a:pPr>
+            <a:r>
+              <a:rPr lang="en-US" sz="3200" dirty="0">
+                <a:solidFill>
+                  <a:srgbClr val="002060"/>
+                </a:solidFill>
+                <a:latin typeface="Consolas" panose="020B0609020204030204" pitchFamily="49" charset="0"/>
+                <a:cs typeface="Consolas" panose="020B0609020204030204" pitchFamily="49" charset="0"/>
+              </a:rPr>
+              <a:t>combine()</a:t>
+            </a:r>
+          </a:p>
+          <a:p>
+            <a:pPr>
+              <a:spcBef>
+                <a:spcPts val="600"/>
+              </a:spcBef>
+            </a:pPr>
+            <a:r>
+              <a:rPr lang="en-US" sz="3200" dirty="0">
+                <a:solidFill>
+                  <a:srgbClr val="002060"/>
+                </a:solidFill>
+                <a:latin typeface="Consolas" panose="020B0609020204030204" pitchFamily="49" charset="0"/>
+                <a:cs typeface="Consolas" panose="020B0609020204030204" pitchFamily="49" charset="0"/>
+              </a:rPr>
+              <a:t>reduce()</a:t>
+            </a:r>
+          </a:p>
+          <a:p>
+            <a:pPr>
+              <a:spcBef>
+                <a:spcPts val="600"/>
+              </a:spcBef>
+            </a:pPr>
+            <a:endParaRPr lang="en-US" sz="3200" dirty="0">
+              <a:solidFill>
+                <a:srgbClr val="0000FF"/>
+              </a:solidFill>
+              <a:latin typeface="Consolas" panose="020B0609020204030204" pitchFamily="49" charset="0"/>
+              <a:cs typeface="Consolas" panose="020B0609020204030204" pitchFamily="49" charset="0"/>
+            </a:endParaRPr>
+          </a:p>
+          <a:p>
+            <a:pPr>
+              <a:spcBef>
+                <a:spcPts val="600"/>
+              </a:spcBef>
+            </a:pPr>
+            <a:r>
+              <a:rPr lang="en-US" sz="3200" b="1" dirty="0">
+                <a:solidFill>
+                  <a:srgbClr val="FF0000"/>
+                </a:solidFill>
+                <a:latin typeface="Consolas" panose="020B0609020204030204" pitchFamily="49" charset="0"/>
+                <a:cs typeface="Consolas" panose="020B0609020204030204" pitchFamily="49" charset="0"/>
+              </a:rPr>
+              <a:t>BUT Note that </a:t>
+            </a:r>
+          </a:p>
+          <a:p>
+            <a:pPr lvl="1">
+              <a:spcBef>
+                <a:spcPts val="600"/>
+              </a:spcBef>
+            </a:pPr>
+            <a:r>
+              <a:rPr lang="en-US" sz="2933" b="1" dirty="0">
+                <a:solidFill>
+                  <a:srgbClr val="FF0000"/>
+                </a:solidFill>
+                <a:latin typeface="Consolas" panose="020B0609020204030204" pitchFamily="49" charset="0"/>
+                <a:cs typeface="Consolas" panose="020B0609020204030204" pitchFamily="49" charset="0"/>
+              </a:rPr>
+              <a:t>  “</a:t>
+            </a:r>
+            <a:r>
+              <a:rPr lang="en-US" sz="2933" b="1" dirty="0">
+                <a:solidFill>
+                  <a:srgbClr val="0070C0"/>
+                </a:solidFill>
+                <a:latin typeface="Consolas" panose="020B0609020204030204" pitchFamily="49" charset="0"/>
+                <a:cs typeface="Consolas" panose="020B0609020204030204" pitchFamily="49" charset="0"/>
+              </a:rPr>
+              <a:t>average of an average is not an average</a:t>
+            </a:r>
+            <a:r>
+              <a:rPr lang="en-US" sz="2933" b="1" dirty="0">
+                <a:solidFill>
+                  <a:srgbClr val="FF0000"/>
+                </a:solidFill>
+                <a:latin typeface="Consolas" panose="020B0609020204030204" pitchFamily="49" charset="0"/>
+                <a:cs typeface="Consolas" panose="020B0609020204030204" pitchFamily="49" charset="0"/>
+              </a:rPr>
+              <a:t>”</a:t>
+            </a:r>
+          </a:p>
+          <a:p>
+            <a:pPr>
+              <a:spcBef>
+                <a:spcPts val="600"/>
+              </a:spcBef>
+            </a:pPr>
+            <a:r>
+              <a:rPr lang="en-US" sz="3200" dirty="0">
+                <a:solidFill>
+                  <a:srgbClr val="0000FF"/>
+                </a:solidFill>
+                <a:latin typeface="Consolas" panose="020B0609020204030204" pitchFamily="49" charset="0"/>
+                <a:cs typeface="Consolas" panose="020B0609020204030204" pitchFamily="49" charset="0"/>
+              </a:rPr>
+              <a:t>What does this mean?</a:t>
+            </a:r>
+          </a:p>
+          <a:p>
+            <a:pPr>
+              <a:spcBef>
+                <a:spcPts val="600"/>
+              </a:spcBef>
+            </a:pPr>
+            <a:endParaRPr lang="en-US" sz="3200" dirty="0">
+              <a:solidFill>
+                <a:srgbClr val="0000FF"/>
+              </a:solidFill>
+              <a:latin typeface="Consolas" panose="020B0609020204030204" pitchFamily="49" charset="0"/>
+              <a:cs typeface="Consolas" panose="020B0609020204030204" pitchFamily="49" charset="0"/>
+            </a:endParaRPr>
+          </a:p>
+          <a:p>
+            <a:pPr marL="0" indent="0">
+              <a:spcBef>
+                <a:spcPts val="600"/>
+              </a:spcBef>
+              <a:buNone/>
+            </a:pPr>
+            <a:endParaRPr lang="en-US" sz="2400" dirty="0">
+              <a:solidFill>
+                <a:srgbClr val="0000FF"/>
+              </a:solidFill>
+              <a:latin typeface="Consolas" panose="020B0609020204030204" pitchFamily="49" charset="0"/>
+              <a:cs typeface="Consolas" panose="020B0609020204030204" pitchFamily="49" charset="0"/>
+            </a:endParaRPr>
           </a:p>
         </p:txBody>
       </p:sp>
     </p:spTree>
     <p:extLst>
       <p:ext uri="{BB962C8B-B14F-4D97-AF65-F5344CB8AC3E}">
-        <p14:creationId xmlns:p14="http://schemas.microsoft.com/office/powerpoint/2010/main" val="109772210"/>
+        <p14:creationId xmlns:p14="http://schemas.microsoft.com/office/powerpoint/2010/main" val="3170731786"/>
+      </p:ext>
+    </p:extLst>
+  </p:cSld>
+  <p:clrMapOvr>
+    <a:masterClrMapping/>
+  </p:clrMapOvr>
+</p:sld>
+</file>
+
+<file path=ppt/slides/slide24.xml><?xml version="1.0" encoding="utf-8"?>
+<p:sld xmlns:a="http://schemas.openxmlformats.org/drawingml/2006/main" xmlns:r="http://schemas.openxmlformats.org/officeDocument/2006/relationships" xmlns:p="http://schemas.openxmlformats.org/presentationml/2006/main">
+  <p:cSld>
+    <p:spTree>
+      <p:nvGrpSpPr>
+        <p:cNvPr id="1" name=""/>
+        <p:cNvGrpSpPr/>
+        <p:nvPr/>
+      </p:nvGrpSpPr>
+      <p:grpSpPr>
+        <a:xfrm>
+          <a:off x="0" y="0"/>
+          <a:ext cx="0" cy="0"/>
+          <a:chOff x="0" y="0"/>
+          <a:chExt cx="0" cy="0"/>
+        </a:xfrm>
+      </p:grpSpPr>
+      <p:sp>
+        <p:nvSpPr>
+          <p:cNvPr id="2" name="Title 1">
+            <a:extLst>
+              <a:ext uri="{FF2B5EF4-FFF2-40B4-BE49-F238E27FC236}">
+                <a16:creationId xmlns:a16="http://schemas.microsoft.com/office/drawing/2014/main" id="{F9F5A895-0231-5A4B-B2AC-CFB4AA99843B}"/>
+              </a:ext>
+            </a:extLst>
+          </p:cNvPr>
+          <p:cNvSpPr>
+            <a:spLocks noGrp="1"/>
+          </p:cNvSpPr>
+          <p:nvPr>
+            <p:ph type="title"/>
+          </p:nvPr>
+        </p:nvSpPr>
+        <p:spPr>
+          <a:xfrm>
+            <a:off x="838200" y="365126"/>
+            <a:ext cx="10515600" cy="706930"/>
+          </a:xfrm>
+        </p:spPr>
+        <p:txBody>
+          <a:bodyPr>
+            <a:noAutofit/>
+          </a:bodyPr>
+          <a:lstStyle/>
+          <a:p>
+            <a:r>
+              <a:rPr lang="en-US" sz="3600" b="1" dirty="0">
+                <a:solidFill>
+                  <a:srgbClr val="002060"/>
+                </a:solidFill>
+                <a:latin typeface="Consolas" panose="020B0609020204030204" pitchFamily="49" charset="0"/>
+                <a:cs typeface="Consolas" panose="020B0609020204030204" pitchFamily="49" charset="0"/>
+              </a:rPr>
+              <a:t>Average of an Average is not an Average</a:t>
+            </a:r>
+            <a:endParaRPr lang="en-US" sz="3600" dirty="0">
+              <a:solidFill>
+                <a:srgbClr val="002060"/>
+              </a:solidFill>
+            </a:endParaRPr>
+          </a:p>
+        </p:txBody>
+      </p:sp>
+      <p:sp>
+        <p:nvSpPr>
+          <p:cNvPr id="3" name="Content Placeholder 2">
+            <a:extLst>
+              <a:ext uri="{FF2B5EF4-FFF2-40B4-BE49-F238E27FC236}">
+                <a16:creationId xmlns:a16="http://schemas.microsoft.com/office/drawing/2014/main" id="{3BD1778A-B232-474D-BA9E-B44F86DC7DBB}"/>
+              </a:ext>
+            </a:extLst>
+          </p:cNvPr>
+          <p:cNvSpPr>
+            <a:spLocks noGrp="1"/>
+          </p:cNvSpPr>
+          <p:nvPr>
+            <p:ph idx="1"/>
+          </p:nvPr>
+        </p:nvSpPr>
+        <p:spPr>
+          <a:xfrm>
+            <a:off x="838200" y="1271752"/>
+            <a:ext cx="10515600" cy="4905211"/>
+          </a:xfrm>
+        </p:spPr>
+        <p:txBody>
+          <a:bodyPr>
+            <a:normAutofit lnSpcReduction="10000"/>
+          </a:bodyPr>
+          <a:lstStyle/>
+          <a:p>
+            <a:pPr>
+              <a:spcBef>
+                <a:spcPts val="600"/>
+              </a:spcBef>
+            </a:pPr>
+            <a:r>
+              <a:rPr lang="en-US" sz="3200" dirty="0">
+                <a:solidFill>
+                  <a:srgbClr val="0000FF"/>
+                </a:solidFill>
+                <a:latin typeface="Consolas" panose="020B0609020204030204" pitchFamily="49" charset="0"/>
+                <a:cs typeface="Consolas" panose="020B0609020204030204" pitchFamily="49" charset="0"/>
+              </a:rPr>
+              <a:t>Let say we have 2 partitions</a:t>
+            </a:r>
+          </a:p>
+          <a:p>
+            <a:pPr>
+              <a:spcBef>
+                <a:spcPts val="600"/>
+              </a:spcBef>
+            </a:pPr>
+            <a:r>
+              <a:rPr lang="en-US" sz="3200" dirty="0">
+                <a:solidFill>
+                  <a:schemeClr val="tx2"/>
+                </a:solidFill>
+                <a:latin typeface="Consolas" panose="020B0609020204030204" pitchFamily="49" charset="0"/>
+                <a:cs typeface="Consolas" panose="020B0609020204030204" pitchFamily="49" charset="0"/>
+              </a:rPr>
+              <a:t>Partition-1</a:t>
+            </a:r>
+            <a:r>
+              <a:rPr lang="en-US" sz="3200" dirty="0">
+                <a:solidFill>
+                  <a:srgbClr val="0000FF"/>
+                </a:solidFill>
+                <a:latin typeface="Consolas" panose="020B0609020204030204" pitchFamily="49" charset="0"/>
+                <a:cs typeface="Consolas" panose="020B0609020204030204" pitchFamily="49" charset="0"/>
+              </a:rPr>
+              <a:t>: </a:t>
+            </a:r>
+            <a:r>
+              <a:rPr lang="en-US" sz="3200" dirty="0">
+                <a:solidFill>
+                  <a:srgbClr val="002060"/>
+                </a:solidFill>
+                <a:latin typeface="Consolas" panose="020B0609020204030204" pitchFamily="49" charset="0"/>
+                <a:cs typeface="Consolas" panose="020B0609020204030204" pitchFamily="49" charset="0"/>
+              </a:rPr>
+              <a:t>(K, 6), (K, 7)</a:t>
+            </a:r>
+          </a:p>
+          <a:p>
+            <a:pPr lvl="1">
+              <a:spcBef>
+                <a:spcPts val="600"/>
+              </a:spcBef>
+            </a:pPr>
+            <a:r>
+              <a:rPr lang="en-US" sz="2800" dirty="0">
+                <a:solidFill>
+                  <a:srgbClr val="0000FF"/>
+                </a:solidFill>
+                <a:latin typeface="Consolas" panose="020B0609020204030204" pitchFamily="49" charset="0"/>
+                <a:cs typeface="Consolas" panose="020B0609020204030204" pitchFamily="49" charset="0"/>
+              </a:rPr>
+              <a:t> Average of Partition-1: (6+7)/2 = 6.5</a:t>
+            </a:r>
+          </a:p>
+          <a:p>
+            <a:pPr>
+              <a:spcBef>
+                <a:spcPts val="600"/>
+              </a:spcBef>
+            </a:pPr>
+            <a:r>
+              <a:rPr lang="en-US" sz="3200" dirty="0">
+                <a:solidFill>
+                  <a:schemeClr val="tx2"/>
+                </a:solidFill>
+                <a:latin typeface="Consolas" panose="020B0609020204030204" pitchFamily="49" charset="0"/>
+                <a:cs typeface="Consolas" panose="020B0609020204030204" pitchFamily="49" charset="0"/>
+              </a:rPr>
+              <a:t>Partition-2</a:t>
+            </a:r>
+            <a:r>
+              <a:rPr lang="en-US" sz="3200" dirty="0">
+                <a:solidFill>
+                  <a:srgbClr val="0000FF"/>
+                </a:solidFill>
+                <a:latin typeface="Consolas" panose="020B0609020204030204" pitchFamily="49" charset="0"/>
+                <a:cs typeface="Consolas" panose="020B0609020204030204" pitchFamily="49" charset="0"/>
+              </a:rPr>
+              <a:t>: </a:t>
+            </a:r>
+            <a:r>
+              <a:rPr lang="en-US" sz="3200" dirty="0">
+                <a:solidFill>
+                  <a:srgbClr val="002060"/>
+                </a:solidFill>
+                <a:latin typeface="Consolas" panose="020B0609020204030204" pitchFamily="49" charset="0"/>
+                <a:cs typeface="Consolas" panose="020B0609020204030204" pitchFamily="49" charset="0"/>
+              </a:rPr>
+              <a:t>(K, 8)</a:t>
+            </a:r>
+          </a:p>
+          <a:p>
+            <a:pPr lvl="1">
+              <a:spcBef>
+                <a:spcPts val="600"/>
+              </a:spcBef>
+            </a:pPr>
+            <a:r>
+              <a:rPr lang="en-US" sz="2800" dirty="0">
+                <a:solidFill>
+                  <a:srgbClr val="0000FF"/>
+                </a:solidFill>
+                <a:latin typeface="Consolas" panose="020B0609020204030204" pitchFamily="49" charset="0"/>
+                <a:cs typeface="Consolas" panose="020B0609020204030204" pitchFamily="49" charset="0"/>
+              </a:rPr>
+              <a:t> Average of Partition-2: (8)/1 = 8.0</a:t>
+            </a:r>
+          </a:p>
+          <a:p>
+            <a:pPr>
+              <a:spcBef>
+                <a:spcPts val="600"/>
+              </a:spcBef>
+            </a:pPr>
+            <a:r>
+              <a:rPr lang="en-US" sz="3200" dirty="0">
+                <a:solidFill>
+                  <a:srgbClr val="002060"/>
+                </a:solidFill>
+                <a:latin typeface="Consolas" panose="020B0609020204030204" pitchFamily="49" charset="0"/>
+                <a:cs typeface="Consolas" panose="020B0609020204030204" pitchFamily="49" charset="0"/>
+              </a:rPr>
+              <a:t>Average of Partition-1 and Partition-2:</a:t>
+            </a:r>
+          </a:p>
+          <a:p>
+            <a:pPr lvl="1">
+              <a:spcBef>
+                <a:spcPts val="600"/>
+              </a:spcBef>
+            </a:pPr>
+            <a:r>
+              <a:rPr lang="en-US" sz="2800" dirty="0">
+                <a:solidFill>
+                  <a:srgbClr val="0000FF"/>
+                </a:solidFill>
+                <a:latin typeface="Consolas" panose="020B0609020204030204" pitchFamily="49" charset="0"/>
+                <a:cs typeface="Consolas" panose="020B0609020204030204" pitchFamily="49" charset="0"/>
+              </a:rPr>
+              <a:t>(6.5 + 8.0)/2 = </a:t>
+            </a:r>
+            <a:r>
+              <a:rPr lang="en-US" sz="2800" b="1" dirty="0">
+                <a:solidFill>
+                  <a:srgbClr val="FF0000"/>
+                </a:solidFill>
+                <a:latin typeface="Consolas" panose="020B0609020204030204" pitchFamily="49" charset="0"/>
+                <a:cs typeface="Consolas" panose="020B0609020204030204" pitchFamily="49" charset="0"/>
+              </a:rPr>
+              <a:t>7.25 =&gt; NOT CORRECT</a:t>
+            </a:r>
+          </a:p>
+          <a:p>
+            <a:pPr lvl="1">
+              <a:spcBef>
+                <a:spcPts val="600"/>
+              </a:spcBef>
+            </a:pPr>
+            <a:endParaRPr lang="en-US" sz="2800" dirty="0">
+              <a:solidFill>
+                <a:srgbClr val="0000FF"/>
+              </a:solidFill>
+              <a:latin typeface="Consolas" panose="020B0609020204030204" pitchFamily="49" charset="0"/>
+              <a:cs typeface="Consolas" panose="020B0609020204030204" pitchFamily="49" charset="0"/>
+            </a:endParaRPr>
+          </a:p>
+          <a:p>
+            <a:pPr marL="0" indent="0">
+              <a:spcBef>
+                <a:spcPts val="600"/>
+              </a:spcBef>
+              <a:buNone/>
+            </a:pPr>
+            <a:r>
+              <a:rPr lang="en-US" sz="2400" dirty="0">
+                <a:solidFill>
+                  <a:srgbClr val="0000FF"/>
+                </a:solidFill>
+                <a:latin typeface="Consolas" panose="020B0609020204030204" pitchFamily="49" charset="0"/>
+                <a:cs typeface="Consolas" panose="020B0609020204030204" pitchFamily="49" charset="0"/>
+              </a:rPr>
+              <a:t>Average(6, 7, 8) = (6+7+8)/3 = 21/3 = </a:t>
+            </a:r>
+            <a:r>
+              <a:rPr lang="en-US" sz="2400" b="1" dirty="0">
+                <a:solidFill>
+                  <a:srgbClr val="00B050"/>
+                </a:solidFill>
+                <a:latin typeface="Consolas" panose="020B0609020204030204" pitchFamily="49" charset="0"/>
+                <a:cs typeface="Consolas" panose="020B0609020204030204" pitchFamily="49" charset="0"/>
+              </a:rPr>
+              <a:t>7.0</a:t>
+            </a:r>
+          </a:p>
+          <a:p>
+            <a:pPr marL="0" indent="0">
+              <a:spcBef>
+                <a:spcPts val="600"/>
+              </a:spcBef>
+              <a:buNone/>
+            </a:pPr>
+            <a:r>
+              <a:rPr lang="en-US" sz="2400" b="1" dirty="0" err="1">
+                <a:solidFill>
+                  <a:srgbClr val="00B050"/>
+                </a:solidFill>
+                <a:latin typeface="Consolas" panose="020B0609020204030204" pitchFamily="49" charset="0"/>
+                <a:cs typeface="Consolas" panose="020B0609020204030204" pitchFamily="49" charset="0"/>
+              </a:rPr>
+              <a:t>Hmmmmmm</a:t>
+            </a:r>
+            <a:r>
+              <a:rPr lang="en-US" sz="2400" b="1" dirty="0">
+                <a:solidFill>
+                  <a:srgbClr val="00B050"/>
+                </a:solidFill>
+                <a:latin typeface="Consolas" panose="020B0609020204030204" pitchFamily="49" charset="0"/>
+                <a:cs typeface="Consolas" panose="020B0609020204030204" pitchFamily="49" charset="0"/>
+              </a:rPr>
+              <a:t>? How to solve this?</a:t>
+            </a:r>
+          </a:p>
+        </p:txBody>
+      </p:sp>
+    </p:spTree>
+    <p:extLst>
+      <p:ext uri="{BB962C8B-B14F-4D97-AF65-F5344CB8AC3E}">
+        <p14:creationId xmlns:p14="http://schemas.microsoft.com/office/powerpoint/2010/main" val="3120788755"/>
+      </p:ext>
+    </p:extLst>
+  </p:cSld>
+  <p:clrMapOvr>
+    <a:masterClrMapping/>
+  </p:clrMapOvr>
+</p:sld>
+</file>
+
+<file path=ppt/slides/slide25.xml><?xml version="1.0" encoding="utf-8"?>
+<p:sld xmlns:a="http://schemas.openxmlformats.org/drawingml/2006/main" xmlns:r="http://schemas.openxmlformats.org/officeDocument/2006/relationships" xmlns:p="http://schemas.openxmlformats.org/presentationml/2006/main">
+  <p:cSld>
+    <p:spTree>
+      <p:nvGrpSpPr>
+        <p:cNvPr id="1" name=""/>
+        <p:cNvGrpSpPr/>
+        <p:nvPr/>
+      </p:nvGrpSpPr>
+      <p:grpSpPr>
+        <a:xfrm>
+          <a:off x="0" y="0"/>
+          <a:ext cx="0" cy="0"/>
+          <a:chOff x="0" y="0"/>
+          <a:chExt cx="0" cy="0"/>
+        </a:xfrm>
+      </p:grpSpPr>
+      <p:sp>
+        <p:nvSpPr>
+          <p:cNvPr id="2" name="Title 1">
+            <a:extLst>
+              <a:ext uri="{FF2B5EF4-FFF2-40B4-BE49-F238E27FC236}">
+                <a16:creationId xmlns:a16="http://schemas.microsoft.com/office/drawing/2014/main" id="{F9F5A895-0231-5A4B-B2AC-CFB4AA99843B}"/>
+              </a:ext>
+            </a:extLst>
+          </p:cNvPr>
+          <p:cNvSpPr>
+            <a:spLocks noGrp="1"/>
+          </p:cNvSpPr>
+          <p:nvPr>
+            <p:ph type="title"/>
+          </p:nvPr>
+        </p:nvSpPr>
+        <p:spPr>
+          <a:xfrm>
+            <a:off x="838200" y="483476"/>
+            <a:ext cx="10515600" cy="987972"/>
+          </a:xfrm>
+        </p:spPr>
+        <p:txBody>
+          <a:bodyPr>
+            <a:noAutofit/>
+          </a:bodyPr>
+          <a:lstStyle/>
+          <a:p>
+            <a:r>
+              <a:rPr lang="en-US" sz="3200" b="1" dirty="0">
+                <a:solidFill>
+                  <a:srgbClr val="002060"/>
+                </a:solidFill>
+                <a:latin typeface="Consolas" panose="020B0609020204030204" pitchFamily="49" charset="0"/>
+                <a:cs typeface="Consolas" panose="020B0609020204030204" pitchFamily="49" charset="0"/>
+              </a:rPr>
+              <a:t>Make Average of an Average as an Average</a:t>
+            </a:r>
+            <a:br>
+              <a:rPr lang="en-US" sz="3200" b="1" dirty="0">
+                <a:solidFill>
+                  <a:srgbClr val="002060"/>
+                </a:solidFill>
+                <a:latin typeface="Consolas" panose="020B0609020204030204" pitchFamily="49" charset="0"/>
+                <a:cs typeface="Consolas" panose="020B0609020204030204" pitchFamily="49" charset="0"/>
+              </a:rPr>
+            </a:br>
+            <a:r>
+              <a:rPr lang="en-US" sz="3200" b="1" dirty="0">
+                <a:solidFill>
+                  <a:srgbClr val="002060"/>
+                </a:solidFill>
+                <a:latin typeface="Consolas" panose="020B0609020204030204" pitchFamily="49" charset="0"/>
+                <a:cs typeface="Consolas" panose="020B0609020204030204" pitchFamily="49" charset="0"/>
+              </a:rPr>
+              <a:t>By Changing Output of Mappers</a:t>
+            </a:r>
+            <a:endParaRPr lang="en-US" sz="3200" dirty="0">
+              <a:solidFill>
+                <a:srgbClr val="002060"/>
+              </a:solidFill>
+            </a:endParaRPr>
+          </a:p>
+        </p:txBody>
+      </p:sp>
+      <p:sp>
+        <p:nvSpPr>
+          <p:cNvPr id="3" name="Content Placeholder 2">
+            <a:extLst>
+              <a:ext uri="{FF2B5EF4-FFF2-40B4-BE49-F238E27FC236}">
+                <a16:creationId xmlns:a16="http://schemas.microsoft.com/office/drawing/2014/main" id="{3BD1778A-B232-474D-BA9E-B44F86DC7DBB}"/>
+              </a:ext>
+            </a:extLst>
+          </p:cNvPr>
+          <p:cNvSpPr>
+            <a:spLocks noGrp="1"/>
+          </p:cNvSpPr>
+          <p:nvPr>
+            <p:ph idx="1"/>
+          </p:nvPr>
+        </p:nvSpPr>
+        <p:spPr>
+          <a:xfrm>
+            <a:off x="838200" y="1723697"/>
+            <a:ext cx="10515600" cy="4453266"/>
+          </a:xfrm>
+        </p:spPr>
+        <p:txBody>
+          <a:bodyPr>
+            <a:normAutofit/>
+          </a:bodyPr>
+          <a:lstStyle/>
+          <a:p>
+            <a:pPr>
+              <a:spcBef>
+                <a:spcPts val="600"/>
+              </a:spcBef>
+            </a:pPr>
+            <a:r>
+              <a:rPr lang="en-US" sz="3200" dirty="0">
+                <a:solidFill>
+                  <a:srgbClr val="0000FF"/>
+                </a:solidFill>
+                <a:latin typeface="Consolas" panose="020B0609020204030204" pitchFamily="49" charset="0"/>
+                <a:cs typeface="Consolas" panose="020B0609020204030204" pitchFamily="49" charset="0"/>
+              </a:rPr>
+              <a:t>Let say we have 2 partitions</a:t>
+            </a:r>
+          </a:p>
+          <a:p>
+            <a:pPr>
+              <a:spcBef>
+                <a:spcPts val="600"/>
+              </a:spcBef>
+            </a:pPr>
+            <a:r>
+              <a:rPr lang="en-US" sz="3200" dirty="0">
+                <a:solidFill>
+                  <a:srgbClr val="0000FF"/>
+                </a:solidFill>
+                <a:latin typeface="Consolas" panose="020B0609020204030204" pitchFamily="49" charset="0"/>
+                <a:cs typeface="Consolas" panose="020B0609020204030204" pitchFamily="49" charset="0"/>
+              </a:rPr>
+              <a:t>Partition-1: </a:t>
+            </a:r>
+            <a:r>
+              <a:rPr lang="en-US" sz="3200" dirty="0">
+                <a:solidFill>
+                  <a:srgbClr val="002060"/>
+                </a:solidFill>
+                <a:latin typeface="Consolas" panose="020B0609020204030204" pitchFamily="49" charset="0"/>
+                <a:cs typeface="Consolas" panose="020B0609020204030204" pitchFamily="49" charset="0"/>
+              </a:rPr>
+              <a:t>(K, 6), (K, 7)</a:t>
+            </a:r>
+          </a:p>
+          <a:p>
+            <a:pPr>
+              <a:spcBef>
+                <a:spcPts val="600"/>
+              </a:spcBef>
+            </a:pPr>
+            <a:r>
+              <a:rPr lang="en-US" sz="3200" dirty="0">
+                <a:solidFill>
+                  <a:srgbClr val="0000FF"/>
+                </a:solidFill>
+                <a:latin typeface="Consolas" panose="020B0609020204030204" pitchFamily="49" charset="0"/>
+                <a:cs typeface="Consolas" panose="020B0609020204030204" pitchFamily="49" charset="0"/>
+              </a:rPr>
+              <a:t>Partition-2: </a:t>
+            </a:r>
+            <a:r>
+              <a:rPr lang="en-US" sz="3200" dirty="0">
+                <a:solidFill>
+                  <a:srgbClr val="002060"/>
+                </a:solidFill>
+                <a:latin typeface="Consolas" panose="020B0609020204030204" pitchFamily="49" charset="0"/>
+                <a:cs typeface="Consolas" panose="020B0609020204030204" pitchFamily="49" charset="0"/>
+              </a:rPr>
+              <a:t>(K, 8)</a:t>
+            </a:r>
+          </a:p>
+          <a:p>
+            <a:pPr>
+              <a:spcBef>
+                <a:spcPts val="600"/>
+              </a:spcBef>
+            </a:pPr>
+            <a:endParaRPr lang="en-US" sz="3200" dirty="0">
+              <a:solidFill>
+                <a:srgbClr val="002060"/>
+              </a:solidFill>
+              <a:latin typeface="Consolas" panose="020B0609020204030204" pitchFamily="49" charset="0"/>
+              <a:cs typeface="Consolas" panose="020B0609020204030204" pitchFamily="49" charset="0"/>
+            </a:endParaRPr>
+          </a:p>
+          <a:p>
+            <a:pPr>
+              <a:spcBef>
+                <a:spcPts val="600"/>
+              </a:spcBef>
+            </a:pPr>
+            <a:r>
+              <a:rPr lang="en-US" sz="3200" dirty="0">
+                <a:solidFill>
+                  <a:srgbClr val="002060"/>
+                </a:solidFill>
+                <a:latin typeface="Consolas" panose="020B0609020204030204" pitchFamily="49" charset="0"/>
+                <a:cs typeface="Consolas" panose="020B0609020204030204" pitchFamily="49" charset="0"/>
+              </a:rPr>
+              <a:t>Change map() to create </a:t>
+            </a:r>
+            <a:r>
+              <a:rPr lang="en-US" sz="3200" b="1" dirty="0">
+                <a:solidFill>
+                  <a:srgbClr val="002060"/>
+                </a:solidFill>
+                <a:latin typeface="Consolas" panose="020B0609020204030204" pitchFamily="49" charset="0"/>
+                <a:cs typeface="Consolas" panose="020B0609020204030204" pitchFamily="49" charset="0"/>
+              </a:rPr>
+              <a:t>(K, (sum, count))</a:t>
+            </a:r>
+          </a:p>
+          <a:p>
+            <a:pPr>
+              <a:spcBef>
+                <a:spcPts val="600"/>
+              </a:spcBef>
+            </a:pPr>
+            <a:r>
+              <a:rPr lang="en-US" sz="2400" dirty="0">
+                <a:solidFill>
+                  <a:srgbClr val="002060"/>
+                </a:solidFill>
+                <a:latin typeface="Consolas" panose="020B0609020204030204" pitchFamily="49" charset="0"/>
+                <a:cs typeface="Consolas" panose="020B0609020204030204" pitchFamily="49" charset="0"/>
+              </a:rPr>
+              <a:t>(K, 6) --&gt; (K, (6, 1))</a:t>
+            </a:r>
+          </a:p>
+          <a:p>
+            <a:pPr>
+              <a:spcBef>
+                <a:spcPts val="600"/>
+              </a:spcBef>
+            </a:pPr>
+            <a:r>
+              <a:rPr lang="en-US" sz="2400" dirty="0">
+                <a:solidFill>
+                  <a:srgbClr val="002060"/>
+                </a:solidFill>
+                <a:latin typeface="Consolas" panose="020B0609020204030204" pitchFamily="49" charset="0"/>
+                <a:cs typeface="Consolas" panose="020B0609020204030204" pitchFamily="49" charset="0"/>
+              </a:rPr>
+              <a:t>(K, 7) --&gt; (K, (7, 1))</a:t>
+            </a:r>
+          </a:p>
+          <a:p>
+            <a:pPr>
+              <a:spcBef>
+                <a:spcPts val="600"/>
+              </a:spcBef>
+            </a:pPr>
+            <a:r>
+              <a:rPr lang="en-US" sz="2400" dirty="0">
+                <a:solidFill>
+                  <a:srgbClr val="002060"/>
+                </a:solidFill>
+                <a:latin typeface="Consolas" panose="020B0609020204030204" pitchFamily="49" charset="0"/>
+                <a:cs typeface="Consolas" panose="020B0609020204030204" pitchFamily="49" charset="0"/>
+              </a:rPr>
+              <a:t>(K, 8) --&gt; (K, (8, 1))</a:t>
+            </a:r>
+          </a:p>
+          <a:p>
+            <a:pPr>
+              <a:spcBef>
+                <a:spcPts val="600"/>
+              </a:spcBef>
+            </a:pPr>
+            <a:endParaRPr lang="en-US" sz="3200" dirty="0">
+              <a:solidFill>
+                <a:srgbClr val="002060"/>
+              </a:solidFill>
+              <a:latin typeface="Consolas" panose="020B0609020204030204" pitchFamily="49" charset="0"/>
+              <a:cs typeface="Consolas" panose="020B0609020204030204" pitchFamily="49" charset="0"/>
+            </a:endParaRPr>
+          </a:p>
+        </p:txBody>
+      </p:sp>
+    </p:spTree>
+    <p:extLst>
+      <p:ext uri="{BB962C8B-B14F-4D97-AF65-F5344CB8AC3E}">
+        <p14:creationId xmlns:p14="http://schemas.microsoft.com/office/powerpoint/2010/main" val="1594829553"/>
+      </p:ext>
+    </p:extLst>
+  </p:cSld>
+  <p:clrMapOvr>
+    <a:masterClrMapping/>
+  </p:clrMapOvr>
+</p:sld>
+</file>
+
+<file path=ppt/slides/slide26.xml><?xml version="1.0" encoding="utf-8"?>
+<p:sld xmlns:a="http://schemas.openxmlformats.org/drawingml/2006/main" xmlns:r="http://schemas.openxmlformats.org/officeDocument/2006/relationships" xmlns:p="http://schemas.openxmlformats.org/presentationml/2006/main">
+  <p:cSld>
+    <p:spTree>
+      <p:nvGrpSpPr>
+        <p:cNvPr id="1" name=""/>
+        <p:cNvGrpSpPr/>
+        <p:nvPr/>
+      </p:nvGrpSpPr>
+      <p:grpSpPr>
+        <a:xfrm>
+          <a:off x="0" y="0"/>
+          <a:ext cx="0" cy="0"/>
+          <a:chOff x="0" y="0"/>
+          <a:chExt cx="0" cy="0"/>
+        </a:xfrm>
+      </p:grpSpPr>
+      <p:sp>
+        <p:nvSpPr>
+          <p:cNvPr id="2" name="Title 1">
+            <a:extLst>
+              <a:ext uri="{FF2B5EF4-FFF2-40B4-BE49-F238E27FC236}">
+                <a16:creationId xmlns:a16="http://schemas.microsoft.com/office/drawing/2014/main" id="{F9F5A895-0231-5A4B-B2AC-CFB4AA99843B}"/>
+              </a:ext>
+            </a:extLst>
+          </p:cNvPr>
+          <p:cNvSpPr>
+            <a:spLocks noGrp="1"/>
+          </p:cNvSpPr>
+          <p:nvPr>
+            <p:ph type="title"/>
+          </p:nvPr>
+        </p:nvSpPr>
+        <p:spPr>
+          <a:xfrm>
+            <a:off x="838200" y="365126"/>
+            <a:ext cx="10515600" cy="706930"/>
+          </a:xfrm>
+        </p:spPr>
+        <p:txBody>
+          <a:bodyPr>
+            <a:noAutofit/>
+          </a:bodyPr>
+          <a:lstStyle/>
+          <a:p>
+            <a:r>
+              <a:rPr lang="en-US" sz="3600" b="1" dirty="0">
+                <a:solidFill>
+                  <a:srgbClr val="002060"/>
+                </a:solidFill>
+                <a:latin typeface="Consolas" panose="020B0609020204030204" pitchFamily="49" charset="0"/>
+                <a:cs typeface="Consolas" panose="020B0609020204030204" pitchFamily="49" charset="0"/>
+              </a:rPr>
+              <a:t>Make Average of an Average as an Average</a:t>
+            </a:r>
+            <a:endParaRPr lang="en-US" sz="3600" dirty="0">
+              <a:solidFill>
+                <a:srgbClr val="002060"/>
+              </a:solidFill>
+            </a:endParaRPr>
+          </a:p>
+        </p:txBody>
+      </p:sp>
+      <p:sp>
+        <p:nvSpPr>
+          <p:cNvPr id="3" name="Content Placeholder 2">
+            <a:extLst>
+              <a:ext uri="{FF2B5EF4-FFF2-40B4-BE49-F238E27FC236}">
+                <a16:creationId xmlns:a16="http://schemas.microsoft.com/office/drawing/2014/main" id="{3BD1778A-B232-474D-BA9E-B44F86DC7DBB}"/>
+              </a:ext>
+            </a:extLst>
+          </p:cNvPr>
+          <p:cNvSpPr>
+            <a:spLocks noGrp="1"/>
+          </p:cNvSpPr>
+          <p:nvPr>
+            <p:ph idx="1"/>
+          </p:nvPr>
+        </p:nvSpPr>
+        <p:spPr>
+          <a:xfrm>
+            <a:off x="838200" y="1271752"/>
+            <a:ext cx="10515600" cy="4905211"/>
+          </a:xfrm>
+        </p:spPr>
+        <p:txBody>
+          <a:bodyPr>
+            <a:normAutofit fontScale="77500" lnSpcReduction="20000"/>
+          </a:bodyPr>
+          <a:lstStyle/>
+          <a:p>
+            <a:pPr>
+              <a:spcBef>
+                <a:spcPts val="600"/>
+              </a:spcBef>
+            </a:pPr>
+            <a:r>
+              <a:rPr lang="en-US" sz="3200" dirty="0">
+                <a:solidFill>
+                  <a:srgbClr val="0000FF"/>
+                </a:solidFill>
+                <a:latin typeface="Consolas" panose="020B0609020204030204" pitchFamily="49" charset="0"/>
+                <a:cs typeface="Consolas" panose="020B0609020204030204" pitchFamily="49" charset="0"/>
+              </a:rPr>
+              <a:t>Let say we have 2 partitions:</a:t>
+            </a:r>
+          </a:p>
+          <a:p>
+            <a:pPr>
+              <a:spcBef>
+                <a:spcPts val="600"/>
+              </a:spcBef>
+            </a:pPr>
+            <a:r>
+              <a:rPr lang="en-US" sz="3200" dirty="0">
+                <a:solidFill>
+                  <a:srgbClr val="0000FF"/>
+                </a:solidFill>
+                <a:latin typeface="Consolas" panose="020B0609020204030204" pitchFamily="49" charset="0"/>
+                <a:cs typeface="Consolas" panose="020B0609020204030204" pitchFamily="49" charset="0"/>
+              </a:rPr>
+              <a:t>Partition-1: </a:t>
+            </a:r>
+            <a:r>
+              <a:rPr lang="en-US" sz="3200" dirty="0">
+                <a:solidFill>
+                  <a:srgbClr val="002060"/>
+                </a:solidFill>
+                <a:latin typeface="Consolas" panose="020B0609020204030204" pitchFamily="49" charset="0"/>
+                <a:cs typeface="Consolas" panose="020B0609020204030204" pitchFamily="49" charset="0"/>
+              </a:rPr>
+              <a:t>(K, (6, 1)), (K, (7, 1))</a:t>
+            </a:r>
+          </a:p>
+          <a:p>
+            <a:pPr>
+              <a:spcBef>
+                <a:spcPts val="600"/>
+              </a:spcBef>
+            </a:pPr>
+            <a:r>
+              <a:rPr lang="en-US" sz="3200" dirty="0">
+                <a:solidFill>
+                  <a:srgbClr val="0000FF"/>
+                </a:solidFill>
+                <a:latin typeface="Consolas" panose="020B0609020204030204" pitchFamily="49" charset="0"/>
+                <a:cs typeface="Consolas" panose="020B0609020204030204" pitchFamily="49" charset="0"/>
+              </a:rPr>
+              <a:t>Partition-2: </a:t>
+            </a:r>
+            <a:r>
+              <a:rPr lang="en-US" sz="3200" dirty="0">
+                <a:solidFill>
+                  <a:srgbClr val="002060"/>
+                </a:solidFill>
+                <a:latin typeface="Consolas" panose="020B0609020204030204" pitchFamily="49" charset="0"/>
+                <a:cs typeface="Consolas" panose="020B0609020204030204" pitchFamily="49" charset="0"/>
+              </a:rPr>
+              <a:t>(K, (8, 1))</a:t>
+            </a:r>
+          </a:p>
+          <a:p>
+            <a:pPr marL="0" indent="0">
+              <a:spcBef>
+                <a:spcPts val="600"/>
+              </a:spcBef>
+              <a:buNone/>
+            </a:pPr>
+            <a:endParaRPr lang="en-US" sz="3200" dirty="0">
+              <a:solidFill>
+                <a:srgbClr val="002060"/>
+              </a:solidFill>
+              <a:latin typeface="Consolas" panose="020B0609020204030204" pitchFamily="49" charset="0"/>
+              <a:cs typeface="Consolas" panose="020B0609020204030204" pitchFamily="49" charset="0"/>
+            </a:endParaRPr>
+          </a:p>
+          <a:p>
+            <a:pPr>
+              <a:spcBef>
+                <a:spcPts val="600"/>
+              </a:spcBef>
+            </a:pPr>
+            <a:r>
+              <a:rPr lang="en-US" sz="3200" dirty="0">
+                <a:solidFill>
+                  <a:srgbClr val="002060"/>
+                </a:solidFill>
+                <a:latin typeface="Consolas" panose="020B0609020204030204" pitchFamily="49" charset="0"/>
+                <a:cs typeface="Consolas" panose="020B0609020204030204" pitchFamily="49" charset="0"/>
+              </a:rPr>
+              <a:t>Average(</a:t>
+            </a:r>
+            <a:r>
+              <a:rPr lang="en-US" sz="3200" dirty="0">
+                <a:solidFill>
+                  <a:srgbClr val="0000FF"/>
+                </a:solidFill>
+                <a:latin typeface="Consolas" panose="020B0609020204030204" pitchFamily="49" charset="0"/>
+                <a:cs typeface="Consolas" panose="020B0609020204030204" pitchFamily="49" charset="0"/>
+              </a:rPr>
+              <a:t>Partition-1</a:t>
+            </a:r>
+            <a:r>
+              <a:rPr lang="en-US" sz="3200" dirty="0">
+                <a:solidFill>
+                  <a:srgbClr val="002060"/>
+                </a:solidFill>
+                <a:latin typeface="Consolas" panose="020B0609020204030204" pitchFamily="49" charset="0"/>
+                <a:cs typeface="Consolas" panose="020B0609020204030204" pitchFamily="49" charset="0"/>
+              </a:rPr>
+              <a:t>): (K, (6+7, 1+1)) = </a:t>
+            </a:r>
+            <a:r>
+              <a:rPr lang="en-US" sz="3200" dirty="0">
+                <a:solidFill>
+                  <a:srgbClr val="0000FF"/>
+                </a:solidFill>
+                <a:latin typeface="Consolas" panose="020B0609020204030204" pitchFamily="49" charset="0"/>
+                <a:cs typeface="Consolas" panose="020B0609020204030204" pitchFamily="49" charset="0"/>
+              </a:rPr>
+              <a:t>(K, (13, 2))</a:t>
+            </a:r>
+          </a:p>
+          <a:p>
+            <a:pPr>
+              <a:spcBef>
+                <a:spcPts val="600"/>
+              </a:spcBef>
+            </a:pPr>
+            <a:r>
+              <a:rPr lang="en-US" sz="3200" dirty="0">
+                <a:solidFill>
+                  <a:srgbClr val="002060"/>
+                </a:solidFill>
+                <a:latin typeface="Consolas" panose="020B0609020204030204" pitchFamily="49" charset="0"/>
+                <a:cs typeface="Consolas" panose="020B0609020204030204" pitchFamily="49" charset="0"/>
+              </a:rPr>
+              <a:t>Average(</a:t>
+            </a:r>
+            <a:r>
+              <a:rPr lang="en-US" sz="3200" dirty="0">
+                <a:solidFill>
+                  <a:srgbClr val="0000FF"/>
+                </a:solidFill>
+                <a:latin typeface="Consolas" panose="020B0609020204030204" pitchFamily="49" charset="0"/>
+                <a:cs typeface="Consolas" panose="020B0609020204030204" pitchFamily="49" charset="0"/>
+              </a:rPr>
+              <a:t>Partition-2</a:t>
+            </a:r>
+            <a:r>
+              <a:rPr lang="en-US" sz="3200" dirty="0">
+                <a:solidFill>
+                  <a:srgbClr val="002060"/>
+                </a:solidFill>
+                <a:latin typeface="Consolas" panose="020B0609020204030204" pitchFamily="49" charset="0"/>
+                <a:cs typeface="Consolas" panose="020B0609020204030204" pitchFamily="49" charset="0"/>
+              </a:rPr>
+              <a:t>): </a:t>
+            </a:r>
+            <a:r>
+              <a:rPr lang="en-US" sz="3200" dirty="0">
+                <a:solidFill>
+                  <a:srgbClr val="0000FF"/>
+                </a:solidFill>
+                <a:latin typeface="Consolas" panose="020B0609020204030204" pitchFamily="49" charset="0"/>
+                <a:cs typeface="Consolas" panose="020B0609020204030204" pitchFamily="49" charset="0"/>
+              </a:rPr>
+              <a:t>(K, (8, 1))</a:t>
+            </a:r>
+          </a:p>
+          <a:p>
+            <a:pPr>
+              <a:spcBef>
+                <a:spcPts val="600"/>
+              </a:spcBef>
+            </a:pPr>
+            <a:endParaRPr lang="en-US" sz="3200" dirty="0">
+              <a:solidFill>
+                <a:srgbClr val="002060"/>
+              </a:solidFill>
+              <a:latin typeface="Consolas" panose="020B0609020204030204" pitchFamily="49" charset="0"/>
+              <a:cs typeface="Consolas" panose="020B0609020204030204" pitchFamily="49" charset="0"/>
+            </a:endParaRPr>
+          </a:p>
+          <a:p>
+            <a:pPr>
+              <a:spcBef>
+                <a:spcPts val="600"/>
+              </a:spcBef>
+            </a:pPr>
+            <a:r>
+              <a:rPr lang="en-US" sz="3200" b="1" dirty="0">
+                <a:solidFill>
+                  <a:srgbClr val="0070C0"/>
+                </a:solidFill>
+                <a:latin typeface="Consolas" panose="020B0609020204030204" pitchFamily="49" charset="0"/>
+                <a:cs typeface="Consolas" panose="020B0609020204030204" pitchFamily="49" charset="0"/>
+              </a:rPr>
+              <a:t>Average(</a:t>
+            </a:r>
+            <a:r>
+              <a:rPr lang="en-US" sz="3200" dirty="0">
+                <a:solidFill>
+                  <a:srgbClr val="0000FF"/>
+                </a:solidFill>
+                <a:latin typeface="Consolas" panose="020B0609020204030204" pitchFamily="49" charset="0"/>
+                <a:cs typeface="Consolas" panose="020B0609020204030204" pitchFamily="49" charset="0"/>
+              </a:rPr>
+              <a:t>Partition-1</a:t>
+            </a:r>
+            <a:r>
+              <a:rPr lang="en-US" sz="3200" b="1" dirty="0">
+                <a:solidFill>
+                  <a:srgbClr val="0070C0"/>
+                </a:solidFill>
+                <a:latin typeface="Consolas" panose="020B0609020204030204" pitchFamily="49" charset="0"/>
+                <a:cs typeface="Consolas" panose="020B0609020204030204" pitchFamily="49" charset="0"/>
+              </a:rPr>
+              <a:t>, </a:t>
+            </a:r>
+            <a:r>
+              <a:rPr lang="en-US" sz="3200" dirty="0">
+                <a:solidFill>
+                  <a:srgbClr val="0000FF"/>
+                </a:solidFill>
+                <a:latin typeface="Consolas" panose="020B0609020204030204" pitchFamily="49" charset="0"/>
+                <a:cs typeface="Consolas" panose="020B0609020204030204" pitchFamily="49" charset="0"/>
+              </a:rPr>
+              <a:t>Partition-2</a:t>
+            </a:r>
+            <a:r>
+              <a:rPr lang="en-US" sz="3200" b="1" dirty="0">
+                <a:solidFill>
+                  <a:srgbClr val="0070C0"/>
+                </a:solidFill>
+                <a:latin typeface="Consolas" panose="020B0609020204030204" pitchFamily="49" charset="0"/>
+                <a:cs typeface="Consolas" panose="020B0609020204030204" pitchFamily="49" charset="0"/>
+              </a:rPr>
+              <a:t>) = </a:t>
+            </a:r>
+          </a:p>
+          <a:p>
+            <a:pPr marL="0" indent="0">
+              <a:spcBef>
+                <a:spcPts val="600"/>
+              </a:spcBef>
+              <a:buNone/>
+            </a:pPr>
+            <a:r>
+              <a:rPr lang="en-US" sz="3200" dirty="0">
+                <a:solidFill>
+                  <a:srgbClr val="002060"/>
+                </a:solidFill>
+                <a:latin typeface="Consolas" panose="020B0609020204030204" pitchFamily="49" charset="0"/>
+                <a:cs typeface="Consolas" panose="020B0609020204030204" pitchFamily="49" charset="0"/>
+              </a:rPr>
+              <a:t>(K, (13+8, 2+1)) = </a:t>
+            </a:r>
+          </a:p>
+          <a:p>
+            <a:pPr marL="0" indent="0">
+              <a:spcBef>
+                <a:spcPts val="600"/>
+              </a:spcBef>
+              <a:buNone/>
+            </a:pPr>
+            <a:r>
+              <a:rPr lang="en-US" sz="3200" dirty="0">
+                <a:solidFill>
+                  <a:srgbClr val="002060"/>
+                </a:solidFill>
+                <a:latin typeface="Consolas" panose="020B0609020204030204" pitchFamily="49" charset="0"/>
+                <a:cs typeface="Consolas" panose="020B0609020204030204" pitchFamily="49" charset="0"/>
+              </a:rPr>
+              <a:t>(K, (21, 3)) = </a:t>
+            </a:r>
+          </a:p>
+          <a:p>
+            <a:pPr marL="0" indent="0">
+              <a:spcBef>
+                <a:spcPts val="600"/>
+              </a:spcBef>
+              <a:buNone/>
+            </a:pPr>
+            <a:r>
+              <a:rPr lang="en-US" sz="3200" dirty="0">
+                <a:solidFill>
+                  <a:srgbClr val="002060"/>
+                </a:solidFill>
+                <a:latin typeface="Consolas" panose="020B0609020204030204" pitchFamily="49" charset="0"/>
+                <a:cs typeface="Consolas" panose="020B0609020204030204" pitchFamily="49" charset="0"/>
+              </a:rPr>
+              <a:t>(K, (sum, count))</a:t>
+            </a:r>
+          </a:p>
+          <a:p>
+            <a:pPr marL="0" indent="0">
+              <a:spcBef>
+                <a:spcPts val="600"/>
+              </a:spcBef>
+              <a:buNone/>
+            </a:pPr>
+            <a:r>
+              <a:rPr lang="en-US" sz="3200" dirty="0">
+                <a:solidFill>
+                  <a:srgbClr val="002060"/>
+                </a:solidFill>
+                <a:latin typeface="Consolas" panose="020B0609020204030204" pitchFamily="49" charset="0"/>
+                <a:cs typeface="Consolas" panose="020B0609020204030204" pitchFamily="49" charset="0"/>
+              </a:rPr>
+              <a:t>=&gt; (K, 21/3) = </a:t>
+            </a:r>
+            <a:r>
+              <a:rPr lang="en-US" sz="4000" dirty="0">
+                <a:solidFill>
+                  <a:srgbClr val="0000FF"/>
+                </a:solidFill>
+                <a:latin typeface="Consolas" panose="020B0609020204030204" pitchFamily="49" charset="0"/>
+                <a:cs typeface="Consolas" panose="020B0609020204030204" pitchFamily="49" charset="0"/>
+              </a:rPr>
+              <a:t>(K, 7)</a:t>
+            </a:r>
+            <a:endParaRPr lang="en-US" sz="3200" dirty="0">
+              <a:solidFill>
+                <a:srgbClr val="0000FF"/>
+              </a:solidFill>
+              <a:latin typeface="Consolas" panose="020B0609020204030204" pitchFamily="49" charset="0"/>
+              <a:cs typeface="Consolas" panose="020B0609020204030204" pitchFamily="49" charset="0"/>
+            </a:endParaRPr>
+          </a:p>
+        </p:txBody>
+      </p:sp>
+    </p:spTree>
+    <p:extLst>
+      <p:ext uri="{BB962C8B-B14F-4D97-AF65-F5344CB8AC3E}">
+        <p14:creationId xmlns:p14="http://schemas.microsoft.com/office/powerpoint/2010/main" val="2553732926"/>
+      </p:ext>
+    </p:extLst>
+  </p:cSld>
+  <p:clrMapOvr>
+    <a:masterClrMapping/>
+  </p:clrMapOvr>
+</p:sld>
+</file>
+
+<file path=ppt/slides/slide27.xml><?xml version="1.0" encoding="utf-8"?>
+<p:sld xmlns:a="http://schemas.openxmlformats.org/drawingml/2006/main" xmlns:r="http://schemas.openxmlformats.org/officeDocument/2006/relationships" xmlns:p="http://schemas.openxmlformats.org/presentationml/2006/main">
+  <p:cSld>
+    <p:spTree>
+      <p:nvGrpSpPr>
+        <p:cNvPr id="1" name=""/>
+        <p:cNvGrpSpPr/>
+        <p:nvPr/>
+      </p:nvGrpSpPr>
+      <p:grpSpPr>
+        <a:xfrm>
+          <a:off x="0" y="0"/>
+          <a:ext cx="0" cy="0"/>
+          <a:chOff x="0" y="0"/>
+          <a:chExt cx="0" cy="0"/>
+        </a:xfrm>
+      </p:grpSpPr>
+      <p:sp>
+        <p:nvSpPr>
+          <p:cNvPr id="2" name="Title 1">
+            <a:extLst>
+              <a:ext uri="{FF2B5EF4-FFF2-40B4-BE49-F238E27FC236}">
+                <a16:creationId xmlns:a16="http://schemas.microsoft.com/office/drawing/2014/main" id="{F9F5A895-0231-5A4B-B2AC-CFB4AA99843B}"/>
+              </a:ext>
+            </a:extLst>
+          </p:cNvPr>
+          <p:cNvSpPr>
+            <a:spLocks noGrp="1"/>
+          </p:cNvSpPr>
+          <p:nvPr>
+            <p:ph type="title"/>
+          </p:nvPr>
+        </p:nvSpPr>
+        <p:spPr>
+          <a:xfrm>
+            <a:off x="838200" y="365126"/>
+            <a:ext cx="10515600" cy="706930"/>
+          </a:xfrm>
+        </p:spPr>
+        <p:txBody>
+          <a:bodyPr>
+            <a:noAutofit/>
+          </a:bodyPr>
+          <a:lstStyle/>
+          <a:p>
+            <a:r>
+              <a:rPr lang="en-US" sz="3600" b="1" dirty="0">
+                <a:solidFill>
+                  <a:srgbClr val="002060"/>
+                </a:solidFill>
+                <a:latin typeface="Consolas" panose="020B0609020204030204" pitchFamily="49" charset="0"/>
+                <a:cs typeface="Consolas" panose="020B0609020204030204" pitchFamily="49" charset="0"/>
+              </a:rPr>
+              <a:t>Sample output of Mappers</a:t>
+            </a:r>
+            <a:endParaRPr lang="en-US" sz="3600" dirty="0">
+              <a:solidFill>
+                <a:srgbClr val="002060"/>
+              </a:solidFill>
+            </a:endParaRPr>
+          </a:p>
+        </p:txBody>
+      </p:sp>
+      <p:sp>
+        <p:nvSpPr>
+          <p:cNvPr id="3" name="Content Placeholder 2">
+            <a:extLst>
+              <a:ext uri="{FF2B5EF4-FFF2-40B4-BE49-F238E27FC236}">
+                <a16:creationId xmlns:a16="http://schemas.microsoft.com/office/drawing/2014/main" id="{3BD1778A-B232-474D-BA9E-B44F86DC7DBB}"/>
+              </a:ext>
+            </a:extLst>
+          </p:cNvPr>
+          <p:cNvSpPr>
+            <a:spLocks noGrp="1"/>
+          </p:cNvSpPr>
+          <p:nvPr>
+            <p:ph idx="1"/>
+          </p:nvPr>
+        </p:nvSpPr>
+        <p:spPr>
+          <a:xfrm>
+            <a:off x="838199" y="1271752"/>
+            <a:ext cx="10786241" cy="4905211"/>
+          </a:xfrm>
+        </p:spPr>
+        <p:txBody>
+          <a:bodyPr>
+            <a:normAutofit/>
+          </a:bodyPr>
+          <a:lstStyle/>
+          <a:p>
+            <a:pPr>
+              <a:spcBef>
+                <a:spcPts val="600"/>
+              </a:spcBef>
+            </a:pPr>
+            <a:r>
+              <a:rPr lang="en-US" sz="3200" dirty="0">
+                <a:solidFill>
+                  <a:srgbClr val="0000FF"/>
+                </a:solidFill>
+                <a:latin typeface="Consolas" panose="020B0609020204030204" pitchFamily="49" charset="0"/>
+                <a:cs typeface="Consolas" panose="020B0609020204030204" pitchFamily="49" charset="0"/>
+              </a:rPr>
+              <a:t>Let say we have 2 partitions:</a:t>
+            </a:r>
+          </a:p>
+          <a:p>
+            <a:pPr lvl="1">
+              <a:spcBef>
+                <a:spcPts val="600"/>
+              </a:spcBef>
+            </a:pPr>
+            <a:r>
+              <a:rPr lang="en-US" sz="2933" dirty="0">
+                <a:solidFill>
+                  <a:srgbClr val="0000FF"/>
+                </a:solidFill>
+                <a:latin typeface="Consolas" panose="020B0609020204030204" pitchFamily="49" charset="0"/>
+                <a:cs typeface="Consolas" panose="020B0609020204030204" pitchFamily="49" charset="0"/>
+              </a:rPr>
+              <a:t> </a:t>
+            </a:r>
+            <a:r>
+              <a:rPr lang="en-US" sz="2933" dirty="0">
+                <a:solidFill>
+                  <a:schemeClr val="tx2"/>
+                </a:solidFill>
+                <a:latin typeface="Consolas" panose="020B0609020204030204" pitchFamily="49" charset="0"/>
+                <a:cs typeface="Consolas" panose="020B0609020204030204" pitchFamily="49" charset="0"/>
+              </a:rPr>
+              <a:t>Partition-1</a:t>
+            </a:r>
+            <a:r>
+              <a:rPr lang="en-US" sz="2933" dirty="0">
+                <a:solidFill>
+                  <a:srgbClr val="0000FF"/>
+                </a:solidFill>
+                <a:latin typeface="Consolas" panose="020B0609020204030204" pitchFamily="49" charset="0"/>
+                <a:cs typeface="Consolas" panose="020B0609020204030204" pitchFamily="49" charset="0"/>
+              </a:rPr>
+              <a:t>: </a:t>
+            </a:r>
+            <a:r>
+              <a:rPr lang="en-US" sz="2933" dirty="0">
+                <a:solidFill>
+                  <a:srgbClr val="002060"/>
+                </a:solidFill>
+                <a:latin typeface="Consolas" panose="020B0609020204030204" pitchFamily="49" charset="0"/>
+                <a:cs typeface="Consolas" panose="020B0609020204030204" pitchFamily="49" charset="0"/>
+              </a:rPr>
+              <a:t>(K, (6, 1)), (K, (7, 1))</a:t>
+            </a:r>
+          </a:p>
+          <a:p>
+            <a:pPr lvl="1">
+              <a:spcBef>
+                <a:spcPts val="600"/>
+              </a:spcBef>
+            </a:pPr>
+            <a:r>
+              <a:rPr lang="en-US" sz="2933" dirty="0">
+                <a:solidFill>
+                  <a:srgbClr val="0000FF"/>
+                </a:solidFill>
+                <a:latin typeface="Consolas" panose="020B0609020204030204" pitchFamily="49" charset="0"/>
+                <a:cs typeface="Consolas" panose="020B0609020204030204" pitchFamily="49" charset="0"/>
+              </a:rPr>
+              <a:t> </a:t>
+            </a:r>
+            <a:r>
+              <a:rPr lang="en-US" sz="2933" dirty="0">
+                <a:solidFill>
+                  <a:schemeClr val="tx2"/>
+                </a:solidFill>
+                <a:latin typeface="Consolas" panose="020B0609020204030204" pitchFamily="49" charset="0"/>
+                <a:cs typeface="Consolas" panose="020B0609020204030204" pitchFamily="49" charset="0"/>
+              </a:rPr>
+              <a:t>Partition-2</a:t>
+            </a:r>
+            <a:r>
+              <a:rPr lang="en-US" sz="2933" dirty="0">
+                <a:solidFill>
+                  <a:srgbClr val="0000FF"/>
+                </a:solidFill>
+                <a:latin typeface="Consolas" panose="020B0609020204030204" pitchFamily="49" charset="0"/>
+                <a:cs typeface="Consolas" panose="020B0609020204030204" pitchFamily="49" charset="0"/>
+              </a:rPr>
+              <a:t>: </a:t>
+            </a:r>
+            <a:r>
+              <a:rPr lang="en-US" sz="2933" dirty="0">
+                <a:solidFill>
+                  <a:srgbClr val="002060"/>
+                </a:solidFill>
+                <a:latin typeface="Consolas" panose="020B0609020204030204" pitchFamily="49" charset="0"/>
+                <a:cs typeface="Consolas" panose="020B0609020204030204" pitchFamily="49" charset="0"/>
+              </a:rPr>
+              <a:t>(K, (8, 1))</a:t>
+            </a:r>
+          </a:p>
+          <a:p>
+            <a:pPr marL="0" indent="0">
+              <a:spcBef>
+                <a:spcPts val="600"/>
+              </a:spcBef>
+              <a:buNone/>
+            </a:pPr>
+            <a:endParaRPr lang="en-US" sz="3200" dirty="0">
+              <a:solidFill>
+                <a:srgbClr val="002060"/>
+              </a:solidFill>
+              <a:latin typeface="Consolas" panose="020B0609020204030204" pitchFamily="49" charset="0"/>
+              <a:cs typeface="Consolas" panose="020B0609020204030204" pitchFamily="49" charset="0"/>
+            </a:endParaRPr>
+          </a:p>
+          <a:p>
+            <a:pPr>
+              <a:spcBef>
+                <a:spcPts val="600"/>
+              </a:spcBef>
+            </a:pPr>
+            <a:r>
+              <a:rPr lang="en-US" sz="2800" dirty="0">
+                <a:solidFill>
+                  <a:srgbClr val="002060"/>
+                </a:solidFill>
+                <a:latin typeface="Consolas" panose="020B0609020204030204" pitchFamily="49" charset="0"/>
+                <a:cs typeface="Consolas" panose="020B0609020204030204" pitchFamily="49" charset="0"/>
+              </a:rPr>
+              <a:t>combine(Partition-1): (K, (6+7, 1+1)) = </a:t>
+            </a:r>
+            <a:r>
+              <a:rPr lang="en-US" sz="2800" dirty="0">
+                <a:solidFill>
+                  <a:srgbClr val="0000FF"/>
+                </a:solidFill>
+                <a:latin typeface="Consolas" panose="020B0609020204030204" pitchFamily="49" charset="0"/>
+                <a:cs typeface="Consolas" panose="020B0609020204030204" pitchFamily="49" charset="0"/>
+              </a:rPr>
+              <a:t>(K, (13, 2))</a:t>
+            </a:r>
+          </a:p>
+          <a:p>
+            <a:pPr>
+              <a:spcBef>
+                <a:spcPts val="600"/>
+              </a:spcBef>
+            </a:pPr>
+            <a:r>
+              <a:rPr lang="en-US" sz="2800" dirty="0">
+                <a:solidFill>
+                  <a:srgbClr val="002060"/>
+                </a:solidFill>
+                <a:latin typeface="Consolas" panose="020B0609020204030204" pitchFamily="49" charset="0"/>
+                <a:cs typeface="Consolas" panose="020B0609020204030204" pitchFamily="49" charset="0"/>
+              </a:rPr>
+              <a:t>combine(Partition-2): </a:t>
+            </a:r>
+            <a:r>
+              <a:rPr lang="en-US" sz="2800" dirty="0">
+                <a:solidFill>
+                  <a:srgbClr val="0000FF"/>
+                </a:solidFill>
+                <a:latin typeface="Consolas" panose="020B0609020204030204" pitchFamily="49" charset="0"/>
+                <a:cs typeface="Consolas" panose="020B0609020204030204" pitchFamily="49" charset="0"/>
+              </a:rPr>
+              <a:t>(K, (8, 1))</a:t>
+            </a:r>
+          </a:p>
+          <a:p>
+            <a:pPr marL="0" indent="0">
+              <a:spcBef>
+                <a:spcPts val="600"/>
+              </a:spcBef>
+              <a:buNone/>
+            </a:pPr>
+            <a:endParaRPr lang="en-US" sz="3200" dirty="0">
+              <a:solidFill>
+                <a:srgbClr val="002060"/>
+              </a:solidFill>
+              <a:latin typeface="Consolas" panose="020B0609020204030204" pitchFamily="49" charset="0"/>
+              <a:cs typeface="Consolas" panose="020B0609020204030204" pitchFamily="49" charset="0"/>
+            </a:endParaRPr>
+          </a:p>
+        </p:txBody>
+      </p:sp>
+    </p:spTree>
+    <p:extLst>
+      <p:ext uri="{BB962C8B-B14F-4D97-AF65-F5344CB8AC3E}">
+        <p14:creationId xmlns:p14="http://schemas.microsoft.com/office/powerpoint/2010/main" val="3416100664"/>
+      </p:ext>
+    </p:extLst>
+  </p:cSld>
+  <p:clrMapOvr>
+    <a:masterClrMapping/>
+  </p:clrMapOvr>
+</p:sld>
+</file>
+
+<file path=ppt/slides/slide28.xml><?xml version="1.0" encoding="utf-8"?>
+<p:sld xmlns:a="http://schemas.openxmlformats.org/drawingml/2006/main" xmlns:r="http://schemas.openxmlformats.org/officeDocument/2006/relationships" xmlns:p="http://schemas.openxmlformats.org/presentationml/2006/main">
+  <p:cSld>
+    <p:spTree>
+      <p:nvGrpSpPr>
+        <p:cNvPr id="1" name=""/>
+        <p:cNvGrpSpPr/>
+        <p:nvPr/>
+      </p:nvGrpSpPr>
+      <p:grpSpPr>
+        <a:xfrm>
+          <a:off x="0" y="0"/>
+          <a:ext cx="0" cy="0"/>
+          <a:chOff x="0" y="0"/>
+          <a:chExt cx="0" cy="0"/>
+        </a:xfrm>
+      </p:grpSpPr>
+      <p:sp>
+        <p:nvSpPr>
+          <p:cNvPr id="2" name="Title 1">
+            <a:extLst>
+              <a:ext uri="{FF2B5EF4-FFF2-40B4-BE49-F238E27FC236}">
+                <a16:creationId xmlns:a16="http://schemas.microsoft.com/office/drawing/2014/main" id="{F9F5A895-0231-5A4B-B2AC-CFB4AA99843B}"/>
+              </a:ext>
+            </a:extLst>
+          </p:cNvPr>
+          <p:cNvSpPr>
+            <a:spLocks noGrp="1"/>
+          </p:cNvSpPr>
+          <p:nvPr>
+            <p:ph type="title"/>
+          </p:nvPr>
+        </p:nvSpPr>
+        <p:spPr>
+          <a:xfrm>
+            <a:off x="838200" y="365126"/>
+            <a:ext cx="10515600" cy="706930"/>
+          </a:xfrm>
+        </p:spPr>
+        <p:txBody>
+          <a:bodyPr>
+            <a:noAutofit/>
+          </a:bodyPr>
+          <a:lstStyle/>
+          <a:p>
+            <a:r>
+              <a:rPr lang="en-US" sz="3600" b="1" dirty="0">
+                <a:solidFill>
+                  <a:srgbClr val="002060"/>
+                </a:solidFill>
+                <a:latin typeface="Consolas" panose="020B0609020204030204" pitchFamily="49" charset="0"/>
+                <a:cs typeface="Consolas" panose="020B0609020204030204" pitchFamily="49" charset="0"/>
+              </a:rPr>
+              <a:t>Combine must be Associative &amp; Commutative</a:t>
+            </a:r>
+            <a:endParaRPr lang="en-US" sz="3600" dirty="0">
+              <a:solidFill>
+                <a:srgbClr val="002060"/>
+              </a:solidFill>
+            </a:endParaRPr>
+          </a:p>
+        </p:txBody>
+      </p:sp>
+      <p:sp>
+        <p:nvSpPr>
+          <p:cNvPr id="3" name="Content Placeholder 2">
+            <a:extLst>
+              <a:ext uri="{FF2B5EF4-FFF2-40B4-BE49-F238E27FC236}">
+                <a16:creationId xmlns:a16="http://schemas.microsoft.com/office/drawing/2014/main" id="{3BD1778A-B232-474D-BA9E-B44F86DC7DBB}"/>
+              </a:ext>
+            </a:extLst>
+          </p:cNvPr>
+          <p:cNvSpPr>
+            <a:spLocks noGrp="1"/>
+          </p:cNvSpPr>
+          <p:nvPr>
+            <p:ph idx="1"/>
+          </p:nvPr>
+        </p:nvSpPr>
+        <p:spPr>
+          <a:xfrm>
+            <a:off x="838199" y="1271752"/>
+            <a:ext cx="10786241" cy="4905211"/>
+          </a:xfrm>
+        </p:spPr>
+        <p:txBody>
+          <a:bodyPr>
+            <a:normAutofit/>
+          </a:bodyPr>
+          <a:lstStyle/>
+          <a:p>
+            <a:pPr marL="0" indent="0">
+              <a:spcBef>
+                <a:spcPts val="600"/>
+              </a:spcBef>
+              <a:buNone/>
+            </a:pPr>
+            <a:r>
+              <a:rPr lang="en-US" sz="3200" b="1" u="sng" dirty="0">
+                <a:solidFill>
+                  <a:srgbClr val="002060"/>
+                </a:solidFill>
+                <a:latin typeface="Consolas" panose="020B0609020204030204" pitchFamily="49" charset="0"/>
+                <a:cs typeface="Consolas" panose="020B0609020204030204" pitchFamily="49" charset="0"/>
+              </a:rPr>
+              <a:t>Commutative:</a:t>
+            </a:r>
+          </a:p>
+          <a:p>
+            <a:pPr marL="0" indent="0">
+              <a:spcBef>
+                <a:spcPts val="600"/>
+              </a:spcBef>
+              <a:buNone/>
+            </a:pPr>
+            <a:r>
+              <a:rPr lang="en-US" sz="2200" b="1" dirty="0">
+                <a:solidFill>
+                  <a:srgbClr val="002060"/>
+                </a:solidFill>
+                <a:highlight>
+                  <a:srgbClr val="FFFF00"/>
+                </a:highlight>
+                <a:latin typeface="Consolas" panose="020B0609020204030204" pitchFamily="49" charset="0"/>
+                <a:cs typeface="Consolas" panose="020B0609020204030204" pitchFamily="49" charset="0"/>
+              </a:rPr>
+              <a:t>F(a, b) = F(b, a)</a:t>
+            </a:r>
+          </a:p>
+          <a:p>
+            <a:pPr marL="0" indent="0">
+              <a:spcBef>
+                <a:spcPts val="600"/>
+              </a:spcBef>
+              <a:buNone/>
+            </a:pPr>
+            <a:r>
+              <a:rPr lang="en-US" sz="2200" b="1" dirty="0">
+                <a:solidFill>
+                  <a:srgbClr val="002060"/>
+                </a:solidFill>
+                <a:latin typeface="Consolas" panose="020B0609020204030204" pitchFamily="49" charset="0"/>
+                <a:cs typeface="Consolas" panose="020B0609020204030204" pitchFamily="49" charset="0"/>
+              </a:rPr>
+              <a:t>(sum1, count1) + (sum2, count2) = (sum2, count2)  + (sum1, count1) </a:t>
+            </a:r>
+            <a:endParaRPr lang="en-US" sz="2200" dirty="0">
+              <a:solidFill>
+                <a:srgbClr val="002060"/>
+              </a:solidFill>
+              <a:latin typeface="Consolas" panose="020B0609020204030204" pitchFamily="49" charset="0"/>
+              <a:cs typeface="Consolas" panose="020B0609020204030204" pitchFamily="49" charset="0"/>
+            </a:endParaRPr>
+          </a:p>
+          <a:p>
+            <a:pPr>
+              <a:spcBef>
+                <a:spcPts val="600"/>
+              </a:spcBef>
+            </a:pPr>
+            <a:endParaRPr lang="en-US" sz="2800" dirty="0">
+              <a:solidFill>
+                <a:srgbClr val="002060"/>
+              </a:solidFill>
+              <a:latin typeface="Consolas" panose="020B0609020204030204" pitchFamily="49" charset="0"/>
+              <a:cs typeface="Consolas" panose="020B0609020204030204" pitchFamily="49" charset="0"/>
+            </a:endParaRPr>
+          </a:p>
+          <a:p>
+            <a:pPr marL="0" indent="0">
+              <a:spcBef>
+                <a:spcPts val="600"/>
+              </a:spcBef>
+              <a:buNone/>
+            </a:pPr>
+            <a:r>
+              <a:rPr lang="en-US" sz="2800" b="1" u="sng" dirty="0">
+                <a:solidFill>
+                  <a:srgbClr val="002060"/>
+                </a:solidFill>
+                <a:latin typeface="Consolas" panose="020B0609020204030204" pitchFamily="49" charset="0"/>
+                <a:cs typeface="Consolas" panose="020B0609020204030204" pitchFamily="49" charset="0"/>
+              </a:rPr>
+              <a:t>Associative:</a:t>
+            </a:r>
+          </a:p>
+          <a:p>
+            <a:pPr marL="0" indent="0">
+              <a:spcBef>
+                <a:spcPts val="600"/>
+              </a:spcBef>
+              <a:buNone/>
+            </a:pPr>
+            <a:r>
+              <a:rPr lang="en-US" sz="2200" b="1" dirty="0">
+                <a:solidFill>
+                  <a:srgbClr val="002060"/>
+                </a:solidFill>
+                <a:highlight>
+                  <a:srgbClr val="FFFF00"/>
+                </a:highlight>
+                <a:latin typeface="Consolas" panose="020B0609020204030204" pitchFamily="49" charset="0"/>
+                <a:cs typeface="Consolas" panose="020B0609020204030204" pitchFamily="49" charset="0"/>
+              </a:rPr>
+              <a:t>F(a, F(b, c) = F(F(a, b), c)</a:t>
+            </a:r>
+          </a:p>
+          <a:p>
+            <a:pPr marL="0" indent="0">
+              <a:spcBef>
+                <a:spcPts val="600"/>
+              </a:spcBef>
+              <a:buNone/>
+            </a:pPr>
+            <a:r>
+              <a:rPr lang="en-US" sz="2200" b="1" dirty="0">
+                <a:solidFill>
+                  <a:srgbClr val="002060"/>
+                </a:solidFill>
+                <a:latin typeface="Consolas" panose="020B0609020204030204" pitchFamily="49" charset="0"/>
+                <a:cs typeface="Consolas" panose="020B0609020204030204" pitchFamily="49" charset="0"/>
+              </a:rPr>
+              <a:t>(sum1, count1) + ((sum2, count2) + (sum3, count3)) = </a:t>
+            </a:r>
+          </a:p>
+          <a:p>
+            <a:pPr marL="0" indent="0">
+              <a:spcBef>
+                <a:spcPts val="600"/>
+              </a:spcBef>
+              <a:buNone/>
+            </a:pPr>
+            <a:r>
+              <a:rPr lang="en-US" sz="2200" b="1" dirty="0">
+                <a:solidFill>
+                  <a:srgbClr val="002060"/>
+                </a:solidFill>
+                <a:latin typeface="Consolas" panose="020B0609020204030204" pitchFamily="49" charset="0"/>
+                <a:cs typeface="Consolas" panose="020B0609020204030204" pitchFamily="49" charset="0"/>
+              </a:rPr>
+              <a:t>((sum1, count1) + (sum2, count2)) + (sum3, count3)</a:t>
+            </a:r>
+          </a:p>
+          <a:p>
+            <a:pPr marL="0" indent="0">
+              <a:spcBef>
+                <a:spcPts val="600"/>
+              </a:spcBef>
+              <a:buNone/>
+            </a:pPr>
+            <a:endParaRPr lang="en-US" sz="3200" dirty="0">
+              <a:solidFill>
+                <a:srgbClr val="002060"/>
+              </a:solidFill>
+              <a:latin typeface="Consolas" panose="020B0609020204030204" pitchFamily="49" charset="0"/>
+              <a:cs typeface="Consolas" panose="020B0609020204030204" pitchFamily="49" charset="0"/>
+            </a:endParaRPr>
+          </a:p>
+        </p:txBody>
+      </p:sp>
+    </p:spTree>
+    <p:extLst>
+      <p:ext uri="{BB962C8B-B14F-4D97-AF65-F5344CB8AC3E}">
+        <p14:creationId xmlns:p14="http://schemas.microsoft.com/office/powerpoint/2010/main" val="3531852039"/>
+      </p:ext>
+    </p:extLst>
+  </p:cSld>
+  <p:clrMapOvr>
+    <a:masterClrMapping/>
+  </p:clrMapOvr>
+</p:sld>
+</file>
+
+<file path=ppt/slides/slide29.xml><?xml version="1.0" encoding="utf-8"?>
+<p:sld xmlns:a="http://schemas.openxmlformats.org/drawingml/2006/main" xmlns:r="http://schemas.openxmlformats.org/officeDocument/2006/relationships" xmlns:p="http://schemas.openxmlformats.org/presentationml/2006/main">
+  <p:cSld>
+    <p:spTree>
+      <p:nvGrpSpPr>
+        <p:cNvPr id="1" name=""/>
+        <p:cNvGrpSpPr/>
+        <p:nvPr/>
+      </p:nvGrpSpPr>
+      <p:grpSpPr>
+        <a:xfrm>
+          <a:off x="0" y="0"/>
+          <a:ext cx="0" cy="0"/>
+          <a:chOff x="0" y="0"/>
+          <a:chExt cx="0" cy="0"/>
+        </a:xfrm>
+      </p:grpSpPr>
+      <p:sp>
+        <p:nvSpPr>
+          <p:cNvPr id="2" name="Title 1">
+            <a:extLst>
+              <a:ext uri="{FF2B5EF4-FFF2-40B4-BE49-F238E27FC236}">
+                <a16:creationId xmlns:a16="http://schemas.microsoft.com/office/drawing/2014/main" id="{F9F5A895-0231-5A4B-B2AC-CFB4AA99843B}"/>
+              </a:ext>
+            </a:extLst>
+          </p:cNvPr>
+          <p:cNvSpPr>
+            <a:spLocks noGrp="1"/>
+          </p:cNvSpPr>
+          <p:nvPr>
+            <p:ph type="title"/>
+          </p:nvPr>
+        </p:nvSpPr>
+        <p:spPr>
+          <a:xfrm>
+            <a:off x="838200" y="365126"/>
+            <a:ext cx="10515600" cy="706930"/>
+          </a:xfrm>
+        </p:spPr>
+        <p:txBody>
+          <a:bodyPr>
+            <a:noAutofit/>
+          </a:bodyPr>
+          <a:lstStyle/>
+          <a:p>
+            <a:r>
+              <a:rPr lang="en-US" sz="3600" b="1" dirty="0">
+                <a:solidFill>
+                  <a:srgbClr val="002060"/>
+                </a:solidFill>
+                <a:latin typeface="Consolas" panose="020B0609020204030204" pitchFamily="49" charset="0"/>
+                <a:cs typeface="Consolas" panose="020B0609020204030204" pitchFamily="49" charset="0"/>
+              </a:rPr>
+              <a:t>Tuples in Python</a:t>
+            </a:r>
+            <a:endParaRPr lang="en-US" sz="3600" dirty="0">
+              <a:solidFill>
+                <a:srgbClr val="002060"/>
+              </a:solidFill>
+            </a:endParaRPr>
+          </a:p>
+        </p:txBody>
+      </p:sp>
+      <p:sp>
+        <p:nvSpPr>
+          <p:cNvPr id="3" name="Content Placeholder 2">
+            <a:extLst>
+              <a:ext uri="{FF2B5EF4-FFF2-40B4-BE49-F238E27FC236}">
+                <a16:creationId xmlns:a16="http://schemas.microsoft.com/office/drawing/2014/main" id="{3BD1778A-B232-474D-BA9E-B44F86DC7DBB}"/>
+              </a:ext>
+            </a:extLst>
+          </p:cNvPr>
+          <p:cNvSpPr>
+            <a:spLocks noGrp="1"/>
+          </p:cNvSpPr>
+          <p:nvPr>
+            <p:ph idx="1"/>
+          </p:nvPr>
+        </p:nvSpPr>
+        <p:spPr>
+          <a:xfrm>
+            <a:off x="838200" y="1271752"/>
+            <a:ext cx="10681138" cy="4905211"/>
+          </a:xfrm>
+        </p:spPr>
+        <p:txBody>
+          <a:bodyPr>
+            <a:normAutofit/>
+          </a:bodyPr>
+          <a:lstStyle/>
+          <a:p>
+            <a:pPr marL="0" indent="0">
+              <a:spcBef>
+                <a:spcPts val="600"/>
+              </a:spcBef>
+              <a:buNone/>
+            </a:pPr>
+            <a:r>
+              <a:rPr lang="en-US" sz="4800" dirty="0">
+                <a:solidFill>
+                  <a:srgbClr val="0000FF"/>
+                </a:solidFill>
+                <a:latin typeface="Consolas" panose="020B0609020204030204" pitchFamily="49" charset="0"/>
+                <a:cs typeface="Consolas" panose="020B0609020204030204" pitchFamily="49" charset="0"/>
+              </a:rPr>
+              <a:t>&gt;&gt;&gt; a = (78, 3)</a:t>
+            </a:r>
+          </a:p>
+          <a:p>
+            <a:pPr marL="0" indent="0">
+              <a:spcBef>
+                <a:spcPts val="600"/>
+              </a:spcBef>
+              <a:buNone/>
+            </a:pPr>
+            <a:r>
+              <a:rPr lang="en-US" sz="4800" dirty="0">
+                <a:solidFill>
+                  <a:srgbClr val="0000FF"/>
+                </a:solidFill>
+                <a:latin typeface="Consolas" panose="020B0609020204030204" pitchFamily="49" charset="0"/>
+                <a:cs typeface="Consolas" panose="020B0609020204030204" pitchFamily="49" charset="0"/>
+              </a:rPr>
+              <a:t>&gt;&gt;&gt; a[0]</a:t>
+            </a:r>
+          </a:p>
+          <a:p>
+            <a:pPr marL="0" indent="0">
+              <a:spcBef>
+                <a:spcPts val="600"/>
+              </a:spcBef>
+              <a:buNone/>
+            </a:pPr>
+            <a:r>
+              <a:rPr lang="en-US" sz="4800" dirty="0">
+                <a:solidFill>
+                  <a:srgbClr val="0000FF"/>
+                </a:solidFill>
+                <a:latin typeface="Consolas" panose="020B0609020204030204" pitchFamily="49" charset="0"/>
+                <a:cs typeface="Consolas" panose="020B0609020204030204" pitchFamily="49" charset="0"/>
+              </a:rPr>
+              <a:t>78</a:t>
+            </a:r>
+          </a:p>
+          <a:p>
+            <a:pPr marL="0" indent="0">
+              <a:spcBef>
+                <a:spcPts val="600"/>
+              </a:spcBef>
+              <a:buNone/>
+            </a:pPr>
+            <a:r>
+              <a:rPr lang="en-US" sz="4800" dirty="0">
+                <a:solidFill>
+                  <a:srgbClr val="0000FF"/>
+                </a:solidFill>
+                <a:latin typeface="Consolas" panose="020B0609020204030204" pitchFamily="49" charset="0"/>
+                <a:cs typeface="Consolas" panose="020B0609020204030204" pitchFamily="49" charset="0"/>
+              </a:rPr>
+              <a:t>&gt;&gt;&gt; a[1]</a:t>
+            </a:r>
+          </a:p>
+          <a:p>
+            <a:pPr marL="0" indent="0">
+              <a:spcBef>
+                <a:spcPts val="600"/>
+              </a:spcBef>
+              <a:buNone/>
+            </a:pPr>
+            <a:r>
+              <a:rPr lang="en-US" sz="4800" dirty="0">
+                <a:solidFill>
+                  <a:srgbClr val="0000FF"/>
+                </a:solidFill>
+                <a:latin typeface="Consolas" panose="020B0609020204030204" pitchFamily="49" charset="0"/>
+                <a:cs typeface="Consolas" panose="020B0609020204030204" pitchFamily="49" charset="0"/>
+              </a:rPr>
+              <a:t>3</a:t>
+            </a:r>
+            <a:endParaRPr lang="en-US" sz="4800" dirty="0">
+              <a:solidFill>
+                <a:srgbClr val="002060"/>
+              </a:solidFill>
+              <a:latin typeface="Consolas" panose="020B0609020204030204" pitchFamily="49" charset="0"/>
+              <a:cs typeface="Consolas" panose="020B0609020204030204" pitchFamily="49" charset="0"/>
+            </a:endParaRPr>
+          </a:p>
+        </p:txBody>
+      </p:sp>
+    </p:spTree>
+    <p:extLst>
+      <p:ext uri="{BB962C8B-B14F-4D97-AF65-F5344CB8AC3E}">
+        <p14:creationId xmlns:p14="http://schemas.microsoft.com/office/powerpoint/2010/main" val="313630906"/>
       </p:ext>
     </p:extLst>
   </p:cSld>
@@ -9338,8 +12622,8 @@
         </p:nvSpPr>
         <p:spPr>
           <a:xfrm>
-            <a:off x="838200" y="365127"/>
-            <a:ext cx="10515600" cy="771696"/>
+            <a:off x="838200" y="365126"/>
+            <a:ext cx="10515600" cy="706929"/>
           </a:xfrm>
         </p:spPr>
         <p:txBody>
@@ -9348,7 +12632,7 @@
           <a:p>
             <a:r>
               <a:rPr lang="en-US" dirty="0"/>
-              <a:t>Typical MapReduce Job</a:t>
+              <a:t>MapReduce Job Components</a:t>
             </a:r>
           </a:p>
         </p:txBody>
@@ -9369,58 +12653,781 @@
             <p:ph idx="1"/>
           </p:nvPr>
         </p:nvSpPr>
-        <p:spPr/>
+        <p:spPr>
+          <a:xfrm>
+            <a:off x="838200" y="1145629"/>
+            <a:ext cx="10515600" cy="5031336"/>
+          </a:xfrm>
+        </p:spPr>
         <p:txBody>
           <a:bodyPr>
             <a:normAutofit/>
           </a:bodyPr>
           <a:lstStyle/>
           <a:p>
-            <a:pPr marL="0" indent="0">
-              <a:buNone/>
-            </a:pPr>
-            <a:r>
-              <a:rPr lang="en-US" sz="2800" b="1" dirty="0"/>
-              <a:t>A typical MapReduce job has two functions:</a:t>
-            </a:r>
-          </a:p>
-          <a:p>
-            <a:r>
-              <a:rPr lang="en-US" sz="2800" b="1" dirty="0"/>
-              <a:t>map()</a:t>
-            </a:r>
-          </a:p>
-          <a:p>
-            <a:r>
-              <a:rPr lang="en-US" sz="2800" b="1" dirty="0"/>
-              <a:t>reduce()</a:t>
-            </a:r>
-          </a:p>
-          <a:p>
-            <a:endParaRPr lang="en-US" sz="2800" b="1" dirty="0"/>
-          </a:p>
-          <a:p>
-            <a:pPr marL="0" indent="0">
-              <a:buNone/>
-            </a:pPr>
-            <a:r>
-              <a:rPr lang="en-US" sz="2800" b="1" dirty="0"/>
-              <a:t>But, you can further optimize the output of mappers by adding a combiner function:</a:t>
-            </a:r>
-          </a:p>
-          <a:p>
-            <a:r>
-              <a:rPr lang="en-US" sz="2800" b="1" dirty="0"/>
-              <a:t>combine()</a:t>
-            </a:r>
-            <a:endParaRPr lang="en-US" b="1" dirty="0"/>
+            <a:r>
+              <a:rPr lang="en-US" sz="3200" b="1" dirty="0">
+                <a:solidFill>
+                  <a:srgbClr val="0000FF"/>
+                </a:solidFill>
+              </a:rPr>
+              <a:t>map</a:t>
+            </a:r>
+            <a:r>
+              <a:rPr lang="en-US" sz="3200" dirty="0"/>
+              <a:t>() function</a:t>
+            </a:r>
+          </a:p>
+          <a:p>
+            <a:pPr lvl="1"/>
+            <a:r>
+              <a:rPr lang="en-US" sz="3200" dirty="0"/>
+              <a:t> accept a (key, value)</a:t>
+            </a:r>
+          </a:p>
+          <a:p>
+            <a:pPr lvl="1"/>
+            <a:r>
+              <a:rPr lang="en-US" sz="3200" dirty="0"/>
+              <a:t> convert (key, value) to a set of (key2, value2) pairs</a:t>
+            </a:r>
+          </a:p>
+          <a:p>
+            <a:r>
+              <a:rPr lang="en-US" sz="3200" b="1" dirty="0">
+                <a:solidFill>
+                  <a:srgbClr val="0000FF"/>
+                </a:solidFill>
+              </a:rPr>
+              <a:t>reduce</a:t>
+            </a:r>
+            <a:r>
+              <a:rPr lang="en-US" sz="3200" dirty="0"/>
+              <a:t>() function</a:t>
+            </a:r>
+          </a:p>
+          <a:p>
+            <a:pPr lvl="1"/>
+            <a:r>
+              <a:rPr lang="en-US" sz="3200" dirty="0"/>
+              <a:t> accept (key2, [V_1, V_2, …, </a:t>
+            </a:r>
+            <a:r>
+              <a:rPr lang="en-US" sz="3200" dirty="0" err="1"/>
+              <a:t>V_n</a:t>
+            </a:r>
+            <a:r>
+              <a:rPr lang="en-US" sz="3200" dirty="0"/>
+              <a:t>]) </a:t>
+            </a:r>
+          </a:p>
+          <a:p>
+            <a:pPr lvl="1"/>
+            <a:r>
+              <a:rPr lang="en-US" sz="3200" dirty="0"/>
+              <a:t> convert (key2, [V_1, V_2, …, </a:t>
+            </a:r>
+            <a:r>
+              <a:rPr lang="en-US" sz="3200" dirty="0" err="1"/>
+              <a:t>V_n</a:t>
+            </a:r>
+            <a:r>
+              <a:rPr lang="en-US" sz="3200" dirty="0"/>
+              <a:t>]) </a:t>
+            </a:r>
+          </a:p>
+          <a:p>
+            <a:pPr marL="457189" lvl="1" indent="0">
+              <a:buNone/>
+            </a:pPr>
+            <a:r>
+              <a:rPr lang="en-US" sz="3200" dirty="0"/>
+              <a:t>   to a set of (key3, value3) pairs</a:t>
+            </a:r>
           </a:p>
         </p:txBody>
       </p:sp>
     </p:spTree>
     <p:extLst>
       <p:ext uri="{BB962C8B-B14F-4D97-AF65-F5344CB8AC3E}">
-        <p14:creationId xmlns:p14="http://schemas.microsoft.com/office/powerpoint/2010/main" val="1696486583"/>
+        <p14:creationId xmlns:p14="http://schemas.microsoft.com/office/powerpoint/2010/main" val="2685423942"/>
+      </p:ext>
+    </p:extLst>
+  </p:cSld>
+  <p:clrMapOvr>
+    <a:masterClrMapping/>
+  </p:clrMapOvr>
+</p:sld>
+</file>
+
+<file path=ppt/slides/slide30.xml><?xml version="1.0" encoding="utf-8"?>
+<p:sld xmlns:a="http://schemas.openxmlformats.org/drawingml/2006/main" xmlns:r="http://schemas.openxmlformats.org/officeDocument/2006/relationships" xmlns:p="http://schemas.openxmlformats.org/presentationml/2006/main">
+  <p:cSld>
+    <p:spTree>
+      <p:nvGrpSpPr>
+        <p:cNvPr id="1" name=""/>
+        <p:cNvGrpSpPr/>
+        <p:nvPr/>
+      </p:nvGrpSpPr>
+      <p:grpSpPr>
+        <a:xfrm>
+          <a:off x="0" y="0"/>
+          <a:ext cx="0" cy="0"/>
+          <a:chOff x="0" y="0"/>
+          <a:chExt cx="0" cy="0"/>
+        </a:xfrm>
+      </p:grpSpPr>
+      <p:sp>
+        <p:nvSpPr>
+          <p:cNvPr id="2" name="Title 1">
+            <a:extLst>
+              <a:ext uri="{FF2B5EF4-FFF2-40B4-BE49-F238E27FC236}">
+                <a16:creationId xmlns:a16="http://schemas.microsoft.com/office/drawing/2014/main" id="{D9412A32-9C70-A84C-BD70-6B6F25B705D0}"/>
+              </a:ext>
+            </a:extLst>
+          </p:cNvPr>
+          <p:cNvSpPr>
+            <a:spLocks noGrp="1"/>
+          </p:cNvSpPr>
+          <p:nvPr>
+            <p:ph type="title"/>
+          </p:nvPr>
+        </p:nvSpPr>
+        <p:spPr/>
+        <p:txBody>
+          <a:bodyPr/>
+          <a:lstStyle/>
+          <a:p>
+            <a:r>
+              <a:rPr lang="en-US" dirty="0"/>
+              <a:t>What  to consider for combiners &amp; reducers</a:t>
+            </a:r>
+          </a:p>
+        </p:txBody>
+      </p:sp>
+      <p:sp>
+        <p:nvSpPr>
+          <p:cNvPr id="3" name="Content Placeholder 2">
+            <a:extLst>
+              <a:ext uri="{FF2B5EF4-FFF2-40B4-BE49-F238E27FC236}">
+                <a16:creationId xmlns:a16="http://schemas.microsoft.com/office/drawing/2014/main" id="{F729D696-28C9-7748-ADC9-DFD039AC4408}"/>
+              </a:ext>
+            </a:extLst>
+          </p:cNvPr>
+          <p:cNvSpPr>
+            <a:spLocks noGrp="1"/>
+          </p:cNvSpPr>
+          <p:nvPr>
+            <p:ph idx="1"/>
+          </p:nvPr>
+        </p:nvSpPr>
+        <p:spPr/>
+        <p:txBody>
+          <a:bodyPr>
+            <a:normAutofit fontScale="92500" lnSpcReduction="20000"/>
+          </a:bodyPr>
+          <a:lstStyle/>
+          <a:p>
+            <a:r>
+              <a:rPr lang="en-US" dirty="0"/>
+              <a:t>Make their functions to be </a:t>
+            </a:r>
+            <a:r>
+              <a:rPr lang="en-US" dirty="0">
+                <a:solidFill>
+                  <a:srgbClr val="0000FF"/>
+                </a:solidFill>
+              </a:rPr>
+              <a:t>associative</a:t>
+            </a:r>
+            <a:r>
+              <a:rPr lang="en-US" dirty="0"/>
+              <a:t> and </a:t>
+            </a:r>
+            <a:r>
+              <a:rPr lang="en-US" dirty="0">
+                <a:solidFill>
+                  <a:srgbClr val="0000FF"/>
+                </a:solidFill>
+              </a:rPr>
+              <a:t>commutative</a:t>
+            </a:r>
+            <a:r>
+              <a:rPr lang="en-US" dirty="0"/>
+              <a:t>:</a:t>
+            </a:r>
+          </a:p>
+          <a:p>
+            <a:r>
+              <a:rPr lang="en-US" dirty="0"/>
+              <a:t>Let + be a binary function</a:t>
+            </a:r>
+          </a:p>
+          <a:p>
+            <a:pPr marL="0" indent="0">
+              <a:buNone/>
+            </a:pPr>
+            <a:endParaRPr lang="en-US" dirty="0"/>
+          </a:p>
+          <a:p>
+            <a:r>
+              <a:rPr lang="en-US" b="1" dirty="0">
+                <a:solidFill>
+                  <a:srgbClr val="0000FF"/>
+                </a:solidFill>
+                <a:effectLst/>
+              </a:rPr>
+              <a:t>Commutative Laws</a:t>
+            </a:r>
+          </a:p>
+          <a:p>
+            <a:pPr marL="0" indent="0">
+              <a:buNone/>
+            </a:pPr>
+            <a:r>
+              <a:rPr lang="en-US" dirty="0"/>
+              <a:t>		</a:t>
+            </a:r>
+            <a:r>
+              <a:rPr lang="en-US" sz="4000" dirty="0"/>
+              <a:t>a + b</a:t>
+            </a:r>
+            <a:r>
+              <a:rPr lang="en-US" sz="4000" b="1" dirty="0"/>
+              <a:t>  = </a:t>
+            </a:r>
+            <a:r>
+              <a:rPr lang="en-US" sz="4000" dirty="0"/>
+              <a:t> b + a</a:t>
+            </a:r>
+          </a:p>
+          <a:p>
+            <a:endParaRPr lang="en-US" dirty="0"/>
+          </a:p>
+          <a:p>
+            <a:r>
+              <a:rPr lang="en-US" b="1" dirty="0">
+                <a:solidFill>
+                  <a:srgbClr val="0000FF"/>
+                </a:solidFill>
+                <a:effectLst/>
+              </a:rPr>
+              <a:t>Associative Laws</a:t>
+            </a:r>
+          </a:p>
+          <a:p>
+            <a:pPr marL="0" indent="0">
+              <a:buNone/>
+            </a:pPr>
+            <a:r>
+              <a:rPr lang="en-US" sz="4000" dirty="0"/>
+              <a:t>		(a + b) + c</a:t>
+            </a:r>
+            <a:r>
+              <a:rPr lang="en-US" sz="4000" b="1" dirty="0"/>
+              <a:t>  = </a:t>
+            </a:r>
+            <a:r>
+              <a:rPr lang="en-US" sz="4000" dirty="0"/>
+              <a:t> a + (b + c)</a:t>
+            </a:r>
+          </a:p>
+          <a:p>
+            <a:pPr marL="0" indent="0">
+              <a:buNone/>
+            </a:pPr>
+            <a:br>
+              <a:rPr lang="en-US" dirty="0"/>
+            </a:br>
+            <a:endParaRPr lang="en-US" dirty="0"/>
+          </a:p>
+        </p:txBody>
+      </p:sp>
+    </p:spTree>
+    <p:extLst>
+      <p:ext uri="{BB962C8B-B14F-4D97-AF65-F5344CB8AC3E}">
+        <p14:creationId xmlns:p14="http://schemas.microsoft.com/office/powerpoint/2010/main" val="2228946603"/>
+      </p:ext>
+    </p:extLst>
+  </p:cSld>
+  <p:clrMapOvr>
+    <a:masterClrMapping/>
+  </p:clrMapOvr>
+</p:sld>
+</file>
+
+<file path=ppt/slides/slide31.xml><?xml version="1.0" encoding="utf-8"?>
+<p:sld xmlns:a="http://schemas.openxmlformats.org/drawingml/2006/main" xmlns:r="http://schemas.openxmlformats.org/officeDocument/2006/relationships" xmlns:p="http://schemas.openxmlformats.org/presentationml/2006/main">
+  <p:cSld>
+    <p:spTree>
+      <p:nvGrpSpPr>
+        <p:cNvPr id="1" name=""/>
+        <p:cNvGrpSpPr/>
+        <p:nvPr/>
+      </p:nvGrpSpPr>
+      <p:grpSpPr>
+        <a:xfrm>
+          <a:off x="0" y="0"/>
+          <a:ext cx="0" cy="0"/>
+          <a:chOff x="0" y="0"/>
+          <a:chExt cx="0" cy="0"/>
+        </a:xfrm>
+      </p:grpSpPr>
+      <p:sp>
+        <p:nvSpPr>
+          <p:cNvPr id="2" name="Title 1">
+            <a:extLst>
+              <a:ext uri="{FF2B5EF4-FFF2-40B4-BE49-F238E27FC236}">
+                <a16:creationId xmlns:a16="http://schemas.microsoft.com/office/drawing/2014/main" id="{D9412A32-9C70-A84C-BD70-6B6F25B705D0}"/>
+              </a:ext>
+            </a:extLst>
+          </p:cNvPr>
+          <p:cNvSpPr>
+            <a:spLocks noGrp="1"/>
+          </p:cNvSpPr>
+          <p:nvPr>
+            <p:ph type="title"/>
+          </p:nvPr>
+        </p:nvSpPr>
+        <p:spPr/>
+        <p:txBody>
+          <a:bodyPr/>
+          <a:lstStyle/>
+          <a:p>
+            <a:r>
+              <a:rPr lang="en-US" dirty="0"/>
+              <a:t>Commutative Example</a:t>
+            </a:r>
+          </a:p>
+        </p:txBody>
+      </p:sp>
+      <p:sp>
+        <p:nvSpPr>
+          <p:cNvPr id="3" name="Content Placeholder 2">
+            <a:extLst>
+              <a:ext uri="{FF2B5EF4-FFF2-40B4-BE49-F238E27FC236}">
+                <a16:creationId xmlns:a16="http://schemas.microsoft.com/office/drawing/2014/main" id="{F729D696-28C9-7748-ADC9-DFD039AC4408}"/>
+              </a:ext>
+            </a:extLst>
+          </p:cNvPr>
+          <p:cNvSpPr>
+            <a:spLocks noGrp="1"/>
+          </p:cNvSpPr>
+          <p:nvPr>
+            <p:ph idx="1"/>
+          </p:nvPr>
+        </p:nvSpPr>
+        <p:spPr/>
+        <p:txBody>
+          <a:bodyPr/>
+          <a:lstStyle/>
+          <a:p>
+            <a:r>
+              <a:rPr lang="en-US" dirty="0"/>
+              <a:t>Addition is commutative</a:t>
+            </a:r>
+          </a:p>
+          <a:p>
+            <a:pPr lvl="1"/>
+            <a:r>
+              <a:rPr lang="en-US" dirty="0"/>
+              <a:t>  2 + 3 = 3 + 2 = 5</a:t>
+            </a:r>
+          </a:p>
+          <a:p>
+            <a:pPr lvl="1"/>
+            <a:r>
+              <a:rPr lang="en-US" dirty="0"/>
+              <a:t>  100 + 200 = 200 + 100 = 300</a:t>
+            </a:r>
+          </a:p>
+          <a:p>
+            <a:endParaRPr lang="en-US" dirty="0"/>
+          </a:p>
+          <a:p>
+            <a:r>
+              <a:rPr lang="en-US" dirty="0"/>
+              <a:t>Multiplication is commutative</a:t>
+            </a:r>
+          </a:p>
+          <a:p>
+            <a:pPr lvl="1"/>
+            <a:r>
+              <a:rPr lang="en-US" dirty="0"/>
+              <a:t>  2 * 5 = 5 * 2 = 10</a:t>
+            </a:r>
+          </a:p>
+          <a:p>
+            <a:pPr lvl="1"/>
+            <a:r>
+              <a:rPr lang="en-US" dirty="0"/>
+              <a:t>  20 * 30 = 30 *20 </a:t>
+            </a:r>
+          </a:p>
+        </p:txBody>
+      </p:sp>
+    </p:spTree>
+    <p:extLst>
+      <p:ext uri="{BB962C8B-B14F-4D97-AF65-F5344CB8AC3E}">
+        <p14:creationId xmlns:p14="http://schemas.microsoft.com/office/powerpoint/2010/main" val="3956845121"/>
+      </p:ext>
+    </p:extLst>
+  </p:cSld>
+  <p:clrMapOvr>
+    <a:masterClrMapping/>
+  </p:clrMapOvr>
+</p:sld>
+</file>
+
+<file path=ppt/slides/slide32.xml><?xml version="1.0" encoding="utf-8"?>
+<p:sld xmlns:a="http://schemas.openxmlformats.org/drawingml/2006/main" xmlns:r="http://schemas.openxmlformats.org/officeDocument/2006/relationships" xmlns:p="http://schemas.openxmlformats.org/presentationml/2006/main">
+  <p:cSld>
+    <p:spTree>
+      <p:nvGrpSpPr>
+        <p:cNvPr id="1" name=""/>
+        <p:cNvGrpSpPr/>
+        <p:nvPr/>
+      </p:nvGrpSpPr>
+      <p:grpSpPr>
+        <a:xfrm>
+          <a:off x="0" y="0"/>
+          <a:ext cx="0" cy="0"/>
+          <a:chOff x="0" y="0"/>
+          <a:chExt cx="0" cy="0"/>
+        </a:xfrm>
+      </p:grpSpPr>
+      <p:sp>
+        <p:nvSpPr>
+          <p:cNvPr id="2" name="Title 1">
+            <a:extLst>
+              <a:ext uri="{FF2B5EF4-FFF2-40B4-BE49-F238E27FC236}">
+                <a16:creationId xmlns:a16="http://schemas.microsoft.com/office/drawing/2014/main" id="{D9412A32-9C70-A84C-BD70-6B6F25B705D0}"/>
+              </a:ext>
+            </a:extLst>
+          </p:cNvPr>
+          <p:cNvSpPr>
+            <a:spLocks noGrp="1"/>
+          </p:cNvSpPr>
+          <p:nvPr>
+            <p:ph type="title"/>
+          </p:nvPr>
+        </p:nvSpPr>
+        <p:spPr/>
+        <p:txBody>
+          <a:bodyPr/>
+          <a:lstStyle/>
+          <a:p>
+            <a:r>
+              <a:rPr lang="en-US" dirty="0"/>
+              <a:t>Subtraction and Division is NOT Commutative</a:t>
+            </a:r>
+          </a:p>
+        </p:txBody>
+      </p:sp>
+      <p:sp>
+        <p:nvSpPr>
+          <p:cNvPr id="3" name="Content Placeholder 2">
+            <a:extLst>
+              <a:ext uri="{FF2B5EF4-FFF2-40B4-BE49-F238E27FC236}">
+                <a16:creationId xmlns:a16="http://schemas.microsoft.com/office/drawing/2014/main" id="{F729D696-28C9-7748-ADC9-DFD039AC4408}"/>
+              </a:ext>
+            </a:extLst>
+          </p:cNvPr>
+          <p:cNvSpPr>
+            <a:spLocks noGrp="1"/>
+          </p:cNvSpPr>
+          <p:nvPr>
+            <p:ph idx="1"/>
+          </p:nvPr>
+        </p:nvSpPr>
+        <p:spPr/>
+        <p:txBody>
+          <a:bodyPr/>
+          <a:lstStyle/>
+          <a:p>
+            <a:r>
+              <a:rPr lang="en-US" dirty="0"/>
+              <a:t>5 - 3 = 2</a:t>
+            </a:r>
+          </a:p>
+          <a:p>
+            <a:r>
+              <a:rPr lang="en-US" dirty="0"/>
+              <a:t>3 - 5 = -2</a:t>
+            </a:r>
+          </a:p>
+          <a:p>
+            <a:r>
+              <a:rPr lang="en-US" dirty="0"/>
+              <a:t>2 NOT EQUAL to -2</a:t>
+            </a:r>
+          </a:p>
+          <a:p>
+            <a:endParaRPr lang="en-US" dirty="0"/>
+          </a:p>
+          <a:p>
+            <a:r>
+              <a:rPr lang="en-US" dirty="0"/>
+              <a:t>10 / 2 = 5</a:t>
+            </a:r>
+          </a:p>
+          <a:p>
+            <a:r>
+              <a:rPr lang="en-US" dirty="0"/>
+              <a:t>2 / 10 = 0.2</a:t>
+            </a:r>
+          </a:p>
+          <a:p>
+            <a:r>
+              <a:rPr lang="en-US" dirty="0"/>
+              <a:t>5 NOT EQUAL to 0.2 </a:t>
+            </a:r>
+          </a:p>
+        </p:txBody>
+      </p:sp>
+    </p:spTree>
+    <p:extLst>
+      <p:ext uri="{BB962C8B-B14F-4D97-AF65-F5344CB8AC3E}">
+        <p14:creationId xmlns:p14="http://schemas.microsoft.com/office/powerpoint/2010/main" val="2940014733"/>
+      </p:ext>
+    </p:extLst>
+  </p:cSld>
+  <p:clrMapOvr>
+    <a:masterClrMapping/>
+  </p:clrMapOvr>
+</p:sld>
+</file>
+
+<file path=ppt/slides/slide33.xml><?xml version="1.0" encoding="utf-8"?>
+<p:sld xmlns:a="http://schemas.openxmlformats.org/drawingml/2006/main" xmlns:r="http://schemas.openxmlformats.org/officeDocument/2006/relationships" xmlns:p="http://schemas.openxmlformats.org/presentationml/2006/main">
+  <p:cSld>
+    <p:spTree>
+      <p:nvGrpSpPr>
+        <p:cNvPr id="1" name=""/>
+        <p:cNvGrpSpPr/>
+        <p:nvPr/>
+      </p:nvGrpSpPr>
+      <p:grpSpPr>
+        <a:xfrm>
+          <a:off x="0" y="0"/>
+          <a:ext cx="0" cy="0"/>
+          <a:chOff x="0" y="0"/>
+          <a:chExt cx="0" cy="0"/>
+        </a:xfrm>
+      </p:grpSpPr>
+      <p:sp>
+        <p:nvSpPr>
+          <p:cNvPr id="2" name="Title 1">
+            <a:extLst>
+              <a:ext uri="{FF2B5EF4-FFF2-40B4-BE49-F238E27FC236}">
+                <a16:creationId xmlns:a16="http://schemas.microsoft.com/office/drawing/2014/main" id="{D9412A32-9C70-A84C-BD70-6B6F25B705D0}"/>
+              </a:ext>
+            </a:extLst>
+          </p:cNvPr>
+          <p:cNvSpPr>
+            <a:spLocks noGrp="1"/>
+          </p:cNvSpPr>
+          <p:nvPr>
+            <p:ph type="title"/>
+          </p:nvPr>
+        </p:nvSpPr>
+        <p:spPr/>
+        <p:txBody>
+          <a:bodyPr/>
+          <a:lstStyle/>
+          <a:p>
+            <a:r>
+              <a:rPr lang="en-US" dirty="0"/>
+              <a:t>Average function is not Associative</a:t>
+            </a:r>
+          </a:p>
+        </p:txBody>
+      </p:sp>
+      <p:sp>
+        <p:nvSpPr>
+          <p:cNvPr id="3" name="Content Placeholder 2">
+            <a:extLst>
+              <a:ext uri="{FF2B5EF4-FFF2-40B4-BE49-F238E27FC236}">
+                <a16:creationId xmlns:a16="http://schemas.microsoft.com/office/drawing/2014/main" id="{F729D696-28C9-7748-ADC9-DFD039AC4408}"/>
+              </a:ext>
+            </a:extLst>
+          </p:cNvPr>
+          <p:cNvSpPr>
+            <a:spLocks noGrp="1"/>
+          </p:cNvSpPr>
+          <p:nvPr>
+            <p:ph idx="1"/>
+          </p:nvPr>
+        </p:nvSpPr>
+        <p:spPr/>
+        <p:txBody>
+          <a:bodyPr>
+            <a:normAutofit/>
+          </a:bodyPr>
+          <a:lstStyle/>
+          <a:p>
+            <a:r>
+              <a:rPr lang="en-US" sz="4400" dirty="0"/>
+              <a:t>Avg (1, 2, 3) = 2.0</a:t>
+            </a:r>
+          </a:p>
+          <a:p>
+            <a:r>
+              <a:rPr lang="en-US" sz="4400" dirty="0"/>
+              <a:t>Avg(1,  Avg(2, 3)) = Avg(1, 2.5) = 1.75</a:t>
+            </a:r>
+          </a:p>
+          <a:p>
+            <a:r>
+              <a:rPr lang="en-US" sz="4400" dirty="0"/>
+              <a:t>2.0  </a:t>
+            </a:r>
+            <a:r>
+              <a:rPr lang="en-US" sz="4400" dirty="0">
+                <a:solidFill>
+                  <a:srgbClr val="0000FF"/>
+                </a:solidFill>
+              </a:rPr>
+              <a:t>NOT EQUAL  </a:t>
+            </a:r>
+            <a:r>
+              <a:rPr lang="en-US" sz="4400" dirty="0"/>
+              <a:t>to 1.75</a:t>
+            </a:r>
+          </a:p>
+        </p:txBody>
+      </p:sp>
+    </p:spTree>
+    <p:extLst>
+      <p:ext uri="{BB962C8B-B14F-4D97-AF65-F5344CB8AC3E}">
+        <p14:creationId xmlns:p14="http://schemas.microsoft.com/office/powerpoint/2010/main" val="2455809247"/>
+      </p:ext>
+    </p:extLst>
+  </p:cSld>
+  <p:clrMapOvr>
+    <a:masterClrMapping/>
+  </p:clrMapOvr>
+</p:sld>
+</file>
+
+<file path=ppt/slides/slide34.xml><?xml version="1.0" encoding="utf-8"?>
+<p:sld xmlns:a="http://schemas.openxmlformats.org/drawingml/2006/main" xmlns:r="http://schemas.openxmlformats.org/officeDocument/2006/relationships" xmlns:p="http://schemas.openxmlformats.org/presentationml/2006/main">
+  <p:cSld>
+    <p:spTree>
+      <p:nvGrpSpPr>
+        <p:cNvPr id="1" name=""/>
+        <p:cNvGrpSpPr/>
+        <p:nvPr/>
+      </p:nvGrpSpPr>
+      <p:grpSpPr>
+        <a:xfrm>
+          <a:off x="0" y="0"/>
+          <a:ext cx="0" cy="0"/>
+          <a:chOff x="0" y="0"/>
+          <a:chExt cx="0" cy="0"/>
+        </a:xfrm>
+      </p:grpSpPr>
+      <p:sp>
+        <p:nvSpPr>
+          <p:cNvPr id="2" name="Title 1">
+            <a:extLst>
+              <a:ext uri="{FF2B5EF4-FFF2-40B4-BE49-F238E27FC236}">
+                <a16:creationId xmlns:a16="http://schemas.microsoft.com/office/drawing/2014/main" id="{D9412A32-9C70-A84C-BD70-6B6F25B705D0}"/>
+              </a:ext>
+            </a:extLst>
+          </p:cNvPr>
+          <p:cNvSpPr>
+            <a:spLocks noGrp="1"/>
+          </p:cNvSpPr>
+          <p:nvPr>
+            <p:ph type="title"/>
+          </p:nvPr>
+        </p:nvSpPr>
+        <p:spPr/>
+        <p:txBody>
+          <a:bodyPr/>
+          <a:lstStyle/>
+          <a:p>
+            <a:r>
+              <a:rPr lang="en-US" dirty="0"/>
+              <a:t>References </a:t>
+            </a:r>
+          </a:p>
+        </p:txBody>
+      </p:sp>
+      <p:sp>
+        <p:nvSpPr>
+          <p:cNvPr id="3" name="Content Placeholder 2">
+            <a:extLst>
+              <a:ext uri="{FF2B5EF4-FFF2-40B4-BE49-F238E27FC236}">
+                <a16:creationId xmlns:a16="http://schemas.microsoft.com/office/drawing/2014/main" id="{F729D696-28C9-7748-ADC9-DFD039AC4408}"/>
+              </a:ext>
+            </a:extLst>
+          </p:cNvPr>
+          <p:cNvSpPr>
+            <a:spLocks noGrp="1"/>
+          </p:cNvSpPr>
+          <p:nvPr>
+            <p:ph idx="1"/>
+          </p:nvPr>
+        </p:nvSpPr>
+        <p:spPr/>
+        <p:txBody>
+          <a:bodyPr>
+            <a:normAutofit/>
+          </a:bodyPr>
+          <a:lstStyle/>
+          <a:p>
+            <a:pPr marL="0" indent="0">
+              <a:buNone/>
+            </a:pPr>
+            <a:r>
+              <a:rPr lang="en-US" sz="3200" dirty="0"/>
+              <a:t>1. Monoidify! Monoids as a Design Principle for Efficient MapReduce Algorithms  by Jimmy Lin</a:t>
+            </a:r>
+          </a:p>
+          <a:p>
+            <a:pPr marL="0" indent="0">
+              <a:buNone/>
+            </a:pPr>
+            <a:endParaRPr lang="en-US" sz="3200" dirty="0"/>
+          </a:p>
+          <a:p>
+            <a:pPr marL="0" indent="0">
+              <a:buNone/>
+            </a:pPr>
+            <a:r>
+              <a:rPr lang="en-US" sz="3200" dirty="0"/>
+              <a:t>2. Data Algorithms (book)  by Mahmoud Parsian</a:t>
+            </a:r>
+          </a:p>
+          <a:p>
+            <a:pPr marL="0" indent="0">
+              <a:buNone/>
+            </a:pPr>
+            <a:endParaRPr lang="en-US" sz="3200" dirty="0"/>
+          </a:p>
+          <a:p>
+            <a:pPr marL="0" indent="0">
+              <a:buNone/>
+            </a:pPr>
+            <a:r>
+              <a:rPr lang="en-US" sz="3200" dirty="0"/>
+              <a:t>3. Data Algorithms with Spark  (book) by Mahmoud Parsian</a:t>
+            </a:r>
+          </a:p>
+          <a:p>
+            <a:pPr marL="0" indent="0">
+              <a:buNone/>
+            </a:pPr>
+            <a:endParaRPr lang="en-US" sz="3200" dirty="0"/>
+          </a:p>
+        </p:txBody>
+      </p:sp>
+    </p:spTree>
+    <p:extLst>
+      <p:ext uri="{BB962C8B-B14F-4D97-AF65-F5344CB8AC3E}">
+        <p14:creationId xmlns:p14="http://schemas.microsoft.com/office/powerpoint/2010/main" val="109772210"/>
       </p:ext>
     </p:extLst>
   </p:cSld>
@@ -9475,7 +13482,7 @@
           <a:p>
             <a:r>
               <a:rPr lang="en-US" dirty="0"/>
-              <a:t>What is a Combiner?</a:t>
+              <a:t>Typical MapReduce Job</a:t>
             </a:r>
           </a:p>
         </p:txBody>
@@ -9503,60 +13510,72 @@
           </a:bodyPr>
           <a:lstStyle/>
           <a:p>
-            <a:r>
-              <a:rPr lang="en-US" b="1" dirty="0">
+            <a:pPr marL="0" indent="0">
+              <a:buNone/>
+            </a:pPr>
+            <a:r>
+              <a:rPr lang="en-US" sz="2800" b="1" dirty="0"/>
+              <a:t>A typical MapReduce job has two functions:</a:t>
+            </a:r>
+          </a:p>
+          <a:p>
+            <a:r>
+              <a:rPr lang="en-US" sz="2800" b="1" dirty="0">
                 <a:latin typeface="Courier" pitchFamily="2" charset="0"/>
               </a:rPr>
-              <a:t>combine() [OPTIONAL]</a:t>
-            </a:r>
-          </a:p>
-          <a:p>
+              <a:t>map()</a:t>
+            </a:r>
+          </a:p>
+          <a:p>
+            <a:r>
+              <a:rPr lang="en-US" sz="2800" b="1" dirty="0">
+                <a:latin typeface="Courier" pitchFamily="2" charset="0"/>
+              </a:rPr>
+              <a:t>reduce()</a:t>
+            </a:r>
+          </a:p>
+          <a:p>
+            <a:pPr marL="0" indent="0">
+              <a:buNone/>
+            </a:pPr>
+            <a:endParaRPr lang="en-US" sz="2800" b="1" dirty="0"/>
+          </a:p>
+          <a:p>
+            <a:pPr marL="0" indent="0">
+              <a:buNone/>
+            </a:pPr>
             <a:r>
               <a:rPr lang="en-US" sz="2800" b="1" dirty="0"/>
-              <a:t>Combiner</a:t>
-            </a:r>
-            <a:r>
-              <a:rPr lang="en-US" sz="2800" dirty="0"/>
-              <a:t> is also known as “</a:t>
+              <a:t>But you can further </a:t>
+            </a:r>
+            <a:r>
+              <a:rPr lang="en-US" sz="2800" b="1" u="sng" dirty="0"/>
+              <a:t>optimize the output of mappers </a:t>
             </a:r>
             <a:r>
               <a:rPr lang="en-US" sz="2800" b="1" dirty="0"/>
-              <a:t>Mini-Reducer</a:t>
-            </a:r>
-            <a:r>
-              <a:rPr lang="en-US" sz="2800" dirty="0"/>
-              <a:t>” that summarizes the mappers output </a:t>
-            </a:r>
-            <a:r>
-              <a:rPr lang="en-US" sz="2800" b="1" u="sng" dirty="0"/>
-              <a:t>with the same key</a:t>
+              <a:t>by adding a combiner function (works very similar to the </a:t>
+            </a:r>
+            <a:r>
+              <a:rPr lang="en-US" sz="2800" b="1" dirty="0">
+                <a:latin typeface="Courier" pitchFamily="2" charset="0"/>
+              </a:rPr>
+              <a:t>reduce() </a:t>
             </a:r>
             <a:r>
               <a:rPr lang="en-US" sz="2800" b="1" dirty="0"/>
-              <a:t> </a:t>
-            </a:r>
-            <a:r>
-              <a:rPr lang="en-US" sz="2800" dirty="0"/>
-              <a:t>before passing to the Reducer. </a:t>
-            </a:r>
-          </a:p>
-          <a:p>
-            <a:r>
-              <a:rPr lang="en-US" sz="2800" dirty="0"/>
-              <a:t>The primary job of Combiner is to process the output data from the mappers, before passing it to reducer. </a:t>
-            </a:r>
-          </a:p>
-          <a:p>
-            <a:r>
-              <a:rPr lang="en-US" sz="2800" dirty="0"/>
-              <a:t>The combine() function  runs after the mapper and before the reducer</a:t>
-            </a:r>
-            <a:endParaRPr lang="en-US" sz="2800" dirty="0">
-              <a:solidFill>
-                <a:srgbClr val="0000FF"/>
-              </a:solidFill>
-              <a:latin typeface="Consolas" panose="020B0609020204030204" pitchFamily="49" charset="0"/>
-              <a:cs typeface="Consolas" panose="020B0609020204030204" pitchFamily="49" charset="0"/>
+              <a:t>function):</a:t>
+            </a:r>
+          </a:p>
+          <a:p>
+            <a:r>
+              <a:rPr lang="en-US" sz="2800" b="1" dirty="0">
+                <a:latin typeface="Courier" pitchFamily="2" charset="0"/>
+              </a:rPr>
+              <a:t>combine()</a:t>
+            </a:r>
+            <a:endParaRPr lang="en-US" b="1" dirty="0">
+              <a:latin typeface="Courier" pitchFamily="2" charset="0"/>
             </a:endParaRPr>
           </a:p>
         </p:txBody>
@@ -9564,7 +13583,7 @@
     </p:spTree>
     <p:extLst>
       <p:ext uri="{BB962C8B-B14F-4D97-AF65-F5344CB8AC3E}">
-        <p14:creationId xmlns:p14="http://schemas.microsoft.com/office/powerpoint/2010/main" val="1894776308"/>
+        <p14:creationId xmlns:p14="http://schemas.microsoft.com/office/powerpoint/2010/main" val="1696486583"/>
       </p:ext>
     </p:extLst>
   </p:cSld>
@@ -9610,18 +13629,16 @@
         <p:spPr>
           <a:xfrm>
             <a:off x="838200" y="365127"/>
-            <a:ext cx="10515600" cy="675398"/>
-          </a:xfrm>
-        </p:spPr>
-        <p:txBody>
-          <a:bodyPr>
-            <a:normAutofit fontScale="90000"/>
-          </a:bodyPr>
+            <a:ext cx="10515600" cy="771696"/>
+          </a:xfrm>
+        </p:spPr>
+        <p:txBody>
+          <a:bodyPr/>
           <a:lstStyle/>
           <a:p>
             <a:r>
               <a:rPr lang="en-US" dirty="0"/>
-              <a:t>Informal Example</a:t>
+              <a:t>What is a Combiner?</a:t>
             </a:r>
           </a:p>
         </p:txBody>
@@ -9642,84 +13659,74 @@
             <p:ph idx="1"/>
           </p:nvPr>
         </p:nvSpPr>
-        <p:spPr>
-          <a:xfrm>
-            <a:off x="838200" y="1177159"/>
-            <a:ext cx="10515600" cy="4999805"/>
-          </a:xfrm>
-        </p:spPr>
+        <p:spPr/>
         <p:txBody>
           <a:bodyPr>
-            <a:normAutofit lnSpcReduction="10000"/>
+            <a:normAutofit/>
           </a:bodyPr>
           <a:lstStyle/>
           <a:p>
             <a:r>
-              <a:rPr lang="en-US" dirty="0">
-                <a:solidFill>
-                  <a:srgbClr val="0000FF"/>
-                </a:solidFill>
-                <a:latin typeface="Consolas" panose="020B0609020204030204" pitchFamily="49" charset="0"/>
-                <a:cs typeface="Consolas" panose="020B0609020204030204" pitchFamily="49" charset="0"/>
-              </a:rPr>
-              <a:t>Mappers output from partition-1:</a:t>
-            </a:r>
-          </a:p>
-          <a:p>
-            <a:pPr marL="0" indent="0">
-              <a:buNone/>
-            </a:pPr>
-            <a:r>
-              <a:rPr lang="en-US" dirty="0">
-                <a:solidFill>
-                  <a:schemeClr val="tx2"/>
-                </a:solidFill>
-                <a:latin typeface="Consolas" panose="020B0609020204030204" pitchFamily="49" charset="0"/>
-                <a:cs typeface="Consolas" panose="020B0609020204030204" pitchFamily="49" charset="0"/>
-              </a:rPr>
-              <a:t>Partition-1:</a:t>
-            </a:r>
-            <a:r>
-              <a:rPr lang="en-US" dirty="0">
-                <a:solidFill>
-                  <a:srgbClr val="0000FF"/>
-                </a:solidFill>
-                <a:latin typeface="Consolas" panose="020B0609020204030204" pitchFamily="49" charset="0"/>
-                <a:cs typeface="Consolas" panose="020B0609020204030204" pitchFamily="49" charset="0"/>
-              </a:rPr>
-              <a:t> (K, v1), (K, v2), (K, v3)</a:t>
-            </a:r>
-          </a:p>
-          <a:p>
-            <a:pPr marL="0" indent="0">
-              <a:buNone/>
-            </a:pPr>
-            <a:r>
-              <a:rPr lang="en-US" dirty="0">
-                <a:solidFill>
-                  <a:schemeClr val="tx2"/>
-                </a:solidFill>
-                <a:latin typeface="Consolas" panose="020B0609020204030204" pitchFamily="49" charset="0"/>
-                <a:cs typeface="Consolas" panose="020B0609020204030204" pitchFamily="49" charset="0"/>
-              </a:rPr>
-              <a:t>Partition-2:</a:t>
-            </a:r>
-            <a:r>
-              <a:rPr lang="en-US" dirty="0">
-                <a:solidFill>
-                  <a:srgbClr val="0000FF"/>
-                </a:solidFill>
-                <a:latin typeface="Consolas" panose="020B0609020204030204" pitchFamily="49" charset="0"/>
-                <a:cs typeface="Consolas" panose="020B0609020204030204" pitchFamily="49" charset="0"/>
-              </a:rPr>
-              <a:t> (K, t1), (K, t2), (K, t3), (K, t4)</a:t>
-            </a:r>
-          </a:p>
-          <a:p>
-            <a:pPr marL="0" indent="0">
-              <a:buNone/>
-            </a:pPr>
-            <a:endParaRPr lang="en-US" dirty="0">
+              <a:rPr lang="en-US" b="1" dirty="0">
+                <a:latin typeface="Courier" pitchFamily="2" charset="0"/>
+              </a:rPr>
+              <a:t>combine() [OPTIONAL]</a:t>
+            </a:r>
+          </a:p>
+          <a:p>
+            <a:r>
+              <a:rPr lang="en-US" sz="2800" b="1" dirty="0"/>
+              <a:t>Combiner</a:t>
+            </a:r>
+            <a:r>
+              <a:rPr lang="en-US" sz="2800" dirty="0"/>
+              <a:t> is also known as “</a:t>
+            </a:r>
+            <a:r>
+              <a:rPr lang="en-US" sz="2800" b="1" dirty="0"/>
+              <a:t>Mini-Reducer</a:t>
+            </a:r>
+            <a:r>
+              <a:rPr lang="en-US" sz="2800" dirty="0"/>
+              <a:t>” that summarizes the mappers output </a:t>
+            </a:r>
+            <a:r>
+              <a:rPr lang="en-US" sz="2800" b="1" u="sng" dirty="0"/>
+              <a:t>with the same key</a:t>
+            </a:r>
+            <a:r>
+              <a:rPr lang="en-US" sz="2800" b="1" dirty="0"/>
+              <a:t> </a:t>
+            </a:r>
+            <a:r>
+              <a:rPr lang="en-US" sz="2800" dirty="0"/>
+              <a:t>before passing to the Reducer. </a:t>
+            </a:r>
+          </a:p>
+          <a:p>
+            <a:r>
+              <a:rPr lang="en-US" sz="2800" dirty="0"/>
+              <a:t>The primary job of Combiner is to process the output data from the mappers, before passing it to reducer. </a:t>
+            </a:r>
+          </a:p>
+          <a:p>
+            <a:r>
+              <a:rPr lang="en-US" sz="2800" dirty="0"/>
+              <a:t>The combine() function runs </a:t>
+            </a:r>
+            <a:r>
+              <a:rPr lang="en-US" sz="2800" u="sng" dirty="0"/>
+              <a:t>after the mapper</a:t>
+            </a:r>
+            <a:r>
+              <a:rPr lang="en-US" sz="2800" dirty="0"/>
+              <a:t> and </a:t>
+            </a:r>
+            <a:r>
+              <a:rPr lang="en-US" sz="2800" u="sng" dirty="0"/>
+              <a:t>before the reducer</a:t>
+            </a:r>
+            <a:endParaRPr lang="en-US" sz="2800" u="sng" dirty="0">
               <a:solidFill>
                 <a:srgbClr val="0000FF"/>
               </a:solidFill>
@@ -9727,119 +13734,12 @@
               <a:cs typeface="Consolas" panose="020B0609020204030204" pitchFamily="49" charset="0"/>
             </a:endParaRPr>
           </a:p>
-          <a:p>
-            <a:pPr marL="0" indent="0">
-              <a:buNone/>
-            </a:pPr>
-            <a:r>
-              <a:rPr lang="en-US" dirty="0">
-                <a:solidFill>
-                  <a:srgbClr val="0000FF"/>
-                </a:solidFill>
-                <a:latin typeface="Consolas" panose="020B0609020204030204" pitchFamily="49" charset="0"/>
-                <a:cs typeface="Consolas" panose="020B0609020204030204" pitchFamily="49" charset="0"/>
-              </a:rPr>
-              <a:t>Rather than sending </a:t>
-            </a:r>
-            <a:r>
-              <a:rPr lang="en-US" dirty="0">
-                <a:solidFill>
-                  <a:schemeClr val="tx2"/>
-                </a:solidFill>
-                <a:latin typeface="Consolas" panose="020B0609020204030204" pitchFamily="49" charset="0"/>
-                <a:cs typeface="Consolas" panose="020B0609020204030204" pitchFamily="49" charset="0"/>
-              </a:rPr>
-              <a:t>(K, [v1, v2, v3, t1, t2, t3, t4]) </a:t>
-            </a:r>
-            <a:r>
-              <a:rPr lang="en-US" dirty="0">
-                <a:solidFill>
-                  <a:srgbClr val="0000FF"/>
-                </a:solidFill>
-                <a:latin typeface="Consolas" panose="020B0609020204030204" pitchFamily="49" charset="0"/>
-                <a:cs typeface="Consolas" panose="020B0609020204030204" pitchFamily="49" charset="0"/>
-              </a:rPr>
-              <a:t>to a reduce() function, we can send</a:t>
-            </a:r>
-          </a:p>
-          <a:p>
-            <a:pPr marL="0" indent="0">
-              <a:buNone/>
-            </a:pPr>
-            <a:r>
-              <a:rPr lang="en-US" dirty="0">
-                <a:solidFill>
-                  <a:schemeClr val="tx2"/>
-                </a:solidFill>
-                <a:latin typeface="Consolas" panose="020B0609020204030204" pitchFamily="49" charset="0"/>
-                <a:cs typeface="Consolas" panose="020B0609020204030204" pitchFamily="49" charset="0"/>
-              </a:rPr>
-              <a:t>(K, [V, T])</a:t>
-            </a:r>
-          </a:p>
-          <a:p>
-            <a:pPr marL="0" indent="0">
-              <a:buNone/>
-            </a:pPr>
-            <a:r>
-              <a:rPr lang="en-US" dirty="0">
-                <a:solidFill>
-                  <a:srgbClr val="0000FF"/>
-                </a:solidFill>
-                <a:latin typeface="Consolas" panose="020B0609020204030204" pitchFamily="49" charset="0"/>
-                <a:cs typeface="Consolas" panose="020B0609020204030204" pitchFamily="49" charset="0"/>
-              </a:rPr>
-              <a:t>where</a:t>
-            </a:r>
-          </a:p>
-          <a:p>
-            <a:pPr marL="0" indent="0">
-              <a:buNone/>
-            </a:pPr>
-            <a:r>
-              <a:rPr lang="en-US" dirty="0">
-                <a:solidFill>
-                  <a:srgbClr val="0000FF"/>
-                </a:solidFill>
-                <a:latin typeface="Consolas" panose="020B0609020204030204" pitchFamily="49" charset="0"/>
-                <a:cs typeface="Consolas" panose="020B0609020204030204" pitchFamily="49" charset="0"/>
-              </a:rPr>
-              <a:t>       V = combine([v1, v2, v3])</a:t>
-            </a:r>
-          </a:p>
-          <a:p>
-            <a:pPr marL="0" indent="0">
-              <a:buNone/>
-            </a:pPr>
-            <a:r>
-              <a:rPr lang="en-US" dirty="0">
-                <a:solidFill>
-                  <a:srgbClr val="0000FF"/>
-                </a:solidFill>
-                <a:latin typeface="Consolas" panose="020B0609020204030204" pitchFamily="49" charset="0"/>
-                <a:cs typeface="Consolas" panose="020B0609020204030204" pitchFamily="49" charset="0"/>
-              </a:rPr>
-              <a:t>       T = combine([t1, t2, t3, t4])</a:t>
-            </a:r>
-          </a:p>
-          <a:p>
-            <a:pPr marL="0" indent="0">
-              <a:buNone/>
-            </a:pPr>
-            <a:endParaRPr lang="en-US" dirty="0">
-              <a:solidFill>
-                <a:srgbClr val="0000FF"/>
-              </a:solidFill>
-              <a:latin typeface="Consolas" panose="020B0609020204030204" pitchFamily="49" charset="0"/>
-              <a:cs typeface="Consolas" panose="020B0609020204030204" pitchFamily="49" charset="0"/>
-            </a:endParaRPr>
-          </a:p>
         </p:txBody>
       </p:sp>
     </p:spTree>
     <p:extLst>
       <p:ext uri="{BB962C8B-B14F-4D97-AF65-F5344CB8AC3E}">
-        <p14:creationId xmlns:p14="http://schemas.microsoft.com/office/powerpoint/2010/main" val="1722293679"/>
+        <p14:creationId xmlns:p14="http://schemas.microsoft.com/office/powerpoint/2010/main" val="1894776308"/>
       </p:ext>
     </p:extLst>
   </p:cSld>
@@ -9925,27 +13825,27 @@
         </p:spPr>
         <p:txBody>
           <a:bodyPr>
-            <a:normAutofit fontScale="92500"/>
+            <a:normAutofit/>
           </a:bodyPr>
           <a:lstStyle/>
           <a:p>
             <a:r>
-              <a:rPr lang="en-US" sz="1600" dirty="0">
+              <a:rPr lang="en-US" b="1" dirty="0">
                 <a:solidFill>
                   <a:srgbClr val="0000FF"/>
                 </a:solidFill>
                 <a:latin typeface="Consolas" panose="020B0609020204030204" pitchFamily="49" charset="0"/>
                 <a:cs typeface="Consolas" panose="020B0609020204030204" pitchFamily="49" charset="0"/>
               </a:rPr>
-              <a:t>Mappers output from partition-1:</a:t>
-            </a:r>
-          </a:p>
-          <a:p>
-            <a:pPr marL="0" indent="0">
-              <a:buNone/>
-            </a:pPr>
-            <a:r>
-              <a:rPr lang="en-US" sz="1600" dirty="0">
+              <a:t>Mappers output:</a:t>
+            </a:r>
+          </a:p>
+          <a:p>
+            <a:pPr marL="0" indent="0">
+              <a:buNone/>
+            </a:pPr>
+            <a:r>
+              <a:rPr lang="en-US" dirty="0">
                 <a:solidFill>
                   <a:schemeClr val="tx2"/>
                 </a:solidFill>
@@ -9955,7 +13855,7 @@
               <a:t>Partition-1:</a:t>
             </a:r>
             <a:r>
-              <a:rPr lang="en-US" sz="1600" dirty="0">
+              <a:rPr lang="en-US" dirty="0">
                 <a:solidFill>
                   <a:srgbClr val="0000FF"/>
                 </a:solidFill>
@@ -9970,7 +13870,7 @@
               <a:buNone/>
             </a:pPr>
             <a:r>
-              <a:rPr lang="en-US" sz="1600" dirty="0">
+              <a:rPr lang="en-US" dirty="0">
                 <a:solidFill>
                   <a:schemeClr val="tx2"/>
                 </a:solidFill>
@@ -9980,7 +13880,7 @@
               <a:t>Partition-2:</a:t>
             </a:r>
             <a:r>
-              <a:rPr lang="en-US" sz="1600" dirty="0">
+              <a:rPr lang="en-US" dirty="0">
                 <a:solidFill>
                   <a:srgbClr val="0000FF"/>
                 </a:solidFill>
@@ -9989,6 +13889,11 @@
               </a:rPr>
               <a:t> (K, t1), (K, t2), (K, t3), (K, t4)</a:t>
             </a:r>
+          </a:p>
+          <a:p>
+            <a:pPr marL="0" indent="0">
+              <a:buNone/>
+            </a:pPr>
             <a:endParaRPr lang="en-US" dirty="0">
               <a:solidFill>
                 <a:srgbClr val="0000FF"/>
@@ -10002,7 +13907,7 @@
               <a:buNone/>
             </a:pPr>
             <a:r>
-              <a:rPr lang="en-US" sz="1600" dirty="0">
+              <a:rPr lang="en-US" dirty="0">
                 <a:solidFill>
                   <a:srgbClr val="0000FF"/>
                 </a:solidFill>
@@ -10012,7 +13917,7 @@
               <a:t>Rather than sending </a:t>
             </a:r>
             <a:r>
-              <a:rPr lang="en-US" sz="1600" dirty="0">
+              <a:rPr lang="en-US" dirty="0">
                 <a:solidFill>
                   <a:schemeClr val="tx2"/>
                 </a:solidFill>
@@ -10022,17 +13927,17 @@
               <a:t>(K, [v1, v2, v3, t1, t2, t3, t4]) </a:t>
             </a:r>
             <a:r>
-              <a:rPr lang="en-US" sz="1600" dirty="0">
+              <a:rPr lang="en-US" dirty="0">
                 <a:solidFill>
                   <a:srgbClr val="0000FF"/>
                 </a:solidFill>
                 <a:latin typeface="Consolas" panose="020B0609020204030204" pitchFamily="49" charset="0"/>
                 <a:cs typeface="Consolas" panose="020B0609020204030204" pitchFamily="49" charset="0"/>
               </a:rPr>
-              <a:t>to a reduce() function,                     we can send </a:t>
-            </a:r>
-            <a:r>
-              <a:rPr lang="en-US" sz="1600" dirty="0">
+              <a:t>to a reduce() function, we can send </a:t>
+            </a:r>
+            <a:r>
+              <a:rPr lang="en-US" dirty="0">
                 <a:solidFill>
                   <a:schemeClr val="tx2"/>
                 </a:solidFill>
@@ -10047,24 +13952,24 @@
               <a:buNone/>
             </a:pPr>
             <a:r>
-              <a:rPr lang="en-US" sz="1600" dirty="0">
+              <a:rPr lang="en-US" dirty="0">
                 <a:solidFill>
                   <a:srgbClr val="0000FF"/>
                 </a:solidFill>
                 <a:latin typeface="Consolas" panose="020B0609020204030204" pitchFamily="49" charset="0"/>
                 <a:cs typeface="Consolas" panose="020B0609020204030204" pitchFamily="49" charset="0"/>
               </a:rPr>
-              <a:t>where</a:t>
-            </a:r>
-          </a:p>
-          <a:p>
-            <a:pPr marL="0" indent="0">
-              <a:buNone/>
-            </a:pPr>
-            <a:r>
-              <a:rPr lang="en-US" sz="2000" dirty="0">
-                <a:solidFill>
-                  <a:schemeClr val="tx2"/>
+              <a:t>Where:</a:t>
+            </a:r>
+          </a:p>
+          <a:p>
+            <a:pPr marL="0" indent="0">
+              <a:buNone/>
+            </a:pPr>
+            <a:r>
+              <a:rPr lang="en-US" dirty="0">
+                <a:solidFill>
+                  <a:srgbClr val="0000FF"/>
                 </a:solidFill>
                 <a:latin typeface="Consolas" panose="020B0609020204030204" pitchFamily="49" charset="0"/>
                 <a:cs typeface="Consolas" panose="020B0609020204030204" pitchFamily="49" charset="0"/>
@@ -10077,104 +13982,14 @@
               <a:buNone/>
             </a:pPr>
             <a:r>
-              <a:rPr lang="en-US" sz="2000" dirty="0">
-                <a:solidFill>
-                  <a:schemeClr val="tx2"/>
+              <a:rPr lang="en-US" dirty="0">
+                <a:solidFill>
+                  <a:srgbClr val="0000FF"/>
                 </a:solidFill>
                 <a:latin typeface="Consolas" panose="020B0609020204030204" pitchFamily="49" charset="0"/>
                 <a:cs typeface="Consolas" panose="020B0609020204030204" pitchFamily="49" charset="0"/>
               </a:rPr>
               <a:t>       T = combine([t1, t2, t3, t4])</a:t>
-            </a:r>
-          </a:p>
-          <a:p>
-            <a:pPr marL="0" indent="0">
-              <a:buNone/>
-            </a:pPr>
-            <a:r>
-              <a:rPr lang="en-US" dirty="0">
-                <a:solidFill>
-                  <a:srgbClr val="0000FF"/>
-                </a:solidFill>
-                <a:latin typeface="Consolas" panose="020B0609020204030204" pitchFamily="49" charset="0"/>
-                <a:cs typeface="Consolas" panose="020B0609020204030204" pitchFamily="49" charset="0"/>
-              </a:rPr>
-              <a:t>Note that you have to guarantee that:</a:t>
-            </a:r>
-          </a:p>
-          <a:p>
-            <a:pPr marL="0" indent="0">
-              <a:buNone/>
-            </a:pPr>
-            <a:r>
-              <a:rPr lang="en-US" dirty="0">
-                <a:solidFill>
-                  <a:schemeClr val="tx2"/>
-                </a:solidFill>
-                <a:latin typeface="Consolas" panose="020B0609020204030204" pitchFamily="49" charset="0"/>
-                <a:cs typeface="Consolas" panose="020B0609020204030204" pitchFamily="49" charset="0"/>
-              </a:rPr>
-              <a:t>Type(V) = Type(v1) = Type(v2) = Type(v3)</a:t>
-            </a:r>
-          </a:p>
-          <a:p>
-            <a:pPr marL="0" indent="0">
-              <a:buNone/>
-            </a:pPr>
-            <a:r>
-              <a:rPr lang="en-US" dirty="0">
-                <a:solidFill>
-                  <a:schemeClr val="tx2"/>
-                </a:solidFill>
-                <a:latin typeface="Consolas" panose="020B0609020204030204" pitchFamily="49" charset="0"/>
-                <a:cs typeface="Consolas" panose="020B0609020204030204" pitchFamily="49" charset="0"/>
-              </a:rPr>
-              <a:t>Type(T) = Type(t1) = Type(t2) = Type(t3) = Type(t4)</a:t>
-            </a:r>
-          </a:p>
-          <a:p>
-            <a:pPr marL="0" indent="0">
-              <a:buNone/>
-            </a:pPr>
-            <a:r>
-              <a:rPr lang="en-US" dirty="0">
-                <a:solidFill>
-                  <a:srgbClr val="0000FF"/>
-                </a:solidFill>
-                <a:latin typeface="Consolas" panose="020B0609020204030204" pitchFamily="49" charset="0"/>
-                <a:cs typeface="Consolas" panose="020B0609020204030204" pitchFamily="49" charset="0"/>
-              </a:rPr>
-              <a:t>AND combine() is a </a:t>
-            </a:r>
-            <a:r>
-              <a:rPr lang="en-US" dirty="0">
-                <a:solidFill>
-                  <a:schemeClr val="tx2"/>
-                </a:solidFill>
-                <a:latin typeface="Consolas" panose="020B0609020204030204" pitchFamily="49" charset="0"/>
-                <a:cs typeface="Consolas" panose="020B0609020204030204" pitchFamily="49" charset="0"/>
-              </a:rPr>
-              <a:t>commutative</a:t>
-            </a:r>
-            <a:r>
-              <a:rPr lang="en-US" dirty="0">
-                <a:solidFill>
-                  <a:srgbClr val="0000FF"/>
-                </a:solidFill>
-                <a:latin typeface="Consolas" panose="020B0609020204030204" pitchFamily="49" charset="0"/>
-                <a:cs typeface="Consolas" panose="020B0609020204030204" pitchFamily="49" charset="0"/>
-              </a:rPr>
-              <a:t> and </a:t>
-            </a:r>
-            <a:r>
-              <a:rPr lang="en-US" dirty="0">
-                <a:solidFill>
-                  <a:schemeClr val="tx2"/>
-                </a:solidFill>
-                <a:latin typeface="Consolas" panose="020B0609020204030204" pitchFamily="49" charset="0"/>
-                <a:cs typeface="Consolas" panose="020B0609020204030204" pitchFamily="49" charset="0"/>
-              </a:rPr>
-              <a:t>associative function.</a:t>
             </a:r>
           </a:p>
           <a:p>
@@ -10189,24 +14004,12 @@
               <a:cs typeface="Consolas" panose="020B0609020204030204" pitchFamily="49" charset="0"/>
             </a:endParaRPr>
           </a:p>
-          <a:p>
-            <a:pPr marL="0" indent="0">
-              <a:buNone/>
-            </a:pPr>
-            <a:endParaRPr lang="en-US" dirty="0">
-              <a:solidFill>
-                <a:srgbClr val="0000FF"/>
-              </a:solidFill>
-              <a:latin typeface="Consolas" panose="020B0609020204030204" pitchFamily="49" charset="0"/>
-              <a:cs typeface="Consolas" panose="020B0609020204030204" pitchFamily="49" charset="0"/>
-            </a:endParaRPr>
-          </a:p>
         </p:txBody>
       </p:sp>
     </p:spTree>
     <p:extLst>
       <p:ext uri="{BB962C8B-B14F-4D97-AF65-F5344CB8AC3E}">
-        <p14:creationId xmlns:p14="http://schemas.microsoft.com/office/powerpoint/2010/main" val="3186962666"/>
+        <p14:creationId xmlns:p14="http://schemas.microsoft.com/office/powerpoint/2010/main" val="1722293679"/>
       </p:ext>
     </p:extLst>
   </p:cSld>
@@ -10251,19 +14054,19 @@
         </p:nvSpPr>
         <p:spPr>
           <a:xfrm>
-            <a:off x="838200" y="365126"/>
-            <a:ext cx="10515600" cy="706930"/>
+            <a:off x="838200" y="365127"/>
+            <a:ext cx="10515600" cy="675398"/>
           </a:xfrm>
         </p:spPr>
         <p:txBody>
           <a:bodyPr>
-            <a:normAutofit/>
+            <a:normAutofit fontScale="90000"/>
           </a:bodyPr>
           <a:lstStyle/>
           <a:p>
             <a:r>
               <a:rPr lang="en-US" dirty="0"/>
-              <a:t>What about Combiners?</a:t>
+              <a:t>Informal Example</a:t>
             </a:r>
           </a:p>
         </p:txBody>
@@ -10286,39 +14089,77 @@
         </p:nvSpPr>
         <p:spPr>
           <a:xfrm>
-            <a:off x="838200" y="1271752"/>
-            <a:ext cx="10515600" cy="4905211"/>
+            <a:off x="838200" y="1040525"/>
+            <a:ext cx="10515600" cy="5136439"/>
           </a:xfrm>
         </p:spPr>
         <p:txBody>
           <a:bodyPr>
-            <a:normAutofit/>
+            <a:normAutofit fontScale="92500" lnSpcReduction="10000"/>
           </a:bodyPr>
           <a:lstStyle/>
           <a:p>
-            <a:pPr marL="0" indent="0">
-              <a:spcBef>
-                <a:spcPts val="600"/>
-              </a:spcBef>
-              <a:buNone/>
-            </a:pPr>
-            <a:r>
-              <a:rPr lang="en-US" sz="3600" b="1" dirty="0"/>
-              <a:t>Combiner</a:t>
-            </a:r>
-            <a:r>
-              <a:rPr lang="en-US" sz="3600" dirty="0"/>
-              <a:t> is also known as “</a:t>
-            </a:r>
-            <a:r>
-              <a:rPr lang="en-US" sz="3600" b="1" dirty="0"/>
-              <a:t>Mini-Reducer</a:t>
-            </a:r>
-            <a:r>
-              <a:rPr lang="en-US" sz="3600" dirty="0"/>
-              <a:t>” that summarizes the mapper output record with the same Key before passing to the Reducer. </a:t>
-            </a:r>
-            <a:endParaRPr lang="en-US" sz="2400" dirty="0">
+            <a:r>
+              <a:rPr lang="en-US" sz="1600" dirty="0">
+                <a:solidFill>
+                  <a:srgbClr val="0000FF"/>
+                </a:solidFill>
+                <a:latin typeface="Consolas" panose="020B0609020204030204" pitchFamily="49" charset="0"/>
+                <a:cs typeface="Consolas" panose="020B0609020204030204" pitchFamily="49" charset="0"/>
+              </a:rPr>
+              <a:t>Mappers output:</a:t>
+            </a:r>
+          </a:p>
+          <a:p>
+            <a:pPr marL="0" indent="0">
+              <a:buNone/>
+            </a:pPr>
+            <a:r>
+              <a:rPr lang="en-US" sz="1600" dirty="0">
+                <a:solidFill>
+                  <a:schemeClr val="tx2"/>
+                </a:solidFill>
+                <a:latin typeface="Consolas" panose="020B0609020204030204" pitchFamily="49" charset="0"/>
+                <a:cs typeface="Consolas" panose="020B0609020204030204" pitchFamily="49" charset="0"/>
+              </a:rPr>
+              <a:t>Partition-1:</a:t>
+            </a:r>
+            <a:r>
+              <a:rPr lang="en-US" sz="1600" dirty="0">
+                <a:solidFill>
+                  <a:srgbClr val="0000FF"/>
+                </a:solidFill>
+                <a:latin typeface="Consolas" panose="020B0609020204030204" pitchFamily="49" charset="0"/>
+                <a:cs typeface="Consolas" panose="020B0609020204030204" pitchFamily="49" charset="0"/>
+              </a:rPr>
+              <a:t> (K, v1), (K, v2), (K, v3)</a:t>
+            </a:r>
+          </a:p>
+          <a:p>
+            <a:pPr marL="0" indent="0">
+              <a:buNone/>
+            </a:pPr>
+            <a:r>
+              <a:rPr lang="en-US" sz="1600" dirty="0">
+                <a:solidFill>
+                  <a:schemeClr val="tx2"/>
+                </a:solidFill>
+                <a:latin typeface="Consolas" panose="020B0609020204030204" pitchFamily="49" charset="0"/>
+                <a:cs typeface="Consolas" panose="020B0609020204030204" pitchFamily="49" charset="0"/>
+              </a:rPr>
+              <a:t>Partition-2:</a:t>
+            </a:r>
+            <a:r>
+              <a:rPr lang="en-US" sz="1600" dirty="0">
+                <a:solidFill>
+                  <a:srgbClr val="0000FF"/>
+                </a:solidFill>
+                <a:latin typeface="Consolas" panose="020B0609020204030204" pitchFamily="49" charset="0"/>
+                <a:cs typeface="Consolas" panose="020B0609020204030204" pitchFamily="49" charset="0"/>
+              </a:rPr>
+              <a:t> (K, t1), (K, t2), (K, t3), (K, t4)</a:t>
+            </a:r>
+            <a:endParaRPr lang="en-US" dirty="0">
               <a:solidFill>
                 <a:srgbClr val="0000FF"/>
               </a:solidFill>
@@ -10326,12 +14167,271 @@
               <a:cs typeface="Consolas" panose="020B0609020204030204" pitchFamily="49" charset="0"/>
             </a:endParaRPr>
           </a:p>
+          <a:p>
+            <a:pPr marL="0" indent="0">
+              <a:buNone/>
+            </a:pPr>
+            <a:r>
+              <a:rPr lang="en-US" sz="1600" dirty="0">
+                <a:solidFill>
+                  <a:srgbClr val="0000FF"/>
+                </a:solidFill>
+                <a:latin typeface="Consolas" panose="020B0609020204030204" pitchFamily="49" charset="0"/>
+                <a:cs typeface="Consolas" panose="020B0609020204030204" pitchFamily="49" charset="0"/>
+              </a:rPr>
+              <a:t>Rather than sending </a:t>
+            </a:r>
+            <a:r>
+              <a:rPr lang="en-US" sz="1600" dirty="0">
+                <a:solidFill>
+                  <a:schemeClr val="tx2"/>
+                </a:solidFill>
+                <a:latin typeface="Consolas" panose="020B0609020204030204" pitchFamily="49" charset="0"/>
+                <a:cs typeface="Consolas" panose="020B0609020204030204" pitchFamily="49" charset="0"/>
+              </a:rPr>
+              <a:t>(K, [v1, v2, v3, t1, t2, t3, t4]) </a:t>
+            </a:r>
+            <a:r>
+              <a:rPr lang="en-US" sz="1600" dirty="0">
+                <a:solidFill>
+                  <a:srgbClr val="0000FF"/>
+                </a:solidFill>
+                <a:latin typeface="Consolas" panose="020B0609020204030204" pitchFamily="49" charset="0"/>
+                <a:cs typeface="Consolas" panose="020B0609020204030204" pitchFamily="49" charset="0"/>
+              </a:rPr>
+              <a:t>to a reduce() function,                     we can send </a:t>
+            </a:r>
+            <a:r>
+              <a:rPr lang="en-US" sz="1600" dirty="0">
+                <a:solidFill>
+                  <a:schemeClr val="tx2"/>
+                </a:solidFill>
+                <a:latin typeface="Consolas" panose="020B0609020204030204" pitchFamily="49" charset="0"/>
+                <a:cs typeface="Consolas" panose="020B0609020204030204" pitchFamily="49" charset="0"/>
+              </a:rPr>
+              <a:t>(K, [V, T])</a:t>
+            </a:r>
+          </a:p>
+          <a:p>
+            <a:pPr marL="0" indent="0">
+              <a:buNone/>
+            </a:pPr>
+            <a:r>
+              <a:rPr lang="en-US" sz="1600" dirty="0">
+                <a:solidFill>
+                  <a:srgbClr val="0000FF"/>
+                </a:solidFill>
+                <a:latin typeface="Consolas" panose="020B0609020204030204" pitchFamily="49" charset="0"/>
+                <a:cs typeface="Consolas" panose="020B0609020204030204" pitchFamily="49" charset="0"/>
+              </a:rPr>
+              <a:t>where</a:t>
+            </a:r>
+          </a:p>
+          <a:p>
+            <a:pPr marL="0" indent="0">
+              <a:buNone/>
+            </a:pPr>
+            <a:r>
+              <a:rPr lang="en-US" sz="2000" dirty="0">
+                <a:solidFill>
+                  <a:schemeClr val="tx2"/>
+                </a:solidFill>
+                <a:latin typeface="Consolas" panose="020B0609020204030204" pitchFamily="49" charset="0"/>
+                <a:cs typeface="Consolas" panose="020B0609020204030204" pitchFamily="49" charset="0"/>
+              </a:rPr>
+              <a:t>       V = combine([v1, v2, v3])</a:t>
+            </a:r>
+          </a:p>
+          <a:p>
+            <a:pPr marL="0" indent="0">
+              <a:buNone/>
+            </a:pPr>
+            <a:r>
+              <a:rPr lang="en-US" sz="2000" dirty="0">
+                <a:solidFill>
+                  <a:schemeClr val="tx2"/>
+                </a:solidFill>
+                <a:latin typeface="Consolas" panose="020B0609020204030204" pitchFamily="49" charset="0"/>
+                <a:cs typeface="Consolas" panose="020B0609020204030204" pitchFamily="49" charset="0"/>
+              </a:rPr>
+              <a:t>       T = combine([t1, t2, t3, t4])</a:t>
+            </a:r>
+          </a:p>
+          <a:p>
+            <a:pPr marL="0" indent="0">
+              <a:buNone/>
+            </a:pPr>
+            <a:r>
+              <a:rPr lang="en-US" dirty="0">
+                <a:solidFill>
+                  <a:srgbClr val="0000FF"/>
+                </a:solidFill>
+                <a:latin typeface="Consolas" panose="020B0609020204030204" pitchFamily="49" charset="0"/>
+                <a:cs typeface="Consolas" panose="020B0609020204030204" pitchFamily="49" charset="0"/>
+              </a:rPr>
+              <a:t>Note that you have to guarantee 4 properties:</a:t>
+            </a:r>
+          </a:p>
+          <a:p>
+            <a:pPr marL="0" indent="0">
+              <a:buNone/>
+            </a:pPr>
+            <a:r>
+              <a:rPr lang="en-US" dirty="0">
+                <a:solidFill>
+                  <a:schemeClr val="tx2"/>
+                </a:solidFill>
+                <a:latin typeface="Consolas" panose="020B0609020204030204" pitchFamily="49" charset="0"/>
+                <a:cs typeface="Consolas" panose="020B0609020204030204" pitchFamily="49" charset="0"/>
+              </a:rPr>
+              <a:t>1. Type(V) = Type(v1) = Type(v2) = Type(v3)</a:t>
+            </a:r>
+          </a:p>
+          <a:p>
+            <a:pPr marL="0" indent="0">
+              <a:buNone/>
+            </a:pPr>
+            <a:r>
+              <a:rPr lang="en-US" dirty="0">
+                <a:solidFill>
+                  <a:schemeClr val="tx2"/>
+                </a:solidFill>
+                <a:latin typeface="Consolas" panose="020B0609020204030204" pitchFamily="49" charset="0"/>
+                <a:cs typeface="Consolas" panose="020B0609020204030204" pitchFamily="49" charset="0"/>
+              </a:rPr>
+              <a:t>2. Type(T) = Type(t1) = Type(t2) = Type(t3) = Type(t4)</a:t>
+            </a:r>
+          </a:p>
+          <a:p>
+            <a:pPr marL="0" indent="0">
+              <a:buNone/>
+            </a:pPr>
+            <a:r>
+              <a:rPr lang="en-US" dirty="0">
+                <a:solidFill>
+                  <a:schemeClr val="tx2"/>
+                </a:solidFill>
+                <a:latin typeface="Consolas" panose="020B0609020204030204" pitchFamily="49" charset="0"/>
+                <a:cs typeface="Consolas" panose="020B0609020204030204" pitchFamily="49" charset="0"/>
+              </a:rPr>
+              <a:t>3.</a:t>
+            </a:r>
+            <a:r>
+              <a:rPr lang="en-US" dirty="0">
+                <a:solidFill>
+                  <a:srgbClr val="0000FF"/>
+                </a:solidFill>
+                <a:latin typeface="Consolas" panose="020B0609020204030204" pitchFamily="49" charset="0"/>
+                <a:cs typeface="Consolas" panose="020B0609020204030204" pitchFamily="49" charset="0"/>
+              </a:rPr>
+              <a:t> combine() MUST be a </a:t>
+            </a:r>
+            <a:r>
+              <a:rPr lang="en-US" b="1" dirty="0">
+                <a:solidFill>
+                  <a:schemeClr val="tx2"/>
+                </a:solidFill>
+                <a:latin typeface="Consolas" panose="020B0609020204030204" pitchFamily="49" charset="0"/>
+                <a:cs typeface="Consolas" panose="020B0609020204030204" pitchFamily="49" charset="0"/>
+              </a:rPr>
+              <a:t>commutative</a:t>
+            </a:r>
+            <a:r>
+              <a:rPr lang="en-US" dirty="0">
+                <a:solidFill>
+                  <a:srgbClr val="0000FF"/>
+                </a:solidFill>
+                <a:latin typeface="Consolas" panose="020B0609020204030204" pitchFamily="49" charset="0"/>
+                <a:cs typeface="Consolas" panose="020B0609020204030204" pitchFamily="49" charset="0"/>
+              </a:rPr>
+              <a:t> </a:t>
+            </a:r>
+            <a:r>
+              <a:rPr lang="en-US" dirty="0">
+                <a:solidFill>
+                  <a:schemeClr val="tx2"/>
+                </a:solidFill>
+                <a:latin typeface="Consolas" panose="020B0609020204030204" pitchFamily="49" charset="0"/>
+                <a:cs typeface="Consolas" panose="020B0609020204030204" pitchFamily="49" charset="0"/>
+              </a:rPr>
+              <a:t>function.</a:t>
+            </a:r>
+          </a:p>
+          <a:p>
+            <a:pPr marL="0" indent="0">
+              <a:buNone/>
+            </a:pPr>
+            <a:r>
+              <a:rPr lang="en-US" dirty="0">
+                <a:solidFill>
+                  <a:schemeClr val="tx2"/>
+                </a:solidFill>
+                <a:latin typeface="Consolas" panose="020B0609020204030204" pitchFamily="49" charset="0"/>
+                <a:cs typeface="Consolas" panose="020B0609020204030204" pitchFamily="49" charset="0"/>
+              </a:rPr>
+              <a:t>4.</a:t>
+            </a:r>
+            <a:r>
+              <a:rPr lang="en-US" dirty="0">
+                <a:solidFill>
+                  <a:srgbClr val="0000FF"/>
+                </a:solidFill>
+                <a:latin typeface="Consolas" panose="020B0609020204030204" pitchFamily="49" charset="0"/>
+                <a:cs typeface="Consolas" panose="020B0609020204030204" pitchFamily="49" charset="0"/>
+              </a:rPr>
+              <a:t> combine() MUST be an </a:t>
+            </a:r>
+            <a:r>
+              <a:rPr lang="en-US" b="1" dirty="0">
+                <a:solidFill>
+                  <a:schemeClr val="tx2"/>
+                </a:solidFill>
+                <a:latin typeface="Consolas" panose="020B0609020204030204" pitchFamily="49" charset="0"/>
+                <a:cs typeface="Consolas" panose="020B0609020204030204" pitchFamily="49" charset="0"/>
+              </a:rPr>
+              <a:t>associative</a:t>
+            </a:r>
+            <a:r>
+              <a:rPr lang="en-US" dirty="0">
+                <a:solidFill>
+                  <a:schemeClr val="tx2"/>
+                </a:solidFill>
+                <a:latin typeface="Consolas" panose="020B0609020204030204" pitchFamily="49" charset="0"/>
+                <a:cs typeface="Consolas" panose="020B0609020204030204" pitchFamily="49" charset="0"/>
+              </a:rPr>
+              <a:t> function.</a:t>
+            </a:r>
+          </a:p>
+          <a:p>
+            <a:pPr marL="0" indent="0">
+              <a:buNone/>
+            </a:pPr>
+            <a:endParaRPr lang="en-US" dirty="0">
+              <a:solidFill>
+                <a:srgbClr val="0000FF"/>
+              </a:solidFill>
+              <a:latin typeface="Consolas" panose="020B0609020204030204" pitchFamily="49" charset="0"/>
+              <a:cs typeface="Consolas" panose="020B0609020204030204" pitchFamily="49" charset="0"/>
+            </a:endParaRPr>
+          </a:p>
+          <a:p>
+            <a:pPr marL="0" indent="0">
+              <a:buNone/>
+            </a:pPr>
+            <a:endParaRPr lang="en-US" dirty="0">
+              <a:solidFill>
+                <a:srgbClr val="0000FF"/>
+              </a:solidFill>
+              <a:latin typeface="Consolas" panose="020B0609020204030204" pitchFamily="49" charset="0"/>
+              <a:cs typeface="Consolas" panose="020B0609020204030204" pitchFamily="49" charset="0"/>
+            </a:endParaRPr>
+          </a:p>
         </p:txBody>
       </p:sp>
     </p:spTree>
     <p:extLst>
       <p:ext uri="{BB962C8B-B14F-4D97-AF65-F5344CB8AC3E}">
-        <p14:creationId xmlns:p14="http://schemas.microsoft.com/office/powerpoint/2010/main" val="291140189"/>
+        <p14:creationId xmlns:p14="http://schemas.microsoft.com/office/powerpoint/2010/main" val="3186962666"/>
       </p:ext>
     </p:extLst>
   </p:cSld>
@@ -10376,8 +14476,8 @@
         </p:nvSpPr>
         <p:spPr>
           <a:xfrm>
-            <a:off x="838200" y="365126"/>
-            <a:ext cx="10515600" cy="450420"/>
+            <a:off x="838200" y="365127"/>
+            <a:ext cx="10515600" cy="675398"/>
           </a:xfrm>
         </p:spPr>
         <p:txBody>
@@ -10388,44 +14488,322 @@
           <a:p>
             <a:r>
               <a:rPr lang="en-US" dirty="0"/>
-              <a:t>What about Combiners?</a:t>
-            </a:r>
-          </a:p>
-        </p:txBody>
-      </p:sp>
-      <p:pic>
-        <p:nvPicPr>
-          <p:cNvPr id="5" name="Content Placeholder 4" descr="Diagram&#10;&#10;Description automatically generated">
+              <a:t>Combiner Example: find sum of values per key</a:t>
+            </a:r>
+          </a:p>
+        </p:txBody>
+      </p:sp>
+      <p:sp>
+        <p:nvSpPr>
+          <p:cNvPr id="3" name="Content Placeholder 2">
             <a:extLst>
               <a:ext uri="{FF2B5EF4-FFF2-40B4-BE49-F238E27FC236}">
-                <a16:creationId xmlns:a16="http://schemas.microsoft.com/office/drawing/2014/main" id="{3DEE72CE-58F1-644E-9AB9-E52DE62EF462}"/>
+                <a16:creationId xmlns:a16="http://schemas.microsoft.com/office/drawing/2014/main" id="{3BD1778A-B232-474D-BA9E-B44F86DC7DBB}"/>
               </a:ext>
             </a:extLst>
           </p:cNvPr>
-          <p:cNvPicPr>
-            <a:picLocks noGrp="1" noChangeAspect="1"/>
-          </p:cNvPicPr>
+          <p:cNvSpPr>
+            <a:spLocks noGrp="1"/>
+          </p:cNvSpPr>
           <p:nvPr>
             <p:ph idx="1"/>
           </p:nvPr>
-        </p:nvPicPr>
-        <p:blipFill>
-          <a:blip r:embed="rId2"/>
-          <a:stretch>
-            <a:fillRect/>
-          </a:stretch>
-        </p:blipFill>
-        <p:spPr>
-          <a:xfrm>
-            <a:off x="2891481" y="914400"/>
-            <a:ext cx="7179276" cy="5578474"/>
-          </a:xfrm>
-        </p:spPr>
-      </p:pic>
+        </p:nvSpPr>
+        <p:spPr>
+          <a:xfrm>
+            <a:off x="838200" y="1177159"/>
+            <a:ext cx="10515600" cy="4999805"/>
+          </a:xfrm>
+        </p:spPr>
+        <p:txBody>
+          <a:bodyPr>
+            <a:normAutofit fontScale="92500" lnSpcReduction="10000"/>
+          </a:bodyPr>
+          <a:lstStyle/>
+          <a:p>
+            <a:r>
+              <a:rPr lang="en-US" b="1" dirty="0">
+                <a:solidFill>
+                  <a:srgbClr val="0000FF"/>
+                </a:solidFill>
+                <a:latin typeface="Consolas" panose="020B0609020204030204" pitchFamily="49" charset="0"/>
+                <a:cs typeface="Consolas" panose="020B0609020204030204" pitchFamily="49" charset="0"/>
+              </a:rPr>
+              <a:t>Mappers output:</a:t>
+            </a:r>
+          </a:p>
+          <a:p>
+            <a:pPr marL="0" indent="0">
+              <a:buNone/>
+            </a:pPr>
+            <a:r>
+              <a:rPr lang="en-US" dirty="0">
+                <a:solidFill>
+                  <a:schemeClr val="tx2"/>
+                </a:solidFill>
+                <a:latin typeface="Consolas" panose="020B0609020204030204" pitchFamily="49" charset="0"/>
+                <a:cs typeface="Consolas" panose="020B0609020204030204" pitchFamily="49" charset="0"/>
+              </a:rPr>
+              <a:t>Partition-1:</a:t>
+            </a:r>
+            <a:r>
+              <a:rPr lang="en-US" dirty="0">
+                <a:solidFill>
+                  <a:srgbClr val="0000FF"/>
+                </a:solidFill>
+                <a:latin typeface="Consolas" panose="020B0609020204030204" pitchFamily="49" charset="0"/>
+                <a:cs typeface="Consolas" panose="020B0609020204030204" pitchFamily="49" charset="0"/>
+              </a:rPr>
+              <a:t> (K, 2), (K, 3), (K, 4)</a:t>
+            </a:r>
+          </a:p>
+          <a:p>
+            <a:pPr marL="0" indent="0">
+              <a:buNone/>
+            </a:pPr>
+            <a:r>
+              <a:rPr lang="en-US" dirty="0">
+                <a:solidFill>
+                  <a:schemeClr val="tx2"/>
+                </a:solidFill>
+                <a:latin typeface="Consolas" panose="020B0609020204030204" pitchFamily="49" charset="0"/>
+                <a:cs typeface="Consolas" panose="020B0609020204030204" pitchFamily="49" charset="0"/>
+              </a:rPr>
+              <a:t>Partition-2:</a:t>
+            </a:r>
+            <a:r>
+              <a:rPr lang="en-US" dirty="0">
+                <a:solidFill>
+                  <a:srgbClr val="0000FF"/>
+                </a:solidFill>
+                <a:latin typeface="Consolas" panose="020B0609020204030204" pitchFamily="49" charset="0"/>
+                <a:cs typeface="Consolas" panose="020B0609020204030204" pitchFamily="49" charset="0"/>
+              </a:rPr>
+              <a:t> (K, 5), (K, 6), (K, 7), (K, 8)</a:t>
+            </a:r>
+          </a:p>
+          <a:p>
+            <a:pPr marL="0" indent="0">
+              <a:buNone/>
+            </a:pPr>
+            <a:endParaRPr lang="en-US" dirty="0">
+              <a:solidFill>
+                <a:srgbClr val="0000FF"/>
+              </a:solidFill>
+              <a:latin typeface="Consolas" panose="020B0609020204030204" pitchFamily="49" charset="0"/>
+              <a:cs typeface="Consolas" panose="020B0609020204030204" pitchFamily="49" charset="0"/>
+            </a:endParaRPr>
+          </a:p>
+          <a:p>
+            <a:pPr marL="0" indent="0">
+              <a:buNone/>
+            </a:pPr>
+            <a:r>
+              <a:rPr lang="en-US" dirty="0">
+                <a:solidFill>
+                  <a:srgbClr val="0000FF"/>
+                </a:solidFill>
+                <a:latin typeface="Consolas" panose="020B0609020204030204" pitchFamily="49" charset="0"/>
+                <a:cs typeface="Consolas" panose="020B0609020204030204" pitchFamily="49" charset="0"/>
+              </a:rPr>
+              <a:t>Rather than sending </a:t>
+            </a:r>
+            <a:r>
+              <a:rPr lang="en-US" dirty="0">
+                <a:solidFill>
+                  <a:schemeClr val="tx2"/>
+                </a:solidFill>
+                <a:latin typeface="Consolas" panose="020B0609020204030204" pitchFamily="49" charset="0"/>
+                <a:cs typeface="Consolas" panose="020B0609020204030204" pitchFamily="49" charset="0"/>
+              </a:rPr>
+              <a:t>(K, [2, 3, 4, 5, 6, 7, 8]) </a:t>
+            </a:r>
+            <a:r>
+              <a:rPr lang="en-US" dirty="0">
+                <a:solidFill>
+                  <a:srgbClr val="0000FF"/>
+                </a:solidFill>
+                <a:latin typeface="Consolas" panose="020B0609020204030204" pitchFamily="49" charset="0"/>
+                <a:cs typeface="Consolas" panose="020B0609020204030204" pitchFamily="49" charset="0"/>
+              </a:rPr>
+              <a:t>to a reduce() function, we can send </a:t>
+            </a:r>
+            <a:r>
+              <a:rPr lang="en-US" dirty="0">
+                <a:solidFill>
+                  <a:schemeClr val="tx2"/>
+                </a:solidFill>
+                <a:latin typeface="Consolas" panose="020B0609020204030204" pitchFamily="49" charset="0"/>
+                <a:cs typeface="Consolas" panose="020B0609020204030204" pitchFamily="49" charset="0"/>
+              </a:rPr>
+              <a:t>(K, [9, 26]), </a:t>
+            </a:r>
+            <a:r>
+              <a:rPr lang="en-US" dirty="0">
+                <a:solidFill>
+                  <a:srgbClr val="0000FF"/>
+                </a:solidFill>
+                <a:latin typeface="Consolas" panose="020B0609020204030204" pitchFamily="49" charset="0"/>
+                <a:cs typeface="Consolas" panose="020B0609020204030204" pitchFamily="49" charset="0"/>
+              </a:rPr>
+              <a:t>where</a:t>
+            </a:r>
+          </a:p>
+          <a:p>
+            <a:pPr marL="0" indent="0">
+              <a:buNone/>
+            </a:pPr>
+            <a:endParaRPr lang="en-US" dirty="0">
+              <a:solidFill>
+                <a:srgbClr val="0000FF"/>
+              </a:solidFill>
+              <a:latin typeface="Consolas" panose="020B0609020204030204" pitchFamily="49" charset="0"/>
+              <a:cs typeface="Consolas" panose="020B0609020204030204" pitchFamily="49" charset="0"/>
+            </a:endParaRPr>
+          </a:p>
+          <a:p>
+            <a:pPr marL="0" indent="0">
+              <a:buNone/>
+            </a:pPr>
+            <a:r>
+              <a:rPr lang="en-US" dirty="0">
+                <a:solidFill>
+                  <a:srgbClr val="0000FF"/>
+                </a:solidFill>
+                <a:latin typeface="Consolas" panose="020B0609020204030204" pitchFamily="49" charset="0"/>
+                <a:cs typeface="Consolas" panose="020B0609020204030204" pitchFamily="49" charset="0"/>
+              </a:rPr>
+              <a:t>        9 = </a:t>
+            </a:r>
+            <a:r>
+              <a:rPr lang="en-US" dirty="0">
+                <a:solidFill>
+                  <a:srgbClr val="002060"/>
+                </a:solidFill>
+                <a:latin typeface="Consolas" panose="020B0609020204030204" pitchFamily="49" charset="0"/>
+                <a:cs typeface="Consolas" panose="020B0609020204030204" pitchFamily="49" charset="0"/>
+              </a:rPr>
+              <a:t>combine</a:t>
+            </a:r>
+            <a:r>
+              <a:rPr lang="en-US" dirty="0">
+                <a:solidFill>
+                  <a:srgbClr val="0000FF"/>
+                </a:solidFill>
+                <a:latin typeface="Consolas" panose="020B0609020204030204" pitchFamily="49" charset="0"/>
+                <a:cs typeface="Consolas" panose="020B0609020204030204" pitchFamily="49" charset="0"/>
+              </a:rPr>
+              <a:t>([2, 3, 4])</a:t>
+            </a:r>
+          </a:p>
+          <a:p>
+            <a:pPr marL="0" indent="0">
+              <a:buNone/>
+            </a:pPr>
+            <a:r>
+              <a:rPr lang="en-US" dirty="0">
+                <a:solidFill>
+                  <a:srgbClr val="0000FF"/>
+                </a:solidFill>
+                <a:latin typeface="Consolas" panose="020B0609020204030204" pitchFamily="49" charset="0"/>
+                <a:cs typeface="Consolas" panose="020B0609020204030204" pitchFamily="49" charset="0"/>
+              </a:rPr>
+              <a:t>       26 = </a:t>
+            </a:r>
+            <a:r>
+              <a:rPr lang="en-US" dirty="0">
+                <a:solidFill>
+                  <a:srgbClr val="002060"/>
+                </a:solidFill>
+                <a:latin typeface="Consolas" panose="020B0609020204030204" pitchFamily="49" charset="0"/>
+                <a:cs typeface="Consolas" panose="020B0609020204030204" pitchFamily="49" charset="0"/>
+              </a:rPr>
+              <a:t>combine</a:t>
+            </a:r>
+            <a:r>
+              <a:rPr lang="en-US" dirty="0">
+                <a:solidFill>
+                  <a:srgbClr val="0000FF"/>
+                </a:solidFill>
+                <a:latin typeface="Consolas" panose="020B0609020204030204" pitchFamily="49" charset="0"/>
+                <a:cs typeface="Consolas" panose="020B0609020204030204" pitchFamily="49" charset="0"/>
+              </a:rPr>
+              <a:t>([5, 6, 7, 8])</a:t>
+            </a:r>
+          </a:p>
+          <a:p>
+            <a:pPr marL="0" indent="0">
+              <a:buNone/>
+            </a:pPr>
+            <a:r>
+              <a:rPr lang="en-US" dirty="0">
+                <a:solidFill>
+                  <a:srgbClr val="0000FF"/>
+                </a:solidFill>
+                <a:latin typeface="Consolas" panose="020B0609020204030204" pitchFamily="49" charset="0"/>
+                <a:cs typeface="Consolas" panose="020B0609020204030204" pitchFamily="49" charset="0"/>
+              </a:rPr>
+              <a:t>Note the the addition (+) is a </a:t>
+            </a:r>
+            <a:r>
+              <a:rPr lang="en-US" dirty="0">
+                <a:solidFill>
+                  <a:schemeClr val="tx2"/>
+                </a:solidFill>
+                <a:latin typeface="Consolas" panose="020B0609020204030204" pitchFamily="49" charset="0"/>
+                <a:cs typeface="Consolas" panose="020B0609020204030204" pitchFamily="49" charset="0"/>
+              </a:rPr>
+              <a:t>commutative</a:t>
+            </a:r>
+            <a:r>
+              <a:rPr lang="en-US" dirty="0">
+                <a:solidFill>
+                  <a:srgbClr val="0000FF"/>
+                </a:solidFill>
+                <a:latin typeface="Consolas" panose="020B0609020204030204" pitchFamily="49" charset="0"/>
+                <a:cs typeface="Consolas" panose="020B0609020204030204" pitchFamily="49" charset="0"/>
+              </a:rPr>
+              <a:t> and an </a:t>
+            </a:r>
+            <a:r>
+              <a:rPr lang="en-US" dirty="0">
+                <a:solidFill>
+                  <a:schemeClr val="tx2"/>
+                </a:solidFill>
+                <a:latin typeface="Consolas" panose="020B0609020204030204" pitchFamily="49" charset="0"/>
+                <a:cs typeface="Consolas" panose="020B0609020204030204" pitchFamily="49" charset="0"/>
+              </a:rPr>
+              <a:t>associative</a:t>
+            </a:r>
+            <a:r>
+              <a:rPr lang="en-US" dirty="0">
+                <a:solidFill>
+                  <a:srgbClr val="0000FF"/>
+                </a:solidFill>
+                <a:latin typeface="Consolas" panose="020B0609020204030204" pitchFamily="49" charset="0"/>
+                <a:cs typeface="Consolas" panose="020B0609020204030204" pitchFamily="49" charset="0"/>
+              </a:rPr>
+              <a:t> function.</a:t>
+            </a:r>
+          </a:p>
+          <a:p>
+            <a:pPr marL="0" indent="0">
+              <a:buNone/>
+            </a:pPr>
+            <a:endParaRPr lang="en-US" dirty="0">
+              <a:solidFill>
+                <a:srgbClr val="0000FF"/>
+              </a:solidFill>
+              <a:latin typeface="Consolas" panose="020B0609020204030204" pitchFamily="49" charset="0"/>
+              <a:cs typeface="Consolas" panose="020B0609020204030204" pitchFamily="49" charset="0"/>
+            </a:endParaRPr>
+          </a:p>
+        </p:txBody>
+      </p:sp>
     </p:spTree>
     <p:extLst>
       <p:ext uri="{BB962C8B-B14F-4D97-AF65-F5344CB8AC3E}">
-        <p14:creationId xmlns:p14="http://schemas.microsoft.com/office/powerpoint/2010/main" val="1406568510"/>
+        <p14:creationId xmlns:p14="http://schemas.microsoft.com/office/powerpoint/2010/main" val="3854661271"/>
       </p:ext>
     </p:extLst>
   </p:cSld>
@@ -10471,55 +14849,146 @@
         <p:spPr>
           <a:xfrm>
             <a:off x="838200" y="365126"/>
-            <a:ext cx="10515600" cy="450420"/>
+            <a:ext cx="10515600" cy="706930"/>
           </a:xfrm>
         </p:spPr>
         <p:txBody>
           <a:bodyPr>
-            <a:normAutofit fontScale="90000"/>
+            <a:normAutofit/>
           </a:bodyPr>
           <a:lstStyle/>
           <a:p>
             <a:r>
               <a:rPr lang="en-US" dirty="0"/>
-              <a:t>MapReduce without Combiners</a:t>
-            </a:r>
-          </a:p>
-        </p:txBody>
-      </p:sp>
-      <p:pic>
-        <p:nvPicPr>
-          <p:cNvPr id="7" name="Content Placeholder 6" descr="Diagram&#10;&#10;Description automatically generated">
+              <a:t>What about Combiners?</a:t>
+            </a:r>
+          </a:p>
+        </p:txBody>
+      </p:sp>
+      <p:sp>
+        <p:nvSpPr>
+          <p:cNvPr id="3" name="Content Placeholder 2">
             <a:extLst>
               <a:ext uri="{FF2B5EF4-FFF2-40B4-BE49-F238E27FC236}">
-                <a16:creationId xmlns:a16="http://schemas.microsoft.com/office/drawing/2014/main" id="{0B2B157C-FB79-0947-B72A-A1D85E5B43EB}"/>
+                <a16:creationId xmlns:a16="http://schemas.microsoft.com/office/drawing/2014/main" id="{3BD1778A-B232-474D-BA9E-B44F86DC7DBB}"/>
               </a:ext>
             </a:extLst>
           </p:cNvPr>
-          <p:cNvPicPr>
-            <a:picLocks noGrp="1" noChangeAspect="1"/>
-          </p:cNvPicPr>
+          <p:cNvSpPr>
+            <a:spLocks noGrp="1"/>
+          </p:cNvSpPr>
           <p:nvPr>
             <p:ph idx="1"/>
           </p:nvPr>
-        </p:nvPicPr>
-        <p:blipFill>
-          <a:blip r:embed="rId2"/>
-          <a:stretch>
-            <a:fillRect/>
-          </a:stretch>
-        </p:blipFill>
-        <p:spPr>
-          <a:xfrm>
-            <a:off x="2286000" y="944990"/>
-            <a:ext cx="7154562" cy="5547884"/>
-          </a:xfrm>
-        </p:spPr>
-      </p:pic>
+        </p:nvSpPr>
+        <p:spPr>
+          <a:xfrm>
+            <a:off x="838200" y="1271752"/>
+            <a:ext cx="10515600" cy="4905211"/>
+          </a:xfrm>
+        </p:spPr>
+        <p:txBody>
+          <a:bodyPr>
+            <a:normAutofit/>
+          </a:bodyPr>
+          <a:lstStyle/>
+          <a:p>
+            <a:pPr marL="0" indent="0">
+              <a:spcBef>
+                <a:spcPts val="600"/>
+              </a:spcBef>
+              <a:buNone/>
+            </a:pPr>
+            <a:r>
+              <a:rPr lang="en-US" sz="3600" b="1" dirty="0"/>
+              <a:t>Combiner</a:t>
+            </a:r>
+            <a:r>
+              <a:rPr lang="en-US" sz="3600" dirty="0"/>
+              <a:t> is also known as “</a:t>
+            </a:r>
+            <a:r>
+              <a:rPr lang="en-US" sz="3600" b="1" dirty="0"/>
+              <a:t>Mini-Reducer</a:t>
+            </a:r>
+            <a:r>
+              <a:rPr lang="en-US" sz="3600" dirty="0"/>
+              <a:t>” that summarizes the mapper output record with the </a:t>
+            </a:r>
+            <a:r>
+              <a:rPr lang="en-US" sz="3600" b="1" dirty="0"/>
+              <a:t>same</a:t>
+            </a:r>
+            <a:r>
+              <a:rPr lang="en-US" sz="3600" dirty="0"/>
+              <a:t> </a:t>
+            </a:r>
+            <a:r>
+              <a:rPr lang="en-US" sz="3600" b="1" dirty="0"/>
+              <a:t>Key</a:t>
+            </a:r>
+            <a:r>
+              <a:rPr lang="en-US" sz="3600" dirty="0"/>
+              <a:t> before passing to the Reducer. </a:t>
+            </a:r>
+          </a:p>
+          <a:p>
+            <a:pPr marL="0" indent="0">
+              <a:spcBef>
+                <a:spcPts val="600"/>
+              </a:spcBef>
+              <a:buNone/>
+            </a:pPr>
+            <a:endParaRPr lang="en-US" sz="3600" dirty="0">
+              <a:solidFill>
+                <a:srgbClr val="0000FF"/>
+              </a:solidFill>
+              <a:latin typeface="Consolas" panose="020B0609020204030204" pitchFamily="49" charset="0"/>
+              <a:cs typeface="Consolas" panose="020B0609020204030204" pitchFamily="49" charset="0"/>
+            </a:endParaRPr>
+          </a:p>
+          <a:p>
+            <a:pPr marL="0" indent="0">
+              <a:spcBef>
+                <a:spcPts val="600"/>
+              </a:spcBef>
+              <a:buNone/>
+            </a:pPr>
+            <a:r>
+              <a:rPr lang="en-US" sz="3600" dirty="0">
+                <a:solidFill>
+                  <a:srgbClr val="0000FF"/>
+                </a:solidFill>
+                <a:latin typeface="Consolas" panose="020B0609020204030204" pitchFamily="49" charset="0"/>
+                <a:cs typeface="Consolas" panose="020B0609020204030204" pitchFamily="49" charset="0"/>
+              </a:rPr>
+              <a:t>Mappers </a:t>
+            </a:r>
+            <a:r>
+              <a:rPr lang="en-US" sz="3600" dirty="0">
+                <a:solidFill>
+                  <a:srgbClr val="0000FF"/>
+                </a:solidFill>
+                <a:latin typeface="Consolas" panose="020B0609020204030204" pitchFamily="49" charset="0"/>
+                <a:cs typeface="Consolas" panose="020B0609020204030204" pitchFamily="49" charset="0"/>
+                <a:sym typeface="Wingdings" pitchFamily="2" charset="2"/>
+              </a:rPr>
+              <a:t> Combiners  Reducers</a:t>
+            </a:r>
+            <a:endParaRPr lang="en-US" sz="2400" dirty="0">
+              <a:solidFill>
+                <a:srgbClr val="0000FF"/>
+              </a:solidFill>
+              <a:latin typeface="Consolas" panose="020B0609020204030204" pitchFamily="49" charset="0"/>
+              <a:cs typeface="Consolas" panose="020B0609020204030204" pitchFamily="49" charset="0"/>
+            </a:endParaRPr>
+          </a:p>
+        </p:txBody>
+      </p:sp>
     </p:spTree>
     <p:extLst>
       <p:ext uri="{BB962C8B-B14F-4D97-AF65-F5344CB8AC3E}">
-        <p14:creationId xmlns:p14="http://schemas.microsoft.com/office/powerpoint/2010/main" val="29931794"/>
+        <p14:creationId xmlns:p14="http://schemas.microsoft.com/office/powerpoint/2010/main" val="291140189"/>
       </p:ext>
     </p:extLst>
   </p:cSld>

--- a/slides/mapreduce/3.1_combiners_in_mapreduce.pptx
+++ b/slides/mapreduce/3.1_combiners_in_mapreduce.pptx
@@ -11172,7 +11172,7 @@
         </p:spPr>
         <p:txBody>
           <a:bodyPr>
-            <a:normAutofit/>
+            <a:normAutofit lnSpcReduction="10000"/>
           </a:bodyPr>
           <a:lstStyle/>
           <a:p>
@@ -11252,9 +11252,80 @@
                 <a:spcPts val="600"/>
               </a:spcBef>
             </a:pPr>
+            <a:r>
+              <a:rPr lang="en-US" sz="3200" dirty="0">
+                <a:solidFill>
+                  <a:srgbClr val="002060"/>
+                </a:solidFill>
+                <a:latin typeface="Consolas" panose="020B0609020204030204" pitchFamily="49" charset="0"/>
+                <a:cs typeface="Consolas" panose="020B0609020204030204" pitchFamily="49" charset="0"/>
+              </a:rPr>
+              <a:t>(K, </a:t>
+            </a:r>
+            <a:r>
+              <a:rPr lang="en-US" sz="3200" dirty="0">
+                <a:solidFill>
+                  <a:srgbClr val="FF0000"/>
+                </a:solidFill>
+                <a:latin typeface="Consolas" panose="020B0609020204030204" pitchFamily="49" charset="0"/>
+                <a:cs typeface="Consolas" panose="020B0609020204030204" pitchFamily="49" charset="0"/>
+              </a:rPr>
+              <a:t>V</a:t>
+            </a:r>
+            <a:r>
+              <a:rPr lang="en-US" sz="3200" dirty="0">
+                <a:solidFill>
+                  <a:srgbClr val="002060"/>
+                </a:solidFill>
+                <a:latin typeface="Consolas" panose="020B0609020204030204" pitchFamily="49" charset="0"/>
+                <a:cs typeface="Consolas" panose="020B0609020204030204" pitchFamily="49" charset="0"/>
+              </a:rPr>
+              <a:t>) </a:t>
+            </a:r>
+            <a:r>
+              <a:rPr lang="en-US" sz="3200" dirty="0">
+                <a:solidFill>
+                  <a:srgbClr val="002060"/>
+                </a:solidFill>
+                <a:latin typeface="Consolas" panose="020B0609020204030204" pitchFamily="49" charset="0"/>
+                <a:cs typeface="Consolas" panose="020B0609020204030204" pitchFamily="49" charset="0"/>
+                <a:sym typeface="Wingdings" pitchFamily="2" charset="2"/>
+              </a:rPr>
+              <a:t> (K, </a:t>
+            </a:r>
+            <a:r>
+              <a:rPr lang="en-US" sz="3200" dirty="0">
+                <a:solidFill>
+                  <a:srgbClr val="FF0000"/>
+                </a:solidFill>
+                <a:latin typeface="Consolas" panose="020B0609020204030204" pitchFamily="49" charset="0"/>
+                <a:cs typeface="Consolas" panose="020B0609020204030204" pitchFamily="49" charset="0"/>
+                <a:sym typeface="Wingdings" pitchFamily="2" charset="2"/>
+              </a:rPr>
+              <a:t>(V, 1)</a:t>
+            </a:r>
+            <a:r>
+              <a:rPr lang="en-US" sz="3200" dirty="0">
+                <a:solidFill>
+                  <a:schemeClr val="tx1"/>
+                </a:solidFill>
+                <a:latin typeface="Consolas" panose="020B0609020204030204" pitchFamily="49" charset="0"/>
+                <a:cs typeface="Consolas" panose="020B0609020204030204" pitchFamily="49" charset="0"/>
+                <a:sym typeface="Wingdings" pitchFamily="2" charset="2"/>
+              </a:rPr>
+              <a:t>)</a:t>
+            </a:r>
+          </a:p>
+          <a:p>
+            <a:pPr marL="0" indent="0">
+              <a:spcBef>
+                <a:spcPts val="600"/>
+              </a:spcBef>
+              <a:buNone/>
+            </a:pPr>
             <a:endParaRPr lang="en-US" sz="3200" dirty="0">
               <a:solidFill>
-                <a:srgbClr val="002060"/>
+                <a:schemeClr val="tx1"/>
               </a:solidFill>
               <a:latin typeface="Consolas" panose="020B0609020204030204" pitchFamily="49" charset="0"/>
               <a:cs typeface="Consolas" panose="020B0609020204030204" pitchFamily="49" charset="0"/>
@@ -12199,7 +12270,7 @@
         </p:spPr>
         <p:txBody>
           <a:bodyPr>
-            <a:normAutofit/>
+            <a:normAutofit fontScale="92500" lnSpcReduction="10000"/>
           </a:bodyPr>
           <a:lstStyle/>
           <a:p>
@@ -12218,6 +12289,24 @@
                 <a:cs typeface="Consolas" panose="020B0609020204030204" pitchFamily="49" charset="0"/>
               </a:rPr>
               <a:t>Commutative:</a:t>
+            </a:r>
+          </a:p>
+          <a:p>
+            <a:pPr marL="0" indent="0">
+              <a:spcBef>
+                <a:spcPts val="600"/>
+              </a:spcBef>
+              <a:buNone/>
+            </a:pPr>
+            <a:r>
+              <a:rPr lang="en-US" sz="3200" b="1" dirty="0">
+                <a:solidFill>
+                  <a:srgbClr val="002060"/>
+                </a:solidFill>
+                <a:latin typeface="Consolas" panose="020B0609020204030204" pitchFamily="49" charset="0"/>
+                <a:cs typeface="Consolas" panose="020B0609020204030204" pitchFamily="49" charset="0"/>
+              </a:rPr>
+              <a:t>(a + b) = (b + a)</a:t>
             </a:r>
           </a:p>
           <a:p>
@@ -12267,10 +12356,47 @@
             </a:endParaRPr>
           </a:p>
           <a:p>
-            <a:pPr>
-              <a:spcBef>
-                <a:spcPts val="600"/>
-              </a:spcBef>
+            <a:pPr marL="0" indent="0">
+              <a:spcBef>
+                <a:spcPts val="600"/>
+              </a:spcBef>
+              <a:buNone/>
+            </a:pPr>
+            <a:r>
+              <a:rPr lang="en-US" sz="2400" dirty="0">
+                <a:solidFill>
+                  <a:srgbClr val="002060"/>
+                </a:solidFill>
+                <a:latin typeface="Consolas" panose="020B0609020204030204" pitchFamily="49" charset="0"/>
+                <a:cs typeface="Consolas" panose="020B0609020204030204" pitchFamily="49" charset="0"/>
+              </a:rPr>
+              <a:t>(sum1+sum2, count1+count2) = (sum2+sum1, count2+count1)</a:t>
+            </a:r>
+          </a:p>
+          <a:p>
+            <a:pPr marL="0" indent="0">
+              <a:spcBef>
+                <a:spcPts val="600"/>
+              </a:spcBef>
+              <a:buNone/>
+            </a:pPr>
+            <a:r>
+              <a:rPr lang="en-US" sz="2400" dirty="0">
+                <a:solidFill>
+                  <a:srgbClr val="002060"/>
+                </a:solidFill>
+                <a:latin typeface="Consolas" panose="020B0609020204030204" pitchFamily="49" charset="0"/>
+                <a:cs typeface="Consolas" panose="020B0609020204030204" pitchFamily="49" charset="0"/>
+              </a:rPr>
+              <a:t>                           = (sum1+sum2, count1+count2)</a:t>
+            </a:r>
+          </a:p>
+          <a:p>
+            <a:pPr marL="0" indent="0">
+              <a:spcBef>
+                <a:spcPts val="600"/>
+              </a:spcBef>
+              <a:buNone/>
             </a:pPr>
             <a:endParaRPr lang="en-US" sz="2800" dirty="0">
               <a:solidFill>
@@ -12306,6 +12432,24 @@
               <a:buNone/>
             </a:pPr>
             <a:r>
+              <a:rPr lang="en-US" sz="2800" b="1" dirty="0">
+                <a:solidFill>
+                  <a:srgbClr val="002060"/>
+                </a:solidFill>
+                <a:latin typeface="Consolas" panose="020B0609020204030204" pitchFamily="49" charset="0"/>
+                <a:cs typeface="Consolas" panose="020B0609020204030204" pitchFamily="49" charset="0"/>
+              </a:rPr>
+              <a:t>(a + (b + c)) = ((a + b) + c)</a:t>
+            </a:r>
+          </a:p>
+          <a:p>
+            <a:pPr marL="0" indent="0">
+              <a:spcBef>
+                <a:spcPts val="600"/>
+              </a:spcBef>
+              <a:buNone/>
+            </a:pPr>
+            <a:r>
               <a:rPr lang="en-US" sz="2200" b="1" dirty="0">
                 <a:solidFill>
                   <a:srgbClr val="002060"/>
@@ -12316,7 +12460,7 @@
                 <a:latin typeface="Consolas" panose="020B0609020204030204" pitchFamily="49" charset="0"/>
                 <a:cs typeface="Consolas" panose="020B0609020204030204" pitchFamily="49" charset="0"/>
               </a:rPr>
-              <a:t>F(a, F(b, c) = F(F(a, b), c)</a:t>
+              <a:t>F(a, F(b, c)) = F(F(a, b), c)</a:t>
             </a:r>
           </a:p>
           <a:p>
@@ -13142,8 +13286,25 @@
         </p:nvSpPr>
         <p:spPr/>
         <p:txBody>
-          <a:bodyPr/>
+          <a:bodyPr>
+            <a:normAutofit fontScale="92500" lnSpcReduction="20000"/>
+          </a:bodyPr>
           <a:lstStyle/>
+          <a:p>
+            <a:pPr marL="0" indent="0">
+              <a:buNone/>
+            </a:pPr>
+            <a:r>
+              <a:rPr lang="en-US" b="1" u="sng" dirty="0"/>
+              <a:t>Subtraction</a:t>
+            </a:r>
+          </a:p>
+          <a:p>
+            <a:r>
+              <a:rPr lang="en-US" dirty="0"/>
+              <a:t>F (a, b) != F(b, a)</a:t>
+            </a:r>
+          </a:p>
           <a:p>
             <a:r>
               <a:rPr lang="en-US" dirty="0"/>
@@ -13163,7 +13324,19 @@
             </a:r>
           </a:p>
           <a:p>
+            <a:pPr marL="0" indent="0">
+              <a:buNone/>
+            </a:pPr>
             <a:endParaRPr lang="en-US" dirty="0"/>
+          </a:p>
+          <a:p>
+            <a:pPr marL="0" indent="0">
+              <a:buNone/>
+            </a:pPr>
+            <a:r>
+              <a:rPr lang="en-US" b="1" u="sng" dirty="0"/>
+              <a:t>Division</a:t>
+            </a:r>
           </a:p>
           <a:p>
             <a:r>
